--- a/slides/Machine Learning aided Record Linkage.pptx
+++ b/slides/Machine Learning aided Record Linkage.pptx
@@ -9,8 +9,32 @@
     <p:sldId id="257" r:id="rId3"/>
     <p:sldId id="258" r:id="rId4"/>
     <p:sldId id="259" r:id="rId5"/>
-    <p:sldId id="260" r:id="rId6"/>
-    <p:sldId id="272" r:id="rId7"/>
+    <p:sldId id="279" r:id="rId6"/>
+    <p:sldId id="280" r:id="rId7"/>
+    <p:sldId id="281" r:id="rId8"/>
+    <p:sldId id="282" r:id="rId9"/>
+    <p:sldId id="283" r:id="rId10"/>
+    <p:sldId id="278" r:id="rId11"/>
+    <p:sldId id="260" r:id="rId12"/>
+    <p:sldId id="284" r:id="rId13"/>
+    <p:sldId id="285" r:id="rId14"/>
+    <p:sldId id="272" r:id="rId15"/>
+    <p:sldId id="273" r:id="rId16"/>
+    <p:sldId id="274" r:id="rId17"/>
+    <p:sldId id="275" r:id="rId18"/>
+    <p:sldId id="286" r:id="rId19"/>
+    <p:sldId id="276" r:id="rId20"/>
+    <p:sldId id="277" r:id="rId21"/>
+    <p:sldId id="288" r:id="rId22"/>
+    <p:sldId id="287" r:id="rId23"/>
+    <p:sldId id="289" r:id="rId24"/>
+    <p:sldId id="298" r:id="rId25"/>
+    <p:sldId id="291" r:id="rId26"/>
+    <p:sldId id="292" r:id="rId27"/>
+    <p:sldId id="293" r:id="rId28"/>
+    <p:sldId id="295" r:id="rId29"/>
+    <p:sldId id="296" r:id="rId30"/>
+    <p:sldId id="297" r:id="rId31"/>
   </p:sldIdLst>
   <p:sldSz cx="12192000" cy="6858000"/>
   <p:notesSz cx="6858000" cy="9144000"/>
@@ -303,7 +327,7 @@
           <a:p>
             <a:fld id="{4AAD347D-5ACD-4C99-B74B-A9C85AD731AF}" type="datetimeFigureOut">
               <a:rPr lang="en-US" smtClean="0"/>
-              <a:t>2/14/2020</a:t>
+              <a:t>2/15/2020</a:t>
             </a:fld>
             <a:endParaRPr lang="en-US" dirty="0"/>
           </a:p>
@@ -578,7 +602,7 @@
           <a:p>
             <a:fld id="{4509A250-FF31-4206-8172-F9D3106AACB1}" type="datetimeFigureOut">
               <a:rPr lang="en-US" smtClean="0"/>
-              <a:t>2/14/2020</a:t>
+              <a:t>2/15/2020</a:t>
             </a:fld>
             <a:endParaRPr lang="en-US" dirty="0"/>
           </a:p>
@@ -772,7 +796,7 @@
           <a:p>
             <a:fld id="{4509A250-FF31-4206-8172-F9D3106AACB1}" type="datetimeFigureOut">
               <a:rPr lang="en-US" smtClean="0"/>
-              <a:t>2/14/2020</a:t>
+              <a:t>2/15/2020</a:t>
             </a:fld>
             <a:endParaRPr lang="en-US" dirty="0"/>
           </a:p>
@@ -1045,7 +1069,7 @@
           <a:p>
             <a:fld id="{4AAD347D-5ACD-4C99-B74B-A9C85AD731AF}" type="datetimeFigureOut">
               <a:rPr lang="en-US" smtClean="0"/>
-              <a:t>2/14/2020</a:t>
+              <a:t>2/15/2020</a:t>
             </a:fld>
             <a:endParaRPr lang="en-US" dirty="0"/>
           </a:p>
@@ -1387,7 +1411,7 @@
           <a:p>
             <a:fld id="{4509A250-FF31-4206-8172-F9D3106AACB1}" type="datetimeFigureOut">
               <a:rPr lang="en-US" smtClean="0"/>
-              <a:t>2/14/2020</a:t>
+              <a:t>2/15/2020</a:t>
             </a:fld>
             <a:endParaRPr lang="en-US" dirty="0"/>
           </a:p>
@@ -2010,7 +2034,7 @@
           <a:p>
             <a:fld id="{4509A250-FF31-4206-8172-F9D3106AACB1}" type="datetimeFigureOut">
               <a:rPr lang="en-US" smtClean="0"/>
-              <a:t>2/14/2020</a:t>
+              <a:t>2/15/2020</a:t>
             </a:fld>
             <a:endParaRPr lang="en-US" dirty="0"/>
           </a:p>
@@ -2870,7 +2894,7 @@
           <a:p>
             <a:fld id="{4509A250-FF31-4206-8172-F9D3106AACB1}" type="datetimeFigureOut">
               <a:rPr lang="en-US" smtClean="0"/>
-              <a:t>2/14/2020</a:t>
+              <a:t>2/15/2020</a:t>
             </a:fld>
             <a:endParaRPr lang="en-US" dirty="0"/>
           </a:p>
@@ -3040,7 +3064,7 @@
           <a:p>
             <a:fld id="{4509A250-FF31-4206-8172-F9D3106AACB1}" type="datetimeFigureOut">
               <a:rPr lang="en-US" smtClean="0"/>
-              <a:t>2/14/2020</a:t>
+              <a:t>2/15/2020</a:t>
             </a:fld>
             <a:endParaRPr lang="en-US" dirty="0"/>
           </a:p>
@@ -3220,7 +3244,7 @@
           <a:p>
             <a:fld id="{4AAD347D-5ACD-4C99-B74B-A9C85AD731AF}" type="datetimeFigureOut">
               <a:rPr lang="en-US" smtClean="0"/>
-              <a:t>2/14/2020</a:t>
+              <a:t>2/15/2020</a:t>
             </a:fld>
             <a:endParaRPr lang="en-US" dirty="0"/>
           </a:p>
@@ -3391,7 +3415,7 @@
           <a:p>
             <a:fld id="{4509A250-FF31-4206-8172-F9D3106AACB1}" type="datetimeFigureOut">
               <a:rPr lang="en-US" smtClean="0"/>
-              <a:t>2/14/2020</a:t>
+              <a:t>2/15/2020</a:t>
             </a:fld>
             <a:endParaRPr lang="en-US" dirty="0"/>
           </a:p>
@@ -3638,7 +3662,7 @@
           <a:p>
             <a:fld id="{9796027F-7875-4030-9381-8BD8C4F21935}" type="datetimeFigureOut">
               <a:rPr lang="en-US" smtClean="0"/>
-              <a:t>2/14/2020</a:t>
+              <a:t>2/15/2020</a:t>
             </a:fld>
             <a:endParaRPr lang="en-US" dirty="0"/>
           </a:p>
@@ -3930,7 +3954,7 @@
           <a:p>
             <a:fld id="{9796027F-7875-4030-9381-8BD8C4F21935}" type="datetimeFigureOut">
               <a:rPr lang="en-US" smtClean="0"/>
-              <a:t>2/14/2020</a:t>
+              <a:t>2/15/2020</a:t>
             </a:fld>
             <a:endParaRPr lang="en-US" dirty="0"/>
           </a:p>
@@ -4374,7 +4398,7 @@
           <a:p>
             <a:fld id="{9796027F-7875-4030-9381-8BD8C4F21935}" type="datetimeFigureOut">
               <a:rPr lang="en-US" smtClean="0"/>
-              <a:t>2/14/2020</a:t>
+              <a:t>2/15/2020</a:t>
             </a:fld>
             <a:endParaRPr lang="en-US" dirty="0"/>
           </a:p>
@@ -4492,7 +4516,7 @@
           <a:p>
             <a:fld id="{4509A250-FF31-4206-8172-F9D3106AACB1}" type="datetimeFigureOut">
               <a:rPr lang="en-US" smtClean="0"/>
-              <a:t>2/14/2020</a:t>
+              <a:t>2/15/2020</a:t>
             </a:fld>
             <a:endParaRPr lang="en-US" dirty="0"/>
           </a:p>
@@ -4587,7 +4611,7 @@
           <a:p>
             <a:fld id="{4509A250-FF31-4206-8172-F9D3106AACB1}" type="datetimeFigureOut">
               <a:rPr lang="en-US" smtClean="0"/>
-              <a:t>2/14/2020</a:t>
+              <a:t>2/15/2020</a:t>
             </a:fld>
             <a:endParaRPr lang="en-US" dirty="0"/>
           </a:p>
@@ -4866,7 +4890,7 @@
           <a:p>
             <a:fld id="{4509A250-FF31-4206-8172-F9D3106AACB1}" type="datetimeFigureOut">
               <a:rPr lang="en-US" smtClean="0"/>
-              <a:t>2/14/2020</a:t>
+              <a:t>2/15/2020</a:t>
             </a:fld>
             <a:endParaRPr lang="en-US" dirty="0"/>
           </a:p>
@@ -5141,7 +5165,7 @@
           <a:p>
             <a:fld id="{4509A250-FF31-4206-8172-F9D3106AACB1}" type="datetimeFigureOut">
               <a:rPr lang="en-US" smtClean="0"/>
-              <a:t>2/14/2020</a:t>
+              <a:t>2/15/2020</a:t>
             </a:fld>
             <a:endParaRPr lang="en-US" dirty="0"/>
           </a:p>
@@ -5570,7 +5594,7 @@
           <a:p>
             <a:fld id="{4AAD347D-5ACD-4C99-B74B-A9C85AD731AF}" type="datetimeFigureOut">
               <a:rPr lang="en-US" smtClean="0"/>
-              <a:t>2/14/2020</a:t>
+              <a:t>2/15/2020</a:t>
             </a:fld>
             <a:endParaRPr lang="en-US" dirty="0"/>
           </a:p>
@@ -6183,7 +6207,7 @@
             </a:r>
             <a:r>
               <a:rPr lang="it-IT" dirty="0"/>
-              <a:t> stranieri</a:t>
+              <a:t> stranieri (816551)</a:t>
             </a:r>
             <a:br>
               <a:rPr lang="it-IT" dirty="0"/>
@@ -6244,6 +6268,2481 @@
     <p:extLst>
       <p:ext uri="{BB962C8B-B14F-4D97-AF65-F5344CB8AC3E}">
         <p14:creationId xmlns:p14="http://schemas.microsoft.com/office/powerpoint/2010/main" val="3369928268"/>
+      </p:ext>
+    </p:extLst>
+  </p:cSld>
+  <p:clrMapOvr>
+    <a:masterClrMapping/>
+  </p:clrMapOvr>
+</p:sld>
+</file>
+
+<file path=ppt/slides/slide10.xml><?xml version="1.0" encoding="utf-8"?>
+<p:sld xmlns:a="http://schemas.openxmlformats.org/drawingml/2006/main" xmlns:r="http://schemas.openxmlformats.org/officeDocument/2006/relationships" xmlns:p="http://schemas.openxmlformats.org/presentationml/2006/main">
+  <p:cSld>
+    <p:spTree>
+      <p:nvGrpSpPr>
+        <p:cNvPr id="1" name=""/>
+        <p:cNvGrpSpPr/>
+        <p:nvPr/>
+      </p:nvGrpSpPr>
+      <p:grpSpPr>
+        <a:xfrm>
+          <a:off x="0" y="0"/>
+          <a:ext cx="0" cy="0"/>
+          <a:chOff x="0" y="0"/>
+          <a:chExt cx="0" cy="0"/>
+        </a:xfrm>
+      </p:grpSpPr>
+      <p:sp>
+        <p:nvSpPr>
+          <p:cNvPr id="2" name="Titolo 1">
+            <a:extLst>
+              <a:ext uri="{FF2B5EF4-FFF2-40B4-BE49-F238E27FC236}">
+                <a16:creationId xmlns:a16="http://schemas.microsoft.com/office/drawing/2014/main" id="{8BDD08D9-230F-426B-880B-74D8415ACB23}"/>
+              </a:ext>
+            </a:extLst>
+          </p:cNvPr>
+          <p:cNvSpPr>
+            <a:spLocks noGrp="1"/>
+          </p:cNvSpPr>
+          <p:nvPr>
+            <p:ph type="title"/>
+          </p:nvPr>
+        </p:nvSpPr>
+        <p:spPr/>
+        <p:txBody>
+          <a:bodyPr/>
+          <a:lstStyle/>
+          <a:p>
+            <a:r>
+              <a:rPr lang="it-IT" dirty="0" err="1"/>
+              <a:t>Our</a:t>
+            </a:r>
+            <a:r>
+              <a:rPr lang="it-IT" dirty="0"/>
+              <a:t> project - </a:t>
+            </a:r>
+            <a:r>
+              <a:rPr lang="it-IT" dirty="0" err="1"/>
+              <a:t>Overview</a:t>
+            </a:r>
+            <a:endParaRPr lang="it-IT" dirty="0"/>
+          </a:p>
+        </p:txBody>
+      </p:sp>
+      <p:sp>
+        <p:nvSpPr>
+          <p:cNvPr id="3" name="Segnaposto contenuto 2">
+            <a:extLst>
+              <a:ext uri="{FF2B5EF4-FFF2-40B4-BE49-F238E27FC236}">
+                <a16:creationId xmlns:a16="http://schemas.microsoft.com/office/drawing/2014/main" id="{DAB3AC3B-F356-4FAD-9B0B-A068E836B801}"/>
+              </a:ext>
+            </a:extLst>
+          </p:cNvPr>
+          <p:cNvSpPr>
+            <a:spLocks noGrp="1"/>
+          </p:cNvSpPr>
+          <p:nvPr>
+            <p:ph idx="1"/>
+          </p:nvPr>
+        </p:nvSpPr>
+        <p:spPr/>
+        <p:txBody>
+          <a:bodyPr/>
+          <a:lstStyle/>
+          <a:p>
+            <a:r>
+              <a:rPr lang="it-IT" dirty="0"/>
+              <a:t>Two </a:t>
+            </a:r>
+            <a:r>
+              <a:rPr lang="it-IT" dirty="0" err="1"/>
+              <a:t>experiments</a:t>
+            </a:r>
+            <a:r>
+              <a:rPr lang="it-IT" dirty="0"/>
+              <a:t> </a:t>
+            </a:r>
+            <a:r>
+              <a:rPr lang="it-IT" dirty="0" err="1"/>
+              <a:t>will</a:t>
+            </a:r>
+            <a:r>
+              <a:rPr lang="it-IT" dirty="0"/>
+              <a:t> be </a:t>
+            </a:r>
+            <a:r>
+              <a:rPr lang="it-IT" dirty="0" err="1"/>
+              <a:t>presented</a:t>
+            </a:r>
+            <a:r>
+              <a:rPr lang="it-IT" dirty="0"/>
+              <a:t>:</a:t>
+            </a:r>
+            <a:br>
+              <a:rPr lang="it-IT" dirty="0"/>
+            </a:br>
+            <a:endParaRPr lang="it-IT" dirty="0"/>
+          </a:p>
+          <a:p>
+            <a:pPr marL="800100" lvl="1" indent="-342900">
+              <a:buFont typeface="+mj-lt"/>
+              <a:buAutoNum type="arabicPeriod"/>
+            </a:pPr>
+            <a:r>
+              <a:rPr lang="it-IT" dirty="0" err="1"/>
+              <a:t>Comparison</a:t>
+            </a:r>
+            <a:r>
+              <a:rPr lang="it-IT" dirty="0"/>
+              <a:t> </a:t>
+            </a:r>
+            <a:r>
+              <a:rPr lang="it-IT" dirty="0" err="1"/>
+              <a:t>between</a:t>
+            </a:r>
+            <a:r>
+              <a:rPr lang="it-IT" dirty="0"/>
+              <a:t> </a:t>
+            </a:r>
+            <a:r>
+              <a:rPr lang="it-IT" dirty="0" err="1"/>
+              <a:t>Indexing</a:t>
+            </a:r>
+            <a:r>
+              <a:rPr lang="it-IT" dirty="0"/>
+              <a:t> </a:t>
+            </a:r>
+            <a:r>
+              <a:rPr lang="it-IT" dirty="0" err="1"/>
+              <a:t>methods</a:t>
+            </a:r>
+            <a:r>
+              <a:rPr lang="it-IT" dirty="0"/>
+              <a:t> (</a:t>
+            </a:r>
+            <a:r>
+              <a:rPr lang="it-IT" b="1" dirty="0"/>
+              <a:t>Full index </a:t>
+            </a:r>
+            <a:r>
+              <a:rPr lang="it-IT" dirty="0"/>
+              <a:t>vs </a:t>
+            </a:r>
+            <a:r>
+              <a:rPr lang="it-IT" b="1" dirty="0" err="1"/>
+              <a:t>Block</a:t>
+            </a:r>
+            <a:r>
+              <a:rPr lang="it-IT" b="1" dirty="0"/>
+              <a:t> index</a:t>
+            </a:r>
+            <a:r>
+              <a:rPr lang="it-IT" dirty="0"/>
+              <a:t>)</a:t>
+            </a:r>
+          </a:p>
+          <a:p>
+            <a:pPr marL="1200150" lvl="2" indent="-342900"/>
+            <a:r>
+              <a:rPr lang="it-IT" dirty="0" err="1"/>
+              <a:t>Does</a:t>
+            </a:r>
+            <a:r>
+              <a:rPr lang="it-IT" dirty="0"/>
+              <a:t> the </a:t>
+            </a:r>
+            <a:r>
+              <a:rPr lang="it-IT" dirty="0" err="1"/>
+              <a:t>number</a:t>
+            </a:r>
+            <a:r>
+              <a:rPr lang="it-IT" dirty="0"/>
+              <a:t> of candidate links </a:t>
+            </a:r>
+            <a:r>
+              <a:rPr lang="it-IT" dirty="0" err="1"/>
+              <a:t>matter</a:t>
+            </a:r>
+            <a:r>
+              <a:rPr lang="it-IT" dirty="0"/>
+              <a:t>?</a:t>
+            </a:r>
+          </a:p>
+          <a:p>
+            <a:pPr marL="1200150" lvl="2" indent="-342900"/>
+            <a:r>
+              <a:rPr lang="it-IT" dirty="0" err="1"/>
+              <a:t>Is</a:t>
+            </a:r>
+            <a:r>
+              <a:rPr lang="it-IT" dirty="0"/>
+              <a:t> the </a:t>
+            </a:r>
+            <a:r>
+              <a:rPr lang="it-IT" dirty="0" err="1"/>
+              <a:t>tradeoff</a:t>
+            </a:r>
+            <a:r>
+              <a:rPr lang="it-IT" dirty="0"/>
+              <a:t> </a:t>
+            </a:r>
+            <a:r>
+              <a:rPr lang="it-IT" dirty="0" err="1"/>
+              <a:t>between</a:t>
+            </a:r>
+            <a:r>
+              <a:rPr lang="it-IT" dirty="0"/>
+              <a:t> speed and </a:t>
+            </a:r>
+            <a:r>
+              <a:rPr lang="it-IT" dirty="0" err="1"/>
+              <a:t>quality</a:t>
+            </a:r>
+            <a:r>
+              <a:rPr lang="it-IT" dirty="0"/>
+              <a:t> of </a:t>
+            </a:r>
+            <a:r>
+              <a:rPr lang="it-IT" dirty="0" err="1"/>
+              <a:t>results</a:t>
+            </a:r>
+            <a:r>
+              <a:rPr lang="it-IT" dirty="0"/>
+              <a:t> </a:t>
+            </a:r>
+            <a:r>
+              <a:rPr lang="it-IT" dirty="0" err="1"/>
+              <a:t>worth</a:t>
+            </a:r>
+            <a:r>
+              <a:rPr lang="it-IT" dirty="0"/>
+              <a:t> </a:t>
+            </a:r>
+            <a:r>
+              <a:rPr lang="it-IT" dirty="0" err="1"/>
+              <a:t>it</a:t>
+            </a:r>
+            <a:r>
+              <a:rPr lang="it-IT" dirty="0"/>
+              <a:t> for </a:t>
+            </a:r>
+            <a:r>
+              <a:rPr lang="it-IT" dirty="0" err="1"/>
+              <a:t>our</a:t>
+            </a:r>
+            <a:r>
+              <a:rPr lang="it-IT" dirty="0"/>
+              <a:t> models?</a:t>
+            </a:r>
+            <a:br>
+              <a:rPr lang="it-IT" dirty="0"/>
+            </a:br>
+            <a:endParaRPr lang="it-IT" dirty="0"/>
+          </a:p>
+          <a:p>
+            <a:pPr marL="800100" lvl="1" indent="-342900">
+              <a:buFont typeface="+mj-lt"/>
+              <a:buAutoNum type="arabicPeriod"/>
+            </a:pPr>
+            <a:r>
+              <a:rPr lang="it-IT" b="1" dirty="0"/>
+              <a:t>Training</a:t>
+            </a:r>
+            <a:r>
+              <a:rPr lang="it-IT" dirty="0"/>
+              <a:t> and </a:t>
+            </a:r>
+            <a:r>
+              <a:rPr lang="it-IT" b="1" dirty="0"/>
+              <a:t>Testing</a:t>
+            </a:r>
+            <a:r>
+              <a:rPr lang="it-IT" dirty="0"/>
+              <a:t> </a:t>
+            </a:r>
+            <a:r>
+              <a:rPr lang="it-IT" dirty="0" err="1"/>
+              <a:t>our</a:t>
+            </a:r>
+            <a:r>
+              <a:rPr lang="it-IT" dirty="0"/>
+              <a:t> ML models</a:t>
+            </a:r>
+          </a:p>
+          <a:p>
+            <a:pPr marL="1200150" lvl="2" indent="-342900"/>
+            <a:r>
+              <a:rPr lang="it-IT" dirty="0"/>
+              <a:t>Are the models re-</a:t>
+            </a:r>
+            <a:r>
+              <a:rPr lang="it-IT" dirty="0" err="1"/>
+              <a:t>usable</a:t>
+            </a:r>
+            <a:r>
+              <a:rPr lang="it-IT" dirty="0"/>
+              <a:t>?</a:t>
+            </a:r>
+          </a:p>
+          <a:p>
+            <a:pPr marL="1200150" lvl="2" indent="-342900"/>
+            <a:r>
+              <a:rPr lang="it-IT" dirty="0" err="1"/>
+              <a:t>Is</a:t>
+            </a:r>
+            <a:r>
+              <a:rPr lang="it-IT" dirty="0"/>
+              <a:t> </a:t>
+            </a:r>
+            <a:r>
+              <a:rPr lang="it-IT" dirty="0" err="1"/>
+              <a:t>it</a:t>
+            </a:r>
+            <a:r>
+              <a:rPr lang="it-IT" dirty="0"/>
+              <a:t> </a:t>
+            </a:r>
+            <a:r>
+              <a:rPr lang="it-IT" dirty="0" err="1"/>
+              <a:t>viable</a:t>
+            </a:r>
+            <a:r>
+              <a:rPr lang="it-IT" dirty="0"/>
+              <a:t> in </a:t>
+            </a:r>
+            <a:r>
+              <a:rPr lang="it-IT" dirty="0" err="1"/>
+              <a:t>real</a:t>
+            </a:r>
+            <a:r>
+              <a:rPr lang="it-IT" dirty="0"/>
+              <a:t>-case </a:t>
+            </a:r>
+            <a:r>
+              <a:rPr lang="it-IT" dirty="0" err="1"/>
+              <a:t>scenarios</a:t>
+            </a:r>
+            <a:r>
+              <a:rPr lang="it-IT" dirty="0"/>
+              <a:t>? </a:t>
+            </a:r>
+            <a:r>
+              <a:rPr lang="it-IT" dirty="0" err="1"/>
+              <a:t>Why</a:t>
+            </a:r>
+            <a:r>
+              <a:rPr lang="it-IT" dirty="0"/>
+              <a:t>?</a:t>
+            </a:r>
+          </a:p>
+        </p:txBody>
+      </p:sp>
+    </p:spTree>
+    <p:extLst>
+      <p:ext uri="{BB962C8B-B14F-4D97-AF65-F5344CB8AC3E}">
+        <p14:creationId xmlns:p14="http://schemas.microsoft.com/office/powerpoint/2010/main" val="1720763732"/>
+      </p:ext>
+    </p:extLst>
+  </p:cSld>
+  <p:clrMapOvr>
+    <a:masterClrMapping/>
+  </p:clrMapOvr>
+</p:sld>
+</file>
+
+<file path=ppt/slides/slide11.xml><?xml version="1.0" encoding="utf-8"?>
+<p:sld xmlns:a="http://schemas.openxmlformats.org/drawingml/2006/main" xmlns:r="http://schemas.openxmlformats.org/officeDocument/2006/relationships" xmlns:p="http://schemas.openxmlformats.org/presentationml/2006/main">
+  <p:cSld>
+    <p:spTree>
+      <p:nvGrpSpPr>
+        <p:cNvPr id="1" name=""/>
+        <p:cNvGrpSpPr/>
+        <p:nvPr/>
+      </p:nvGrpSpPr>
+      <p:grpSpPr>
+        <a:xfrm>
+          <a:off x="0" y="0"/>
+          <a:ext cx="0" cy="0"/>
+          <a:chOff x="0" y="0"/>
+          <a:chExt cx="0" cy="0"/>
+        </a:xfrm>
+      </p:grpSpPr>
+      <p:sp>
+        <p:nvSpPr>
+          <p:cNvPr id="2" name="Titolo 1">
+            <a:extLst>
+              <a:ext uri="{FF2B5EF4-FFF2-40B4-BE49-F238E27FC236}">
+                <a16:creationId xmlns:a16="http://schemas.microsoft.com/office/drawing/2014/main" id="{7E680E05-B1A4-4F49-A909-BEC7E80A0EA7}"/>
+              </a:ext>
+            </a:extLst>
+          </p:cNvPr>
+          <p:cNvSpPr>
+            <a:spLocks noGrp="1"/>
+          </p:cNvSpPr>
+          <p:nvPr>
+            <p:ph type="title"/>
+          </p:nvPr>
+        </p:nvSpPr>
+        <p:spPr/>
+        <p:txBody>
+          <a:bodyPr/>
+          <a:lstStyle/>
+          <a:p>
+            <a:r>
+              <a:rPr lang="it-IT" dirty="0" err="1"/>
+              <a:t>Our</a:t>
+            </a:r>
+            <a:r>
+              <a:rPr lang="it-IT" dirty="0"/>
+              <a:t> project – Experiment 1:</a:t>
+            </a:r>
+            <a:br>
+              <a:rPr lang="it-IT" dirty="0"/>
+            </a:br>
+            <a:r>
+              <a:rPr lang="it-IT" dirty="0"/>
+              <a:t>Full Index vs </a:t>
+            </a:r>
+            <a:r>
+              <a:rPr lang="it-IT" dirty="0" err="1"/>
+              <a:t>Block</a:t>
+            </a:r>
+            <a:r>
+              <a:rPr lang="it-IT" dirty="0"/>
+              <a:t> Index</a:t>
+            </a:r>
+            <a:br>
+              <a:rPr lang="it-IT" dirty="0"/>
+            </a:br>
+            <a:endParaRPr lang="it-IT" dirty="0"/>
+          </a:p>
+        </p:txBody>
+      </p:sp>
+      <p:sp>
+        <p:nvSpPr>
+          <p:cNvPr id="3" name="Segnaposto contenuto 2">
+            <a:extLst>
+              <a:ext uri="{FF2B5EF4-FFF2-40B4-BE49-F238E27FC236}">
+                <a16:creationId xmlns:a16="http://schemas.microsoft.com/office/drawing/2014/main" id="{89DA4000-CF61-47DF-A8E8-335D173160FC}"/>
+              </a:ext>
+            </a:extLst>
+          </p:cNvPr>
+          <p:cNvSpPr>
+            <a:spLocks noGrp="1"/>
+          </p:cNvSpPr>
+          <p:nvPr>
+            <p:ph idx="1"/>
+          </p:nvPr>
+        </p:nvSpPr>
+        <p:spPr>
+          <a:xfrm>
+            <a:off x="833017" y="2171274"/>
+            <a:ext cx="5199723" cy="3082674"/>
+          </a:xfrm>
+        </p:spPr>
+        <p:txBody>
+          <a:bodyPr>
+            <a:normAutofit/>
+          </a:bodyPr>
+          <a:lstStyle/>
+          <a:p>
+            <a:r>
+              <a:rPr lang="it-IT" sz="1600" dirty="0"/>
+              <a:t>Two </a:t>
+            </a:r>
+            <a:r>
+              <a:rPr lang="it-IT" sz="1600" dirty="0" err="1"/>
+              <a:t>types</a:t>
+            </a:r>
+            <a:r>
+              <a:rPr lang="it-IT" sz="1600" dirty="0"/>
+              <a:t> of </a:t>
+            </a:r>
+            <a:r>
+              <a:rPr lang="it-IT" sz="1600" dirty="0" err="1"/>
+              <a:t>Indexing</a:t>
+            </a:r>
+            <a:r>
+              <a:rPr lang="it-IT" sz="1600" dirty="0"/>
+              <a:t> </a:t>
+            </a:r>
+            <a:r>
+              <a:rPr lang="it-IT" sz="1600" dirty="0" err="1"/>
+              <a:t>methods</a:t>
+            </a:r>
+            <a:r>
+              <a:rPr lang="it-IT" sz="1600" dirty="0"/>
+              <a:t> are </a:t>
+            </a:r>
+            <a:r>
+              <a:rPr lang="it-IT" sz="1600" dirty="0" err="1"/>
+              <a:t>available</a:t>
+            </a:r>
+            <a:r>
+              <a:rPr lang="it-IT" sz="1600" dirty="0"/>
+              <a:t>:</a:t>
+            </a:r>
+          </a:p>
+          <a:p>
+            <a:pPr lvl="1"/>
+            <a:r>
+              <a:rPr lang="it-IT" sz="1600" b="1" dirty="0"/>
+              <a:t>Full Index: </a:t>
+            </a:r>
+            <a:r>
+              <a:rPr lang="en-US" sz="1600" dirty="0"/>
+              <a:t>make the cartesian product of records</a:t>
+            </a:r>
+          </a:p>
+          <a:p>
+            <a:pPr lvl="2"/>
+            <a:r>
+              <a:rPr lang="en-US" sz="1400" dirty="0"/>
+              <a:t>No a-priori assumptions on datasets</a:t>
+            </a:r>
+          </a:p>
+          <a:p>
+            <a:pPr lvl="1"/>
+            <a:r>
+              <a:rPr lang="en-US" sz="1600" b="1" dirty="0"/>
+              <a:t>Block Index: </a:t>
+            </a:r>
+            <a:r>
+              <a:rPr lang="en-US" sz="1600" dirty="0"/>
+              <a:t>only find a subset of the cartesian product, according to some dataset attributes that must match</a:t>
+            </a:r>
+          </a:p>
+          <a:p>
+            <a:pPr lvl="2"/>
+            <a:r>
+              <a:rPr lang="en-US" sz="1400" dirty="0"/>
+              <a:t>Requires at least an attribute that match exactly</a:t>
+            </a:r>
+          </a:p>
+        </p:txBody>
+      </p:sp>
+      <p:pic>
+        <p:nvPicPr>
+          <p:cNvPr id="4" name="Immagine 3">
+            <a:extLst>
+              <a:ext uri="{FF2B5EF4-FFF2-40B4-BE49-F238E27FC236}">
+                <a16:creationId xmlns:a16="http://schemas.microsoft.com/office/drawing/2014/main" id="{7D450570-EDB5-42F0-864F-C0E004FFC3CB}"/>
+              </a:ext>
+            </a:extLst>
+          </p:cNvPr>
+          <p:cNvPicPr>
+            <a:picLocks noChangeAspect="1"/>
+          </p:cNvPicPr>
+          <p:nvPr/>
+        </p:nvPicPr>
+        <p:blipFill>
+          <a:blip r:embed="rId2"/>
+          <a:stretch>
+            <a:fillRect/>
+          </a:stretch>
+        </p:blipFill>
+        <p:spPr>
+          <a:xfrm>
+            <a:off x="6826369" y="2125265"/>
+            <a:ext cx="3535015" cy="3743255"/>
+          </a:xfrm>
+          <a:prstGeom prst="rect">
+            <a:avLst/>
+          </a:prstGeom>
+        </p:spPr>
+      </p:pic>
+    </p:spTree>
+    <p:extLst>
+      <p:ext uri="{BB962C8B-B14F-4D97-AF65-F5344CB8AC3E}">
+        <p14:creationId xmlns:p14="http://schemas.microsoft.com/office/powerpoint/2010/main" val="928645330"/>
+      </p:ext>
+    </p:extLst>
+  </p:cSld>
+  <p:clrMapOvr>
+    <a:masterClrMapping/>
+  </p:clrMapOvr>
+</p:sld>
+</file>
+
+<file path=ppt/slides/slide12.xml><?xml version="1.0" encoding="utf-8"?>
+<p:sld xmlns:a="http://schemas.openxmlformats.org/drawingml/2006/main" xmlns:r="http://schemas.openxmlformats.org/officeDocument/2006/relationships" xmlns:p="http://schemas.openxmlformats.org/presentationml/2006/main">
+  <p:cSld>
+    <p:spTree>
+      <p:nvGrpSpPr>
+        <p:cNvPr id="1" name=""/>
+        <p:cNvGrpSpPr/>
+        <p:nvPr/>
+      </p:nvGrpSpPr>
+      <p:grpSpPr>
+        <a:xfrm>
+          <a:off x="0" y="0"/>
+          <a:ext cx="0" cy="0"/>
+          <a:chOff x="0" y="0"/>
+          <a:chExt cx="0" cy="0"/>
+        </a:xfrm>
+      </p:grpSpPr>
+      <p:sp>
+        <p:nvSpPr>
+          <p:cNvPr id="2" name="Titolo 1">
+            <a:extLst>
+              <a:ext uri="{FF2B5EF4-FFF2-40B4-BE49-F238E27FC236}">
+                <a16:creationId xmlns:a16="http://schemas.microsoft.com/office/drawing/2014/main" id="{01BB3896-F69D-4257-9593-3CC63D60BF78}"/>
+              </a:ext>
+            </a:extLst>
+          </p:cNvPr>
+          <p:cNvSpPr>
+            <a:spLocks noGrp="1"/>
+          </p:cNvSpPr>
+          <p:nvPr>
+            <p:ph type="title"/>
+          </p:nvPr>
+        </p:nvSpPr>
+        <p:spPr/>
+        <p:txBody>
+          <a:bodyPr/>
+          <a:lstStyle/>
+          <a:p>
+            <a:r>
+              <a:rPr lang="it-IT" dirty="0" err="1"/>
+              <a:t>Our</a:t>
+            </a:r>
+            <a:r>
+              <a:rPr lang="it-IT" dirty="0"/>
+              <a:t> project – Experiment 1:</a:t>
+            </a:r>
+            <a:br>
+              <a:rPr lang="it-IT" dirty="0"/>
+            </a:br>
+            <a:r>
+              <a:rPr lang="it-IT" dirty="0"/>
+              <a:t>Datasets </a:t>
+            </a:r>
+            <a:r>
+              <a:rPr lang="it-IT" dirty="0" err="1"/>
+              <a:t>used</a:t>
+            </a:r>
+            <a:endParaRPr lang="it-IT" dirty="0"/>
+          </a:p>
+        </p:txBody>
+      </p:sp>
+      <p:sp>
+        <p:nvSpPr>
+          <p:cNvPr id="3" name="Segnaposto contenuto 2">
+            <a:extLst>
+              <a:ext uri="{FF2B5EF4-FFF2-40B4-BE49-F238E27FC236}">
+                <a16:creationId xmlns:a16="http://schemas.microsoft.com/office/drawing/2014/main" id="{2054E9F7-8A8D-4582-AE4A-592E441B1E67}"/>
+              </a:ext>
+            </a:extLst>
+          </p:cNvPr>
+          <p:cNvSpPr>
+            <a:spLocks noGrp="1"/>
+          </p:cNvSpPr>
+          <p:nvPr>
+            <p:ph idx="1"/>
+          </p:nvPr>
+        </p:nvSpPr>
+        <p:spPr>
+          <a:xfrm>
+            <a:off x="1103312" y="2052918"/>
+            <a:ext cx="10530845" cy="4195481"/>
+          </a:xfrm>
+        </p:spPr>
+        <p:txBody>
+          <a:bodyPr/>
+          <a:lstStyle/>
+          <a:p>
+            <a:r>
+              <a:rPr lang="it-IT" dirty="0" err="1"/>
+              <a:t>Throughout</a:t>
+            </a:r>
+            <a:r>
+              <a:rPr lang="it-IT" dirty="0"/>
+              <a:t> the </a:t>
+            </a:r>
+            <a:r>
+              <a:rPr lang="it-IT" dirty="0" err="1"/>
+              <a:t>experiments</a:t>
+            </a:r>
+            <a:r>
+              <a:rPr lang="it-IT" dirty="0"/>
+              <a:t>, </a:t>
+            </a:r>
+            <a:r>
+              <a:rPr lang="it-IT" dirty="0" err="1"/>
+              <a:t>we</a:t>
+            </a:r>
+            <a:r>
+              <a:rPr lang="it-IT" dirty="0"/>
+              <a:t> </a:t>
+            </a:r>
+            <a:r>
+              <a:rPr lang="it-IT" dirty="0" err="1"/>
+              <a:t>will</a:t>
+            </a:r>
+            <a:r>
+              <a:rPr lang="it-IT" dirty="0"/>
+              <a:t> use </a:t>
+            </a:r>
+            <a:r>
+              <a:rPr lang="it-IT" b="1" dirty="0"/>
+              <a:t>FEBRL</a:t>
+            </a:r>
+            <a:r>
+              <a:rPr lang="it-IT" dirty="0"/>
+              <a:t> (</a:t>
+            </a:r>
+            <a:r>
+              <a:rPr lang="it-IT" dirty="0" err="1"/>
+              <a:t>Freely</a:t>
+            </a:r>
+            <a:r>
+              <a:rPr lang="it-IT" dirty="0"/>
+              <a:t> </a:t>
+            </a:r>
+            <a:r>
+              <a:rPr lang="it-IT" dirty="0" err="1"/>
+              <a:t>Extensible</a:t>
+            </a:r>
+            <a:r>
+              <a:rPr lang="it-IT" dirty="0"/>
+              <a:t> </a:t>
+            </a:r>
+            <a:r>
+              <a:rPr lang="it-IT" dirty="0" err="1"/>
+              <a:t>Biomedical</a:t>
+            </a:r>
+            <a:r>
+              <a:rPr lang="it-IT" dirty="0"/>
+              <a:t> Record Linkage) datasets</a:t>
+            </a:r>
+          </a:p>
+          <a:p>
+            <a:pPr lvl="1"/>
+            <a:r>
+              <a:rPr lang="it-IT" dirty="0"/>
+              <a:t>In </a:t>
+            </a:r>
+            <a:r>
+              <a:rPr lang="it-IT" dirty="0" err="1"/>
+              <a:t>this</a:t>
+            </a:r>
+            <a:r>
+              <a:rPr lang="it-IT" dirty="0"/>
+              <a:t> </a:t>
+            </a:r>
+            <a:r>
+              <a:rPr lang="it-IT" dirty="0" err="1"/>
+              <a:t>experiment</a:t>
+            </a:r>
+            <a:r>
+              <a:rPr lang="it-IT" dirty="0"/>
+              <a:t> </a:t>
+            </a:r>
+            <a:r>
+              <a:rPr lang="it-IT" dirty="0" err="1"/>
+              <a:t>we</a:t>
+            </a:r>
+            <a:r>
+              <a:rPr lang="it-IT" dirty="0"/>
+              <a:t> </a:t>
+            </a:r>
+            <a:r>
+              <a:rPr lang="it-IT" dirty="0" err="1"/>
+              <a:t>used</a:t>
+            </a:r>
+            <a:r>
+              <a:rPr lang="it-IT" dirty="0"/>
+              <a:t> the </a:t>
+            </a:r>
+            <a:r>
+              <a:rPr lang="it-IT" b="1" dirty="0"/>
+              <a:t>febrl4 dataset</a:t>
+            </a:r>
+          </a:p>
+          <a:p>
+            <a:pPr lvl="2"/>
+            <a:r>
+              <a:rPr lang="it-IT" b="1" dirty="0"/>
+              <a:t>10000 </a:t>
+            </a:r>
+            <a:r>
+              <a:rPr lang="it-IT" b="1" dirty="0" err="1"/>
+              <a:t>records</a:t>
+            </a:r>
+            <a:r>
+              <a:rPr lang="it-IT" b="1" dirty="0"/>
+              <a:t> (5000 </a:t>
+            </a:r>
+            <a:r>
+              <a:rPr lang="it-IT" b="1" dirty="0" err="1"/>
+              <a:t>original</a:t>
+            </a:r>
+            <a:r>
+              <a:rPr lang="it-IT" b="1" dirty="0"/>
+              <a:t> and 5000 </a:t>
+            </a:r>
+            <a:r>
+              <a:rPr lang="it-IT" b="1" dirty="0" err="1"/>
+              <a:t>duplicates</a:t>
+            </a:r>
+            <a:r>
+              <a:rPr lang="it-IT" b="1" dirty="0"/>
+              <a:t>)</a:t>
+            </a:r>
+          </a:p>
+          <a:p>
+            <a:pPr lvl="2"/>
+            <a:r>
+              <a:rPr lang="it-IT" b="1" u="sng" dirty="0"/>
+              <a:t>One duplicate per </a:t>
+            </a:r>
+            <a:r>
+              <a:rPr lang="it-IT" b="1" u="sng" dirty="0" err="1"/>
+              <a:t>original</a:t>
+            </a:r>
+            <a:endParaRPr lang="it-IT" b="1" u="sng" dirty="0"/>
+          </a:p>
+          <a:p>
+            <a:pPr lvl="2"/>
+            <a:r>
+              <a:rPr lang="it-IT" dirty="0"/>
+              <a:t>Dataset1 </a:t>
+            </a:r>
+            <a:r>
+              <a:rPr lang="it-IT" dirty="0" err="1"/>
+              <a:t>contains</a:t>
+            </a:r>
+            <a:r>
+              <a:rPr lang="it-IT" dirty="0"/>
+              <a:t> the </a:t>
+            </a:r>
+            <a:r>
+              <a:rPr lang="it-IT" b="1" dirty="0" err="1"/>
+              <a:t>original</a:t>
+            </a:r>
+            <a:r>
+              <a:rPr lang="it-IT" dirty="0"/>
+              <a:t> 5000 </a:t>
+            </a:r>
+            <a:r>
+              <a:rPr lang="it-IT" dirty="0" err="1"/>
+              <a:t>records</a:t>
+            </a:r>
+            <a:endParaRPr lang="it-IT" dirty="0"/>
+          </a:p>
+          <a:p>
+            <a:pPr lvl="2"/>
+            <a:r>
+              <a:rPr lang="it-IT" dirty="0"/>
+              <a:t>Dataset2 </a:t>
+            </a:r>
+            <a:r>
+              <a:rPr lang="it-IT" dirty="0" err="1"/>
+              <a:t>contains</a:t>
+            </a:r>
+            <a:r>
+              <a:rPr lang="it-IT" dirty="0"/>
+              <a:t> the </a:t>
+            </a:r>
+            <a:r>
+              <a:rPr lang="it-IT" b="1" dirty="0"/>
+              <a:t>duplicate</a:t>
+            </a:r>
+            <a:r>
+              <a:rPr lang="it-IT" dirty="0"/>
+              <a:t> 5000 </a:t>
+            </a:r>
+            <a:r>
+              <a:rPr lang="it-IT" dirty="0" err="1"/>
+              <a:t>records</a:t>
+            </a:r>
+            <a:endParaRPr lang="it-IT" dirty="0"/>
+          </a:p>
+          <a:p>
+            <a:pPr lvl="2"/>
+            <a:r>
+              <a:rPr lang="it-IT" dirty="0" err="1"/>
+              <a:t>Has</a:t>
+            </a:r>
+            <a:r>
+              <a:rPr lang="it-IT" dirty="0"/>
+              <a:t> </a:t>
+            </a:r>
+            <a:r>
+              <a:rPr lang="it-IT" b="1" u="sng" dirty="0" err="1"/>
+              <a:t>true</a:t>
+            </a:r>
+            <a:r>
+              <a:rPr lang="it-IT" b="1" u="sng" dirty="0"/>
+              <a:t> links</a:t>
+            </a:r>
+            <a:r>
+              <a:rPr lang="it-IT" dirty="0"/>
+              <a:t> (</a:t>
+            </a:r>
+            <a:r>
+              <a:rPr lang="it-IT" dirty="0" err="1"/>
+              <a:t>required</a:t>
+            </a:r>
+            <a:r>
+              <a:rPr lang="it-IT" dirty="0"/>
+              <a:t> to </a:t>
+            </a:r>
+            <a:r>
+              <a:rPr lang="it-IT" dirty="0" err="1"/>
+              <a:t>train</a:t>
+            </a:r>
+            <a:r>
+              <a:rPr lang="it-IT" dirty="0"/>
+              <a:t> </a:t>
+            </a:r>
+            <a:r>
+              <a:rPr lang="it-IT" dirty="0" err="1"/>
+              <a:t>our</a:t>
+            </a:r>
+            <a:r>
+              <a:rPr lang="it-IT" dirty="0"/>
+              <a:t> ML </a:t>
+            </a:r>
+            <a:r>
+              <a:rPr lang="it-IT" dirty="0" err="1"/>
+              <a:t>algorithms</a:t>
+            </a:r>
+            <a:r>
+              <a:rPr lang="it-IT" dirty="0"/>
+              <a:t>)</a:t>
+            </a:r>
+            <a:endParaRPr lang="it-IT" b="1" u="sng" dirty="0"/>
+          </a:p>
+        </p:txBody>
+      </p:sp>
+    </p:spTree>
+    <p:extLst>
+      <p:ext uri="{BB962C8B-B14F-4D97-AF65-F5344CB8AC3E}">
+        <p14:creationId xmlns:p14="http://schemas.microsoft.com/office/powerpoint/2010/main" val="3881295906"/>
+      </p:ext>
+    </p:extLst>
+  </p:cSld>
+  <p:clrMapOvr>
+    <a:masterClrMapping/>
+  </p:clrMapOvr>
+</p:sld>
+</file>
+
+<file path=ppt/slides/slide13.xml><?xml version="1.0" encoding="utf-8"?>
+<p:sld xmlns:a="http://schemas.openxmlformats.org/drawingml/2006/main" xmlns:r="http://schemas.openxmlformats.org/officeDocument/2006/relationships" xmlns:p="http://schemas.openxmlformats.org/presentationml/2006/main">
+  <p:cSld>
+    <p:spTree>
+      <p:nvGrpSpPr>
+        <p:cNvPr id="1" name=""/>
+        <p:cNvGrpSpPr/>
+        <p:nvPr/>
+      </p:nvGrpSpPr>
+      <p:grpSpPr>
+        <a:xfrm>
+          <a:off x="0" y="0"/>
+          <a:ext cx="0" cy="0"/>
+          <a:chOff x="0" y="0"/>
+          <a:chExt cx="0" cy="0"/>
+        </a:xfrm>
+      </p:grpSpPr>
+      <p:sp>
+        <p:nvSpPr>
+          <p:cNvPr id="2" name="Titolo 1">
+            <a:extLst>
+              <a:ext uri="{FF2B5EF4-FFF2-40B4-BE49-F238E27FC236}">
+                <a16:creationId xmlns:a16="http://schemas.microsoft.com/office/drawing/2014/main" id="{D2C77CC7-146D-4ECC-BBC2-18ECE8AF7F22}"/>
+              </a:ext>
+            </a:extLst>
+          </p:cNvPr>
+          <p:cNvSpPr>
+            <a:spLocks noGrp="1"/>
+          </p:cNvSpPr>
+          <p:nvPr>
+            <p:ph type="title"/>
+          </p:nvPr>
+        </p:nvSpPr>
+        <p:spPr/>
+        <p:txBody>
+          <a:bodyPr/>
+          <a:lstStyle/>
+          <a:p>
+            <a:r>
+              <a:rPr lang="it-IT" dirty="0" err="1"/>
+              <a:t>Our</a:t>
+            </a:r>
+            <a:r>
+              <a:rPr lang="it-IT" dirty="0"/>
+              <a:t> project – Experiment 1:</a:t>
+            </a:r>
+            <a:br>
+              <a:rPr lang="it-IT" dirty="0"/>
+            </a:br>
+            <a:r>
+              <a:rPr lang="it-IT" dirty="0"/>
+              <a:t>Dataset </a:t>
+            </a:r>
+            <a:r>
+              <a:rPr lang="it-IT" dirty="0" err="1"/>
+              <a:t>used</a:t>
+            </a:r>
+            <a:r>
+              <a:rPr lang="it-IT" dirty="0"/>
+              <a:t> (1)</a:t>
+            </a:r>
+          </a:p>
+        </p:txBody>
+      </p:sp>
+      <p:pic>
+        <p:nvPicPr>
+          <p:cNvPr id="4" name="Segnaposto contenuto 3">
+            <a:extLst>
+              <a:ext uri="{FF2B5EF4-FFF2-40B4-BE49-F238E27FC236}">
+                <a16:creationId xmlns:a16="http://schemas.microsoft.com/office/drawing/2014/main" id="{B63571CF-0677-4871-8C64-51149DAC16BD}"/>
+              </a:ext>
+            </a:extLst>
+          </p:cNvPr>
+          <p:cNvPicPr>
+            <a:picLocks noGrp="1" noChangeAspect="1"/>
+          </p:cNvPicPr>
+          <p:nvPr>
+            <p:ph idx="1"/>
+          </p:nvPr>
+        </p:nvPicPr>
+        <p:blipFill>
+          <a:blip r:embed="rId2"/>
+          <a:stretch>
+            <a:fillRect/>
+          </a:stretch>
+        </p:blipFill>
+        <p:spPr>
+          <a:xfrm>
+            <a:off x="874897" y="2501485"/>
+            <a:ext cx="9333028" cy="2697368"/>
+          </a:xfrm>
+          <a:prstGeom prst="rect">
+            <a:avLst/>
+          </a:prstGeom>
+        </p:spPr>
+      </p:pic>
+    </p:spTree>
+    <p:extLst>
+      <p:ext uri="{BB962C8B-B14F-4D97-AF65-F5344CB8AC3E}">
+        <p14:creationId xmlns:p14="http://schemas.microsoft.com/office/powerpoint/2010/main" val="1476316791"/>
+      </p:ext>
+    </p:extLst>
+  </p:cSld>
+  <p:clrMapOvr>
+    <a:masterClrMapping/>
+  </p:clrMapOvr>
+</p:sld>
+</file>
+
+<file path=ppt/slides/slide14.xml><?xml version="1.0" encoding="utf-8"?>
+<p:sld xmlns:a="http://schemas.openxmlformats.org/drawingml/2006/main" xmlns:r="http://schemas.openxmlformats.org/officeDocument/2006/relationships" xmlns:p="http://schemas.openxmlformats.org/presentationml/2006/main">
+  <p:cSld>
+    <p:spTree>
+      <p:nvGrpSpPr>
+        <p:cNvPr id="1" name=""/>
+        <p:cNvGrpSpPr/>
+        <p:nvPr/>
+      </p:nvGrpSpPr>
+      <p:grpSpPr>
+        <a:xfrm>
+          <a:off x="0" y="0"/>
+          <a:ext cx="0" cy="0"/>
+          <a:chOff x="0" y="0"/>
+          <a:chExt cx="0" cy="0"/>
+        </a:xfrm>
+      </p:grpSpPr>
+      <p:sp>
+        <p:nvSpPr>
+          <p:cNvPr id="2" name="Titolo 1">
+            <a:extLst>
+              <a:ext uri="{FF2B5EF4-FFF2-40B4-BE49-F238E27FC236}">
+                <a16:creationId xmlns:a16="http://schemas.microsoft.com/office/drawing/2014/main" id="{BEAF97F4-A13A-4876-9FF5-8D9FE0990D11}"/>
+              </a:ext>
+            </a:extLst>
+          </p:cNvPr>
+          <p:cNvSpPr>
+            <a:spLocks noGrp="1"/>
+          </p:cNvSpPr>
+          <p:nvPr>
+            <p:ph type="title"/>
+          </p:nvPr>
+        </p:nvSpPr>
+        <p:spPr/>
+        <p:txBody>
+          <a:bodyPr/>
+          <a:lstStyle/>
+          <a:p>
+            <a:r>
+              <a:rPr lang="it-IT" dirty="0" err="1"/>
+              <a:t>Our</a:t>
+            </a:r>
+            <a:r>
+              <a:rPr lang="it-IT" dirty="0"/>
+              <a:t> project – Experiment 1:</a:t>
+            </a:r>
+            <a:br>
+              <a:rPr lang="it-IT" dirty="0"/>
+            </a:br>
+            <a:r>
+              <a:rPr lang="it-IT" dirty="0" err="1"/>
+              <a:t>Indexing</a:t>
+            </a:r>
+            <a:endParaRPr lang="it-IT" dirty="0"/>
+          </a:p>
+        </p:txBody>
+      </p:sp>
+      <p:sp>
+        <p:nvSpPr>
+          <p:cNvPr id="3" name="Segnaposto contenuto 2">
+            <a:extLst>
+              <a:ext uri="{FF2B5EF4-FFF2-40B4-BE49-F238E27FC236}">
+                <a16:creationId xmlns:a16="http://schemas.microsoft.com/office/drawing/2014/main" id="{6CB97AA5-12A7-462A-A400-98542EEB5FE4}"/>
+              </a:ext>
+            </a:extLst>
+          </p:cNvPr>
+          <p:cNvSpPr>
+            <a:spLocks noGrp="1"/>
+          </p:cNvSpPr>
+          <p:nvPr>
+            <p:ph idx="1"/>
+          </p:nvPr>
+        </p:nvSpPr>
+        <p:spPr/>
+        <p:txBody>
+          <a:bodyPr/>
+          <a:lstStyle/>
+          <a:p>
+            <a:r>
+              <a:rPr lang="it-IT" dirty="0"/>
+              <a:t>A </a:t>
+            </a:r>
+            <a:r>
+              <a:rPr lang="it-IT" b="1" dirty="0"/>
+              <a:t>Full Index </a:t>
+            </a:r>
+            <a:r>
+              <a:rPr lang="it-IT" dirty="0" err="1"/>
+              <a:t>was</a:t>
+            </a:r>
+            <a:r>
+              <a:rPr lang="it-IT" dirty="0"/>
+              <a:t> </a:t>
+            </a:r>
+            <a:r>
+              <a:rPr lang="it-IT" dirty="0" err="1"/>
+              <a:t>used</a:t>
+            </a:r>
+            <a:endParaRPr lang="it-IT" b="1" dirty="0"/>
+          </a:p>
+          <a:p>
+            <a:pPr lvl="1"/>
+            <a:r>
+              <a:rPr lang="it-IT" dirty="0" err="1"/>
+              <a:t>We</a:t>
+            </a:r>
+            <a:r>
+              <a:rPr lang="it-IT" dirty="0"/>
+              <a:t> </a:t>
+            </a:r>
+            <a:r>
+              <a:rPr lang="it-IT" dirty="0" err="1"/>
+              <a:t>obtained</a:t>
+            </a:r>
+            <a:r>
+              <a:rPr lang="it-IT" dirty="0"/>
+              <a:t> the </a:t>
+            </a:r>
+            <a:r>
+              <a:rPr lang="it-IT" dirty="0" err="1"/>
+              <a:t>cartesian</a:t>
+            </a:r>
+            <a:r>
+              <a:rPr lang="it-IT" dirty="0"/>
+              <a:t> product of the </a:t>
+            </a:r>
+            <a:r>
+              <a:rPr lang="it-IT" dirty="0" err="1"/>
+              <a:t>two</a:t>
+            </a:r>
+            <a:r>
+              <a:rPr lang="it-IT" dirty="0"/>
+              <a:t> dataset</a:t>
+            </a:r>
+            <a:br>
+              <a:rPr lang="it-IT" dirty="0"/>
+            </a:br>
+            <a:r>
+              <a:rPr lang="it-IT" dirty="0"/>
+              <a:t>(5000 * 5000 = 25 000 000 </a:t>
+            </a:r>
+            <a:r>
+              <a:rPr lang="it-IT" dirty="0" err="1"/>
+              <a:t>records</a:t>
+            </a:r>
+            <a:r>
+              <a:rPr lang="it-IT" dirty="0"/>
+              <a:t>): the </a:t>
+            </a:r>
+            <a:r>
+              <a:rPr lang="it-IT" b="1" dirty="0"/>
+              <a:t>candidate links</a:t>
+            </a:r>
+          </a:p>
+        </p:txBody>
+      </p:sp>
+      <p:pic>
+        <p:nvPicPr>
+          <p:cNvPr id="4" name="Immagine 3">
+            <a:extLst>
+              <a:ext uri="{FF2B5EF4-FFF2-40B4-BE49-F238E27FC236}">
+                <a16:creationId xmlns:a16="http://schemas.microsoft.com/office/drawing/2014/main" id="{072111D6-F492-4EB3-B089-0AFEFEB9C366}"/>
+              </a:ext>
+            </a:extLst>
+          </p:cNvPr>
+          <p:cNvPicPr>
+            <a:picLocks noChangeAspect="1"/>
+          </p:cNvPicPr>
+          <p:nvPr/>
+        </p:nvPicPr>
+        <p:blipFill>
+          <a:blip r:embed="rId2"/>
+          <a:stretch>
+            <a:fillRect/>
+          </a:stretch>
+        </p:blipFill>
+        <p:spPr>
+          <a:xfrm>
+            <a:off x="2426897" y="3429000"/>
+            <a:ext cx="4890279" cy="2649433"/>
+          </a:xfrm>
+          <a:prstGeom prst="rect">
+            <a:avLst/>
+          </a:prstGeom>
+        </p:spPr>
+      </p:pic>
+    </p:spTree>
+    <p:extLst>
+      <p:ext uri="{BB962C8B-B14F-4D97-AF65-F5344CB8AC3E}">
+        <p14:creationId xmlns:p14="http://schemas.microsoft.com/office/powerpoint/2010/main" val="839965074"/>
+      </p:ext>
+    </p:extLst>
+  </p:cSld>
+  <p:clrMapOvr>
+    <a:masterClrMapping/>
+  </p:clrMapOvr>
+</p:sld>
+</file>
+
+<file path=ppt/slides/slide15.xml><?xml version="1.0" encoding="utf-8"?>
+<p:sld xmlns:a="http://schemas.openxmlformats.org/drawingml/2006/main" xmlns:r="http://schemas.openxmlformats.org/officeDocument/2006/relationships" xmlns:p="http://schemas.openxmlformats.org/presentationml/2006/main">
+  <p:cSld>
+    <p:spTree>
+      <p:nvGrpSpPr>
+        <p:cNvPr id="1" name=""/>
+        <p:cNvGrpSpPr/>
+        <p:nvPr/>
+      </p:nvGrpSpPr>
+      <p:grpSpPr>
+        <a:xfrm>
+          <a:off x="0" y="0"/>
+          <a:ext cx="0" cy="0"/>
+          <a:chOff x="0" y="0"/>
+          <a:chExt cx="0" cy="0"/>
+        </a:xfrm>
+      </p:grpSpPr>
+      <p:sp>
+        <p:nvSpPr>
+          <p:cNvPr id="2" name="Titolo 1">
+            <a:extLst>
+              <a:ext uri="{FF2B5EF4-FFF2-40B4-BE49-F238E27FC236}">
+                <a16:creationId xmlns:a16="http://schemas.microsoft.com/office/drawing/2014/main" id="{3ACD906C-AFF0-4E30-82BB-A98824D9B0A4}"/>
+              </a:ext>
+            </a:extLst>
+          </p:cNvPr>
+          <p:cNvSpPr>
+            <a:spLocks noGrp="1"/>
+          </p:cNvSpPr>
+          <p:nvPr>
+            <p:ph type="title"/>
+          </p:nvPr>
+        </p:nvSpPr>
+        <p:spPr/>
+        <p:txBody>
+          <a:bodyPr/>
+          <a:lstStyle/>
+          <a:p>
+            <a:r>
+              <a:rPr lang="it-IT" dirty="0" err="1"/>
+              <a:t>Our</a:t>
+            </a:r>
+            <a:r>
+              <a:rPr lang="it-IT" dirty="0"/>
+              <a:t> project – Experiment 1:</a:t>
+            </a:r>
+            <a:br>
+              <a:rPr lang="it-IT" dirty="0"/>
+            </a:br>
+            <a:r>
+              <a:rPr lang="it-IT" dirty="0" err="1"/>
+              <a:t>Comparison</a:t>
+            </a:r>
+            <a:endParaRPr lang="it-IT" dirty="0"/>
+          </a:p>
+        </p:txBody>
+      </p:sp>
+      <p:sp>
+        <p:nvSpPr>
+          <p:cNvPr id="3" name="Segnaposto contenuto 2">
+            <a:extLst>
+              <a:ext uri="{FF2B5EF4-FFF2-40B4-BE49-F238E27FC236}">
+                <a16:creationId xmlns:a16="http://schemas.microsoft.com/office/drawing/2014/main" id="{398B84A4-20F6-4925-B700-6DB39EF2C3BA}"/>
+              </a:ext>
+            </a:extLst>
+          </p:cNvPr>
+          <p:cNvSpPr>
+            <a:spLocks noGrp="1"/>
+          </p:cNvSpPr>
+          <p:nvPr>
+            <p:ph idx="1"/>
+          </p:nvPr>
+        </p:nvSpPr>
+        <p:spPr>
+          <a:xfrm>
+            <a:off x="1103312" y="2052918"/>
+            <a:ext cx="8946541" cy="2237285"/>
+          </a:xfrm>
+        </p:spPr>
+        <p:txBody>
+          <a:bodyPr/>
+          <a:lstStyle/>
+          <a:p>
+            <a:r>
+              <a:rPr lang="it-IT" dirty="0" err="1"/>
+              <a:t>We</a:t>
+            </a:r>
+            <a:r>
+              <a:rPr lang="it-IT" dirty="0"/>
+              <a:t> </a:t>
+            </a:r>
+            <a:r>
+              <a:rPr lang="it-IT" dirty="0" err="1"/>
+              <a:t>require</a:t>
+            </a:r>
+            <a:r>
+              <a:rPr lang="it-IT" dirty="0"/>
+              <a:t> some </a:t>
+            </a:r>
+            <a:r>
+              <a:rPr lang="it-IT" dirty="0" err="1"/>
+              <a:t>attributes</a:t>
+            </a:r>
+            <a:r>
+              <a:rPr lang="it-IT" dirty="0"/>
+              <a:t> to match</a:t>
+            </a:r>
+            <a:r>
+              <a:rPr lang="it-IT" b="1" dirty="0"/>
+              <a:t> </a:t>
+            </a:r>
+            <a:r>
+              <a:rPr lang="it-IT" b="1" u="sng" dirty="0" err="1"/>
+              <a:t>exactly</a:t>
+            </a:r>
+            <a:r>
+              <a:rPr lang="it-IT" b="1" dirty="0"/>
+              <a:t> </a:t>
+            </a:r>
+            <a:r>
+              <a:rPr lang="it-IT" dirty="0" err="1"/>
+              <a:t>between</a:t>
+            </a:r>
+            <a:r>
+              <a:rPr lang="it-IT" dirty="0"/>
+              <a:t> </a:t>
+            </a:r>
+            <a:r>
+              <a:rPr lang="it-IT" dirty="0" err="1"/>
+              <a:t>each</a:t>
+            </a:r>
+            <a:r>
+              <a:rPr lang="it-IT" dirty="0"/>
+              <a:t> candidate link, </a:t>
+            </a:r>
+            <a:r>
+              <a:rPr lang="it-IT" dirty="0" err="1"/>
+              <a:t>while</a:t>
+            </a:r>
+            <a:r>
+              <a:rPr lang="it-IT" dirty="0"/>
+              <a:t> </a:t>
+            </a:r>
+            <a:r>
+              <a:rPr lang="it-IT" dirty="0" err="1"/>
+              <a:t>we</a:t>
+            </a:r>
+            <a:r>
+              <a:rPr lang="it-IT" dirty="0"/>
+              <a:t> </a:t>
+            </a:r>
+            <a:r>
+              <a:rPr lang="it-IT" b="1" u="sng" dirty="0" err="1"/>
+              <a:t>allow</a:t>
+            </a:r>
+            <a:r>
+              <a:rPr lang="it-IT" b="1" u="sng" dirty="0"/>
+              <a:t> mismatches</a:t>
+            </a:r>
+            <a:r>
+              <a:rPr lang="it-IT" dirty="0"/>
+              <a:t> for </a:t>
+            </a:r>
+            <a:r>
+              <a:rPr lang="it-IT" dirty="0" err="1"/>
+              <a:t>other</a:t>
+            </a:r>
+            <a:r>
+              <a:rPr lang="it-IT" dirty="0"/>
+              <a:t> </a:t>
+            </a:r>
+            <a:r>
+              <a:rPr lang="it-IT" dirty="0" err="1"/>
+              <a:t>attributes</a:t>
+            </a:r>
+            <a:endParaRPr lang="it-IT" dirty="0"/>
+          </a:p>
+          <a:p>
+            <a:r>
+              <a:rPr lang="it-IT" dirty="0" err="1"/>
+              <a:t>These</a:t>
+            </a:r>
+            <a:r>
+              <a:rPr lang="it-IT" dirty="0"/>
+              <a:t> </a:t>
+            </a:r>
+            <a:r>
+              <a:rPr lang="it-IT" dirty="0" err="1"/>
+              <a:t>parameters</a:t>
+            </a:r>
+            <a:r>
+              <a:rPr lang="it-IT" dirty="0"/>
+              <a:t> </a:t>
+            </a:r>
+            <a:r>
+              <a:rPr lang="it-IT" dirty="0" err="1"/>
+              <a:t>have</a:t>
+            </a:r>
+            <a:r>
+              <a:rPr lang="it-IT" dirty="0"/>
+              <a:t> </a:t>
+            </a:r>
+            <a:r>
+              <a:rPr lang="it-IT" dirty="0" err="1"/>
+              <a:t>been</a:t>
+            </a:r>
+            <a:r>
+              <a:rPr lang="it-IT" dirty="0"/>
+              <a:t> </a:t>
+            </a:r>
+            <a:r>
+              <a:rPr lang="it-IT" dirty="0" err="1"/>
+              <a:t>fixed</a:t>
+            </a:r>
+            <a:r>
+              <a:rPr lang="it-IT" dirty="0"/>
+              <a:t> for </a:t>
+            </a:r>
+            <a:r>
+              <a:rPr lang="it-IT" dirty="0" err="1"/>
+              <a:t>all</a:t>
+            </a:r>
+            <a:r>
+              <a:rPr lang="it-IT" dirty="0"/>
+              <a:t> </a:t>
+            </a:r>
+            <a:r>
+              <a:rPr lang="it-IT" dirty="0" err="1"/>
+              <a:t>our</a:t>
+            </a:r>
+            <a:r>
+              <a:rPr lang="it-IT" dirty="0"/>
+              <a:t> </a:t>
+            </a:r>
+            <a:r>
+              <a:rPr lang="it-IT" dirty="0" err="1"/>
+              <a:t>experiments</a:t>
+            </a:r>
+            <a:endParaRPr lang="it-IT" dirty="0"/>
+          </a:p>
+          <a:p>
+            <a:r>
+              <a:rPr lang="it-IT" b="1" dirty="0"/>
+              <a:t>Note: </a:t>
+            </a:r>
+            <a:r>
+              <a:rPr lang="it-IT" dirty="0"/>
+              <a:t>no </a:t>
+            </a:r>
+            <a:r>
+              <a:rPr lang="it-IT" dirty="0" err="1"/>
+              <a:t>cardinality</a:t>
+            </a:r>
+            <a:r>
+              <a:rPr lang="it-IT" dirty="0"/>
+              <a:t> </a:t>
+            </a:r>
+            <a:r>
+              <a:rPr lang="it-IT" dirty="0" err="1"/>
+              <a:t>reduction</a:t>
+            </a:r>
+            <a:r>
+              <a:rPr lang="it-IT" dirty="0"/>
+              <a:t> </a:t>
+            </a:r>
+            <a:r>
+              <a:rPr lang="it-IT" dirty="0" err="1"/>
+              <a:t>is</a:t>
+            </a:r>
+            <a:r>
+              <a:rPr lang="it-IT" dirty="0"/>
+              <a:t> </a:t>
+            </a:r>
+            <a:r>
+              <a:rPr lang="it-IT" dirty="0" err="1"/>
+              <a:t>performed</a:t>
+            </a:r>
+            <a:r>
+              <a:rPr lang="it-IT" dirty="0"/>
+              <a:t> in </a:t>
+            </a:r>
+            <a:r>
+              <a:rPr lang="it-IT" dirty="0" err="1"/>
+              <a:t>this</a:t>
+            </a:r>
+            <a:r>
+              <a:rPr lang="it-IT" dirty="0"/>
+              <a:t> </a:t>
+            </a:r>
+            <a:r>
+              <a:rPr lang="it-IT" dirty="0" err="1"/>
+              <a:t>phase</a:t>
+            </a:r>
+            <a:r>
+              <a:rPr lang="it-IT" dirty="0"/>
+              <a:t>!</a:t>
+            </a:r>
+            <a:endParaRPr lang="it-IT" b="1" dirty="0"/>
+          </a:p>
+        </p:txBody>
+      </p:sp>
+      <p:pic>
+        <p:nvPicPr>
+          <p:cNvPr id="6" name="Immagine 5">
+            <a:extLst>
+              <a:ext uri="{FF2B5EF4-FFF2-40B4-BE49-F238E27FC236}">
+                <a16:creationId xmlns:a16="http://schemas.microsoft.com/office/drawing/2014/main" id="{05A05883-92B6-46DE-9B49-503051D86F57}"/>
+              </a:ext>
+            </a:extLst>
+          </p:cNvPr>
+          <p:cNvPicPr>
+            <a:picLocks noChangeAspect="1"/>
+          </p:cNvPicPr>
+          <p:nvPr/>
+        </p:nvPicPr>
+        <p:blipFill rotWithShape="1">
+          <a:blip r:embed="rId2"/>
+          <a:srcRect r="28687" b="42174"/>
+          <a:stretch/>
+        </p:blipFill>
+        <p:spPr>
+          <a:xfrm>
+            <a:off x="564636" y="4344701"/>
+            <a:ext cx="5025282" cy="1222212"/>
+          </a:xfrm>
+          <a:prstGeom prst="rect">
+            <a:avLst/>
+          </a:prstGeom>
+        </p:spPr>
+      </p:pic>
+      <p:pic>
+        <p:nvPicPr>
+          <p:cNvPr id="5" name="Immagine 4">
+            <a:extLst>
+              <a:ext uri="{FF2B5EF4-FFF2-40B4-BE49-F238E27FC236}">
+                <a16:creationId xmlns:a16="http://schemas.microsoft.com/office/drawing/2014/main" id="{7989631F-E2F7-4B08-A230-B9446D8FD4B8}"/>
+              </a:ext>
+            </a:extLst>
+          </p:cNvPr>
+          <p:cNvPicPr>
+            <a:picLocks noChangeAspect="1"/>
+          </p:cNvPicPr>
+          <p:nvPr/>
+        </p:nvPicPr>
+        <p:blipFill>
+          <a:blip r:embed="rId3"/>
+          <a:stretch>
+            <a:fillRect/>
+          </a:stretch>
+        </p:blipFill>
+        <p:spPr>
+          <a:xfrm>
+            <a:off x="5883215" y="4074409"/>
+            <a:ext cx="5969479" cy="2237284"/>
+          </a:xfrm>
+          <a:prstGeom prst="rect">
+            <a:avLst/>
+          </a:prstGeom>
+        </p:spPr>
+      </p:pic>
+    </p:spTree>
+    <p:extLst>
+      <p:ext uri="{BB962C8B-B14F-4D97-AF65-F5344CB8AC3E}">
+        <p14:creationId xmlns:p14="http://schemas.microsoft.com/office/powerpoint/2010/main" val="3519414473"/>
+      </p:ext>
+    </p:extLst>
+  </p:cSld>
+  <p:clrMapOvr>
+    <a:masterClrMapping/>
+  </p:clrMapOvr>
+</p:sld>
+</file>
+
+<file path=ppt/slides/slide16.xml><?xml version="1.0" encoding="utf-8"?>
+<p:sld xmlns:a="http://schemas.openxmlformats.org/drawingml/2006/main" xmlns:r="http://schemas.openxmlformats.org/officeDocument/2006/relationships" xmlns:p="http://schemas.openxmlformats.org/presentationml/2006/main">
+  <p:cSld>
+    <p:spTree>
+      <p:nvGrpSpPr>
+        <p:cNvPr id="1" name=""/>
+        <p:cNvGrpSpPr/>
+        <p:nvPr/>
+      </p:nvGrpSpPr>
+      <p:grpSpPr>
+        <a:xfrm>
+          <a:off x="0" y="0"/>
+          <a:ext cx="0" cy="0"/>
+          <a:chOff x="0" y="0"/>
+          <a:chExt cx="0" cy="0"/>
+        </a:xfrm>
+      </p:grpSpPr>
+      <p:sp>
+        <p:nvSpPr>
+          <p:cNvPr id="2" name="Titolo 1">
+            <a:extLst>
+              <a:ext uri="{FF2B5EF4-FFF2-40B4-BE49-F238E27FC236}">
+                <a16:creationId xmlns:a16="http://schemas.microsoft.com/office/drawing/2014/main" id="{9D3416AE-7664-46F7-A39E-40DE6F68044E}"/>
+              </a:ext>
+            </a:extLst>
+          </p:cNvPr>
+          <p:cNvSpPr>
+            <a:spLocks noGrp="1"/>
+          </p:cNvSpPr>
+          <p:nvPr>
+            <p:ph type="title"/>
+          </p:nvPr>
+        </p:nvSpPr>
+        <p:spPr/>
+        <p:txBody>
+          <a:bodyPr/>
+          <a:lstStyle/>
+          <a:p>
+            <a:r>
+              <a:rPr lang="it-IT" dirty="0" err="1"/>
+              <a:t>Classification</a:t>
+            </a:r>
+            <a:r>
+              <a:rPr lang="it-IT" dirty="0"/>
+              <a:t> – </a:t>
+            </a:r>
+            <a:r>
+              <a:rPr lang="it-IT" dirty="0" err="1"/>
+              <a:t>Deterministic</a:t>
+            </a:r>
+            <a:r>
+              <a:rPr lang="it-IT" dirty="0"/>
+              <a:t> </a:t>
+            </a:r>
+            <a:r>
+              <a:rPr lang="it-IT" dirty="0" err="1"/>
+              <a:t>approach</a:t>
+            </a:r>
+            <a:endParaRPr lang="it-IT" dirty="0"/>
+          </a:p>
+        </p:txBody>
+      </p:sp>
+      <p:sp>
+        <p:nvSpPr>
+          <p:cNvPr id="3" name="Segnaposto contenuto 2">
+            <a:extLst>
+              <a:ext uri="{FF2B5EF4-FFF2-40B4-BE49-F238E27FC236}">
+                <a16:creationId xmlns:a16="http://schemas.microsoft.com/office/drawing/2014/main" id="{70A5A2B1-6E45-4E3E-8F2B-3E6A55451268}"/>
+              </a:ext>
+            </a:extLst>
+          </p:cNvPr>
+          <p:cNvSpPr>
+            <a:spLocks noGrp="1"/>
+          </p:cNvSpPr>
+          <p:nvPr>
+            <p:ph idx="1"/>
+          </p:nvPr>
+        </p:nvSpPr>
+        <p:spPr/>
+        <p:txBody>
+          <a:bodyPr/>
+          <a:lstStyle/>
+          <a:p>
+            <a:r>
+              <a:rPr lang="it-IT" dirty="0" err="1"/>
+              <a:t>We</a:t>
+            </a:r>
+            <a:r>
+              <a:rPr lang="it-IT" dirty="0"/>
+              <a:t> </a:t>
+            </a:r>
+            <a:r>
+              <a:rPr lang="it-IT" dirty="0" err="1"/>
+              <a:t>consider</a:t>
+            </a:r>
+            <a:r>
+              <a:rPr lang="it-IT" dirty="0"/>
+              <a:t> </a:t>
+            </a:r>
+            <a:r>
+              <a:rPr lang="it-IT" dirty="0" err="1"/>
+              <a:t>as</a:t>
+            </a:r>
+            <a:r>
+              <a:rPr lang="it-IT" dirty="0"/>
+              <a:t> matches </a:t>
+            </a:r>
+            <a:r>
+              <a:rPr lang="it-IT" dirty="0" err="1"/>
+              <a:t>only</a:t>
+            </a:r>
+            <a:r>
+              <a:rPr lang="it-IT" dirty="0"/>
+              <a:t> </a:t>
+            </a:r>
+            <a:r>
+              <a:rPr lang="it-IT" dirty="0" err="1"/>
+              <a:t>records</a:t>
+            </a:r>
+            <a:r>
+              <a:rPr lang="it-IT" dirty="0"/>
+              <a:t> with </a:t>
+            </a:r>
+            <a:r>
+              <a:rPr lang="it-IT" dirty="0" err="1"/>
+              <a:t>at</a:t>
+            </a:r>
+            <a:r>
+              <a:rPr lang="it-IT" dirty="0"/>
+              <a:t> </a:t>
+            </a:r>
+            <a:r>
+              <a:rPr lang="it-IT" dirty="0" err="1"/>
+              <a:t>least</a:t>
+            </a:r>
+            <a:r>
+              <a:rPr lang="it-IT" dirty="0"/>
+              <a:t> 4 (matching </a:t>
+            </a:r>
+            <a:r>
+              <a:rPr lang="it-IT" dirty="0" err="1"/>
+              <a:t>exactly</a:t>
+            </a:r>
+            <a:r>
+              <a:rPr lang="it-IT" dirty="0"/>
+              <a:t> or </a:t>
+            </a:r>
+            <a:r>
+              <a:rPr lang="it-IT" dirty="0" err="1"/>
+              <a:t>not</a:t>
+            </a:r>
+            <a:r>
+              <a:rPr lang="it-IT" dirty="0"/>
+              <a:t> </a:t>
+            </a:r>
+            <a:r>
+              <a:rPr lang="it-IT" dirty="0" err="1"/>
+              <a:t>exactly</a:t>
+            </a:r>
+            <a:r>
+              <a:rPr lang="it-IT" dirty="0"/>
+              <a:t>) </a:t>
+            </a:r>
+            <a:r>
+              <a:rPr lang="it-IT" dirty="0" err="1"/>
+              <a:t>attributes</a:t>
+            </a:r>
+            <a:endParaRPr lang="it-IT" dirty="0"/>
+          </a:p>
+        </p:txBody>
+      </p:sp>
+      <p:pic>
+        <p:nvPicPr>
+          <p:cNvPr id="4" name="Immagine 3">
+            <a:extLst>
+              <a:ext uri="{FF2B5EF4-FFF2-40B4-BE49-F238E27FC236}">
+                <a16:creationId xmlns:a16="http://schemas.microsoft.com/office/drawing/2014/main" id="{3E829BCC-DFCE-415A-AC15-F28642E2D3EC}"/>
+              </a:ext>
+            </a:extLst>
+          </p:cNvPr>
+          <p:cNvPicPr>
+            <a:picLocks noChangeAspect="1"/>
+          </p:cNvPicPr>
+          <p:nvPr/>
+        </p:nvPicPr>
+        <p:blipFill>
+          <a:blip r:embed="rId2"/>
+          <a:stretch>
+            <a:fillRect/>
+          </a:stretch>
+        </p:blipFill>
+        <p:spPr>
+          <a:xfrm>
+            <a:off x="4572000" y="3636840"/>
+            <a:ext cx="7011441" cy="2470661"/>
+          </a:xfrm>
+          <a:prstGeom prst="rect">
+            <a:avLst/>
+          </a:prstGeom>
+        </p:spPr>
+      </p:pic>
+      <p:pic>
+        <p:nvPicPr>
+          <p:cNvPr id="5" name="Immagine 4">
+            <a:extLst>
+              <a:ext uri="{FF2B5EF4-FFF2-40B4-BE49-F238E27FC236}">
+                <a16:creationId xmlns:a16="http://schemas.microsoft.com/office/drawing/2014/main" id="{2904D32D-7996-434B-A01E-4585AED86957}"/>
+              </a:ext>
+            </a:extLst>
+          </p:cNvPr>
+          <p:cNvPicPr>
+            <a:picLocks noChangeAspect="1"/>
+          </p:cNvPicPr>
+          <p:nvPr/>
+        </p:nvPicPr>
+        <p:blipFill>
+          <a:blip r:embed="rId3"/>
+          <a:stretch>
+            <a:fillRect/>
+          </a:stretch>
+        </p:blipFill>
+        <p:spPr>
+          <a:xfrm>
+            <a:off x="1614398" y="3333394"/>
+            <a:ext cx="2533650" cy="3114675"/>
+          </a:xfrm>
+          <a:prstGeom prst="rect">
+            <a:avLst/>
+          </a:prstGeom>
+        </p:spPr>
+      </p:pic>
+    </p:spTree>
+    <p:extLst>
+      <p:ext uri="{BB962C8B-B14F-4D97-AF65-F5344CB8AC3E}">
+        <p14:creationId xmlns:p14="http://schemas.microsoft.com/office/powerpoint/2010/main" val="2750640854"/>
+      </p:ext>
+    </p:extLst>
+  </p:cSld>
+  <p:clrMapOvr>
+    <a:masterClrMapping/>
+  </p:clrMapOvr>
+</p:sld>
+</file>
+
+<file path=ppt/slides/slide17.xml><?xml version="1.0" encoding="utf-8"?>
+<p:sld xmlns:a="http://schemas.openxmlformats.org/drawingml/2006/main" xmlns:r="http://schemas.openxmlformats.org/officeDocument/2006/relationships" xmlns:p="http://schemas.openxmlformats.org/presentationml/2006/main">
+  <p:cSld>
+    <p:spTree>
+      <p:nvGrpSpPr>
+        <p:cNvPr id="1" name=""/>
+        <p:cNvGrpSpPr/>
+        <p:nvPr/>
+      </p:nvGrpSpPr>
+      <p:grpSpPr>
+        <a:xfrm>
+          <a:off x="0" y="0"/>
+          <a:ext cx="0" cy="0"/>
+          <a:chOff x="0" y="0"/>
+          <a:chExt cx="0" cy="0"/>
+        </a:xfrm>
+      </p:grpSpPr>
+      <p:sp>
+        <p:nvSpPr>
+          <p:cNvPr id="2" name="Titolo 1">
+            <a:extLst>
+              <a:ext uri="{FF2B5EF4-FFF2-40B4-BE49-F238E27FC236}">
+                <a16:creationId xmlns:a16="http://schemas.microsoft.com/office/drawing/2014/main" id="{258C4C56-BC91-440A-87E0-D9D5BC5445AA}"/>
+              </a:ext>
+            </a:extLst>
+          </p:cNvPr>
+          <p:cNvSpPr>
+            <a:spLocks noGrp="1"/>
+          </p:cNvSpPr>
+          <p:nvPr>
+            <p:ph type="title"/>
+          </p:nvPr>
+        </p:nvSpPr>
+        <p:spPr/>
+        <p:txBody>
+          <a:bodyPr/>
+          <a:lstStyle/>
+          <a:p>
+            <a:r>
+              <a:rPr lang="it-IT" dirty="0" err="1"/>
+              <a:t>Classification</a:t>
+            </a:r>
+            <a:r>
+              <a:rPr lang="it-IT" dirty="0"/>
+              <a:t> – </a:t>
+            </a:r>
+            <a:r>
+              <a:rPr lang="it-IT" dirty="0" err="1"/>
+              <a:t>Naive</a:t>
+            </a:r>
+            <a:r>
+              <a:rPr lang="it-IT" dirty="0"/>
+              <a:t> </a:t>
+            </a:r>
+            <a:r>
+              <a:rPr lang="it-IT" dirty="0" err="1"/>
+              <a:t>Bayes</a:t>
+            </a:r>
+            <a:endParaRPr lang="it-IT" dirty="0"/>
+          </a:p>
+        </p:txBody>
+      </p:sp>
+      <p:sp>
+        <p:nvSpPr>
+          <p:cNvPr id="3" name="Segnaposto contenuto 2">
+            <a:extLst>
+              <a:ext uri="{FF2B5EF4-FFF2-40B4-BE49-F238E27FC236}">
+                <a16:creationId xmlns:a16="http://schemas.microsoft.com/office/drawing/2014/main" id="{F72C3168-F838-440D-9AF8-49C28224C421}"/>
+              </a:ext>
+            </a:extLst>
+          </p:cNvPr>
+          <p:cNvSpPr>
+            <a:spLocks noGrp="1"/>
+          </p:cNvSpPr>
+          <p:nvPr>
+            <p:ph idx="1"/>
+          </p:nvPr>
+        </p:nvSpPr>
+        <p:spPr>
+          <a:xfrm>
+            <a:off x="1104293" y="1633100"/>
+            <a:ext cx="8946541" cy="1081346"/>
+          </a:xfrm>
+        </p:spPr>
+        <p:txBody>
+          <a:bodyPr>
+            <a:normAutofit fontScale="92500" lnSpcReduction="20000"/>
+          </a:bodyPr>
+          <a:lstStyle/>
+          <a:p>
+            <a:r>
+              <a:rPr lang="it-IT" b="1" u="sng" dirty="0" err="1"/>
+              <a:t>Supervised</a:t>
+            </a:r>
+            <a:r>
+              <a:rPr lang="it-IT" b="1" dirty="0"/>
+              <a:t> Learning </a:t>
+            </a:r>
+            <a:r>
+              <a:rPr lang="it-IT" b="1" dirty="0" err="1"/>
+              <a:t>Algorithm</a:t>
+            </a:r>
+            <a:endParaRPr lang="it-IT" b="1" dirty="0"/>
+          </a:p>
+          <a:p>
+            <a:r>
+              <a:rPr lang="it-IT" dirty="0"/>
+              <a:t>4958 matches </a:t>
+            </a:r>
+            <a:r>
+              <a:rPr lang="it-IT" dirty="0" err="1"/>
+              <a:t>found</a:t>
+            </a:r>
+            <a:r>
+              <a:rPr lang="it-IT" dirty="0"/>
+              <a:t> out of 5000</a:t>
+            </a:r>
+          </a:p>
+          <a:p>
+            <a:pPr lvl="1"/>
+            <a:r>
+              <a:rPr lang="it-IT" dirty="0"/>
+              <a:t>More matches </a:t>
+            </a:r>
+            <a:r>
+              <a:rPr lang="it-IT" dirty="0" err="1"/>
+              <a:t>than</a:t>
+            </a:r>
+            <a:r>
+              <a:rPr lang="it-IT" dirty="0"/>
+              <a:t> the </a:t>
+            </a:r>
+            <a:r>
+              <a:rPr lang="it-IT" dirty="0" err="1"/>
+              <a:t>deterministic</a:t>
+            </a:r>
+            <a:r>
+              <a:rPr lang="it-IT" dirty="0"/>
+              <a:t> </a:t>
+            </a:r>
+            <a:r>
+              <a:rPr lang="it-IT" dirty="0" err="1"/>
+              <a:t>approach</a:t>
+            </a:r>
+            <a:r>
+              <a:rPr lang="it-IT" dirty="0"/>
+              <a:t> (4867 vs 4958)</a:t>
+            </a:r>
+          </a:p>
+        </p:txBody>
+      </p:sp>
+      <p:pic>
+        <p:nvPicPr>
+          <p:cNvPr id="4" name="Immagine 3">
+            <a:extLst>
+              <a:ext uri="{FF2B5EF4-FFF2-40B4-BE49-F238E27FC236}">
+                <a16:creationId xmlns:a16="http://schemas.microsoft.com/office/drawing/2014/main" id="{EA45EFB6-A51F-4246-A066-518AA6FB3BA0}"/>
+              </a:ext>
+            </a:extLst>
+          </p:cNvPr>
+          <p:cNvPicPr>
+            <a:picLocks noChangeAspect="1"/>
+          </p:cNvPicPr>
+          <p:nvPr/>
+        </p:nvPicPr>
+        <p:blipFill>
+          <a:blip r:embed="rId2"/>
+          <a:stretch>
+            <a:fillRect/>
+          </a:stretch>
+        </p:blipFill>
+        <p:spPr>
+          <a:xfrm>
+            <a:off x="741870" y="3057050"/>
+            <a:ext cx="10598989" cy="3257886"/>
+          </a:xfrm>
+          <a:prstGeom prst="rect">
+            <a:avLst/>
+          </a:prstGeom>
+        </p:spPr>
+      </p:pic>
+    </p:spTree>
+    <p:extLst>
+      <p:ext uri="{BB962C8B-B14F-4D97-AF65-F5344CB8AC3E}">
+        <p14:creationId xmlns:p14="http://schemas.microsoft.com/office/powerpoint/2010/main" val="3873000251"/>
+      </p:ext>
+    </p:extLst>
+  </p:cSld>
+  <p:clrMapOvr>
+    <a:masterClrMapping/>
+  </p:clrMapOvr>
+</p:sld>
+</file>
+
+<file path=ppt/slides/slide18.xml><?xml version="1.0" encoding="utf-8"?>
+<p:sld xmlns:a="http://schemas.openxmlformats.org/drawingml/2006/main" xmlns:r="http://schemas.openxmlformats.org/officeDocument/2006/relationships" xmlns:p="http://schemas.openxmlformats.org/presentationml/2006/main">
+  <p:cSld>
+    <p:spTree>
+      <p:nvGrpSpPr>
+        <p:cNvPr id="1" name=""/>
+        <p:cNvGrpSpPr/>
+        <p:nvPr/>
+      </p:nvGrpSpPr>
+      <p:grpSpPr>
+        <a:xfrm>
+          <a:off x="0" y="0"/>
+          <a:ext cx="0" cy="0"/>
+          <a:chOff x="0" y="0"/>
+          <a:chExt cx="0" cy="0"/>
+        </a:xfrm>
+      </p:grpSpPr>
+      <p:sp>
+        <p:nvSpPr>
+          <p:cNvPr id="2" name="Titolo 1">
+            <a:extLst>
+              <a:ext uri="{FF2B5EF4-FFF2-40B4-BE49-F238E27FC236}">
+                <a16:creationId xmlns:a16="http://schemas.microsoft.com/office/drawing/2014/main" id="{12CC745D-4CA3-488A-8472-D86611980960}"/>
+              </a:ext>
+            </a:extLst>
+          </p:cNvPr>
+          <p:cNvSpPr>
+            <a:spLocks noGrp="1"/>
+          </p:cNvSpPr>
+          <p:nvPr>
+            <p:ph type="title"/>
+          </p:nvPr>
+        </p:nvSpPr>
+        <p:spPr/>
+        <p:txBody>
+          <a:bodyPr/>
+          <a:lstStyle/>
+          <a:p>
+            <a:r>
+              <a:rPr lang="it-IT" dirty="0" err="1"/>
+              <a:t>Classification</a:t>
+            </a:r>
+            <a:r>
+              <a:rPr lang="it-IT" dirty="0"/>
+              <a:t> – </a:t>
+            </a:r>
+            <a:r>
+              <a:rPr lang="it-IT" dirty="0" err="1"/>
+              <a:t>Naive</a:t>
+            </a:r>
+            <a:r>
+              <a:rPr lang="it-IT" dirty="0"/>
+              <a:t> </a:t>
+            </a:r>
+            <a:r>
+              <a:rPr lang="it-IT" dirty="0" err="1"/>
+              <a:t>Bayes</a:t>
+            </a:r>
+            <a:r>
+              <a:rPr lang="it-IT" dirty="0"/>
+              <a:t> (1)</a:t>
+            </a:r>
+          </a:p>
+        </p:txBody>
+      </p:sp>
+      <p:sp>
+        <p:nvSpPr>
+          <p:cNvPr id="3" name="Segnaposto contenuto 2">
+            <a:extLst>
+              <a:ext uri="{FF2B5EF4-FFF2-40B4-BE49-F238E27FC236}">
+                <a16:creationId xmlns:a16="http://schemas.microsoft.com/office/drawing/2014/main" id="{998B4892-BD9C-429A-B396-6A33F2BDC84F}"/>
+              </a:ext>
+            </a:extLst>
+          </p:cNvPr>
+          <p:cNvSpPr>
+            <a:spLocks noGrp="1"/>
+          </p:cNvSpPr>
+          <p:nvPr>
+            <p:ph idx="1"/>
+          </p:nvPr>
+        </p:nvSpPr>
+        <p:spPr>
+          <a:xfrm>
+            <a:off x="874273" y="1414563"/>
+            <a:ext cx="8946541" cy="770795"/>
+          </a:xfrm>
+        </p:spPr>
+        <p:txBody>
+          <a:bodyPr/>
+          <a:lstStyle/>
+          <a:p>
+            <a:r>
+              <a:rPr lang="it-IT" dirty="0" err="1"/>
+              <a:t>We</a:t>
+            </a:r>
+            <a:r>
+              <a:rPr lang="it-IT" dirty="0"/>
+              <a:t> can </a:t>
+            </a:r>
+            <a:r>
+              <a:rPr lang="it-IT" dirty="0" err="1"/>
+              <a:t>also</a:t>
+            </a:r>
+            <a:r>
+              <a:rPr lang="it-IT" dirty="0"/>
+              <a:t> </a:t>
+            </a:r>
+            <a:r>
+              <a:rPr lang="it-IT" dirty="0" err="1"/>
+              <a:t>see</a:t>
+            </a:r>
+            <a:r>
+              <a:rPr lang="it-IT" dirty="0"/>
+              <a:t> the </a:t>
+            </a:r>
+            <a:r>
+              <a:rPr lang="it-IT" dirty="0" err="1"/>
+              <a:t>probability</a:t>
+            </a:r>
+            <a:r>
+              <a:rPr lang="it-IT" dirty="0"/>
+              <a:t> of a match for </a:t>
+            </a:r>
+            <a:r>
+              <a:rPr lang="it-IT" dirty="0" err="1"/>
+              <a:t>each</a:t>
+            </a:r>
+            <a:r>
+              <a:rPr lang="it-IT" dirty="0"/>
+              <a:t> record </a:t>
+            </a:r>
+            <a:r>
+              <a:rPr lang="it-IT" dirty="0" err="1"/>
+              <a:t>pair</a:t>
+            </a:r>
+            <a:endParaRPr lang="it-IT" dirty="0"/>
+          </a:p>
+        </p:txBody>
+      </p:sp>
+      <p:pic>
+        <p:nvPicPr>
+          <p:cNvPr id="4" name="Immagine 3">
+            <a:extLst>
+              <a:ext uri="{FF2B5EF4-FFF2-40B4-BE49-F238E27FC236}">
+                <a16:creationId xmlns:a16="http://schemas.microsoft.com/office/drawing/2014/main" id="{2E37A35E-BE04-40D7-8203-8F339D86DFC5}"/>
+              </a:ext>
+            </a:extLst>
+          </p:cNvPr>
+          <p:cNvPicPr>
+            <a:picLocks noChangeAspect="1"/>
+          </p:cNvPicPr>
+          <p:nvPr/>
+        </p:nvPicPr>
+        <p:blipFill>
+          <a:blip r:embed="rId2"/>
+          <a:stretch>
+            <a:fillRect/>
+          </a:stretch>
+        </p:blipFill>
+        <p:spPr>
+          <a:xfrm>
+            <a:off x="2371186" y="2392392"/>
+            <a:ext cx="6667500" cy="4042026"/>
+          </a:xfrm>
+          <a:prstGeom prst="rect">
+            <a:avLst/>
+          </a:prstGeom>
+        </p:spPr>
+      </p:pic>
+    </p:spTree>
+    <p:extLst>
+      <p:ext uri="{BB962C8B-B14F-4D97-AF65-F5344CB8AC3E}">
+        <p14:creationId xmlns:p14="http://schemas.microsoft.com/office/powerpoint/2010/main" val="2898448944"/>
+      </p:ext>
+    </p:extLst>
+  </p:cSld>
+  <p:clrMapOvr>
+    <a:masterClrMapping/>
+  </p:clrMapOvr>
+</p:sld>
+</file>
+
+<file path=ppt/slides/slide19.xml><?xml version="1.0" encoding="utf-8"?>
+<p:sld xmlns:a="http://schemas.openxmlformats.org/drawingml/2006/main" xmlns:r="http://schemas.openxmlformats.org/officeDocument/2006/relationships" xmlns:p="http://schemas.openxmlformats.org/presentationml/2006/main">
+  <p:cSld>
+    <p:spTree>
+      <p:nvGrpSpPr>
+        <p:cNvPr id="1" name=""/>
+        <p:cNvGrpSpPr/>
+        <p:nvPr/>
+      </p:nvGrpSpPr>
+      <p:grpSpPr>
+        <a:xfrm>
+          <a:off x="0" y="0"/>
+          <a:ext cx="0" cy="0"/>
+          <a:chOff x="0" y="0"/>
+          <a:chExt cx="0" cy="0"/>
+        </a:xfrm>
+      </p:grpSpPr>
+      <p:sp>
+        <p:nvSpPr>
+          <p:cNvPr id="2" name="Titolo 1">
+            <a:extLst>
+              <a:ext uri="{FF2B5EF4-FFF2-40B4-BE49-F238E27FC236}">
+                <a16:creationId xmlns:a16="http://schemas.microsoft.com/office/drawing/2014/main" id="{45FEC939-6CEF-4864-AE33-700A49AA71B6}"/>
+              </a:ext>
+            </a:extLst>
+          </p:cNvPr>
+          <p:cNvSpPr>
+            <a:spLocks noGrp="1"/>
+          </p:cNvSpPr>
+          <p:nvPr>
+            <p:ph type="title"/>
+          </p:nvPr>
+        </p:nvSpPr>
+        <p:spPr/>
+        <p:txBody>
+          <a:bodyPr/>
+          <a:lstStyle/>
+          <a:p>
+            <a:r>
+              <a:rPr lang="it-IT" dirty="0" err="1"/>
+              <a:t>Classification</a:t>
+            </a:r>
+            <a:r>
+              <a:rPr lang="it-IT" dirty="0"/>
+              <a:t> - ECM</a:t>
+            </a:r>
+          </a:p>
+        </p:txBody>
+      </p:sp>
+      <p:sp>
+        <p:nvSpPr>
+          <p:cNvPr id="3" name="Segnaposto contenuto 2">
+            <a:extLst>
+              <a:ext uri="{FF2B5EF4-FFF2-40B4-BE49-F238E27FC236}">
+                <a16:creationId xmlns:a16="http://schemas.microsoft.com/office/drawing/2014/main" id="{11607622-A35B-4855-AF9B-B31FE3F5B903}"/>
+              </a:ext>
+            </a:extLst>
+          </p:cNvPr>
+          <p:cNvSpPr>
+            <a:spLocks noGrp="1"/>
+          </p:cNvSpPr>
+          <p:nvPr>
+            <p:ph idx="1"/>
+          </p:nvPr>
+        </p:nvSpPr>
+        <p:spPr>
+          <a:xfrm>
+            <a:off x="999795" y="1437568"/>
+            <a:ext cx="8946541" cy="4195481"/>
+          </a:xfrm>
+        </p:spPr>
+        <p:txBody>
+          <a:bodyPr/>
+          <a:lstStyle/>
+          <a:p>
+            <a:r>
+              <a:rPr lang="it-IT" b="1" u="sng" dirty="0" err="1"/>
+              <a:t>Unsupervised</a:t>
+            </a:r>
+            <a:r>
+              <a:rPr lang="it-IT" b="1" dirty="0"/>
+              <a:t> Learning </a:t>
+            </a:r>
+            <a:r>
+              <a:rPr lang="it-IT" b="1" dirty="0" err="1"/>
+              <a:t>Algorithm</a:t>
+            </a:r>
+            <a:endParaRPr lang="it-IT" b="1" dirty="0"/>
+          </a:p>
+          <a:p>
+            <a:r>
+              <a:rPr lang="it-IT" dirty="0" err="1"/>
+              <a:t>Also</a:t>
+            </a:r>
+            <a:r>
+              <a:rPr lang="it-IT" dirty="0"/>
+              <a:t> </a:t>
+            </a:r>
+            <a:r>
+              <a:rPr lang="it-IT" dirty="0" err="1"/>
+              <a:t>finds</a:t>
+            </a:r>
+            <a:r>
+              <a:rPr lang="it-IT" dirty="0"/>
+              <a:t> 4958 matches</a:t>
+            </a:r>
+          </a:p>
+          <a:p>
+            <a:pPr lvl="1"/>
+            <a:r>
+              <a:rPr lang="it-IT" dirty="0"/>
+              <a:t>  </a:t>
+            </a:r>
+            <a:r>
+              <a:rPr lang="it-IT" dirty="0" err="1"/>
+              <a:t>Same</a:t>
+            </a:r>
+            <a:r>
+              <a:rPr lang="it-IT" dirty="0"/>
+              <a:t> </a:t>
+            </a:r>
+            <a:r>
+              <a:rPr lang="it-IT" dirty="0" err="1"/>
+              <a:t>as</a:t>
+            </a:r>
+            <a:r>
+              <a:rPr lang="it-IT" dirty="0"/>
+              <a:t> </a:t>
+            </a:r>
+            <a:r>
+              <a:rPr lang="it-IT" dirty="0" err="1"/>
+              <a:t>Naive</a:t>
+            </a:r>
+            <a:r>
+              <a:rPr lang="it-IT" dirty="0"/>
+              <a:t> </a:t>
+            </a:r>
+            <a:r>
+              <a:rPr lang="it-IT" dirty="0" err="1"/>
+              <a:t>Bayes</a:t>
+            </a:r>
+            <a:r>
+              <a:rPr lang="it-IT" dirty="0"/>
+              <a:t>, </a:t>
+            </a:r>
+            <a:r>
+              <a:rPr lang="it-IT" dirty="0" err="1"/>
+              <a:t>although</a:t>
+            </a:r>
+            <a:r>
+              <a:rPr lang="it-IT" dirty="0"/>
+              <a:t> with (</a:t>
+            </a:r>
+            <a:r>
+              <a:rPr lang="it-IT" dirty="0" err="1"/>
+              <a:t>slightly</a:t>
+            </a:r>
+            <a:r>
+              <a:rPr lang="it-IT" dirty="0"/>
+              <a:t>) </a:t>
+            </a:r>
+            <a:r>
+              <a:rPr lang="it-IT" dirty="0" err="1"/>
+              <a:t>different</a:t>
+            </a:r>
+            <a:r>
+              <a:rPr lang="it-IT" dirty="0"/>
+              <a:t> </a:t>
+            </a:r>
+            <a:r>
+              <a:rPr lang="it-IT" dirty="0" err="1"/>
+              <a:t>probabilities</a:t>
+            </a:r>
+            <a:endParaRPr lang="it-IT" dirty="0"/>
+          </a:p>
+        </p:txBody>
+      </p:sp>
+      <p:pic>
+        <p:nvPicPr>
+          <p:cNvPr id="4" name="Immagine 3">
+            <a:extLst>
+              <a:ext uri="{FF2B5EF4-FFF2-40B4-BE49-F238E27FC236}">
+                <a16:creationId xmlns:a16="http://schemas.microsoft.com/office/drawing/2014/main" id="{BB7E4DFB-2C50-42CD-A570-8768AF2CA83D}"/>
+              </a:ext>
+            </a:extLst>
+          </p:cNvPr>
+          <p:cNvPicPr>
+            <a:picLocks noChangeAspect="1"/>
+          </p:cNvPicPr>
+          <p:nvPr/>
+        </p:nvPicPr>
+        <p:blipFill>
+          <a:blip r:embed="rId2"/>
+          <a:stretch>
+            <a:fillRect/>
+          </a:stretch>
+        </p:blipFill>
+        <p:spPr>
+          <a:xfrm>
+            <a:off x="525341" y="3045470"/>
+            <a:ext cx="9172755" cy="3359812"/>
+          </a:xfrm>
+          <a:prstGeom prst="rect">
+            <a:avLst/>
+          </a:prstGeom>
+        </p:spPr>
+      </p:pic>
+    </p:spTree>
+    <p:extLst>
+      <p:ext uri="{BB962C8B-B14F-4D97-AF65-F5344CB8AC3E}">
+        <p14:creationId xmlns:p14="http://schemas.microsoft.com/office/powerpoint/2010/main" val="3526467481"/>
       </p:ext>
     </p:extLst>
   </p:cSld>
@@ -6650,7 +9149,7 @@
         </p:nvSpPr>
         <p:spPr>
           <a:xfrm>
-            <a:off x="4975861" y="804671"/>
+            <a:off x="4975861" y="810422"/>
             <a:ext cx="6399930" cy="5248657"/>
           </a:xfrm>
         </p:spPr>
@@ -6672,6 +9171,13 @@
             </a:r>
           </a:p>
           <a:p>
+            <a:pPr lvl="1"/>
+            <a:r>
+              <a:rPr lang="it-IT" dirty="0"/>
+              <a:t>Record Linkage Pipeline</a:t>
+            </a:r>
+          </a:p>
+          <a:p>
             <a:r>
               <a:rPr lang="it-IT" dirty="0" err="1"/>
               <a:t>Our</a:t>
@@ -6700,33 +9206,12 @@
             <a:pPr lvl="1"/>
             <a:r>
               <a:rPr lang="it-IT" dirty="0"/>
-              <a:t>Experiment 2: Training and Testing the model</a:t>
-            </a:r>
-          </a:p>
-          <a:p>
-            <a:r>
-              <a:rPr lang="it-IT" dirty="0" err="1"/>
-              <a:t>Conclusions</a:t>
-            </a:r>
-            <a:r>
-              <a:rPr lang="it-IT" dirty="0"/>
-              <a:t> and </a:t>
-            </a:r>
-            <a:r>
-              <a:rPr lang="it-IT" dirty="0" err="1"/>
-              <a:t>final</a:t>
-            </a:r>
-            <a:r>
-              <a:rPr lang="it-IT" dirty="0"/>
-              <a:t> </a:t>
-            </a:r>
-            <a:r>
-              <a:rPr lang="it-IT" dirty="0" err="1"/>
-              <a:t>remarks</a:t>
-            </a:r>
-            <a:endParaRPr lang="it-IT" dirty="0"/>
-          </a:p>
-          <a:p>
+              <a:t>Experiment 2: Training and Testing </a:t>
+            </a:r>
+            <a:r>
+              <a:rPr lang="it-IT"/>
+              <a:t>the models</a:t>
+            </a:r>
             <a:endParaRPr lang="it-IT" dirty="0"/>
           </a:p>
         </p:txBody>
@@ -6735,6 +9220,3225 @@
     <p:extLst>
       <p:ext uri="{BB962C8B-B14F-4D97-AF65-F5344CB8AC3E}">
         <p14:creationId xmlns:p14="http://schemas.microsoft.com/office/powerpoint/2010/main" val="2679588889"/>
+      </p:ext>
+    </p:extLst>
+  </p:cSld>
+  <p:clrMapOvr>
+    <a:masterClrMapping/>
+  </p:clrMapOvr>
+</p:sld>
+</file>
+
+<file path=ppt/slides/slide20.xml><?xml version="1.0" encoding="utf-8"?>
+<p:sld xmlns:a="http://schemas.openxmlformats.org/drawingml/2006/main" xmlns:r="http://schemas.openxmlformats.org/officeDocument/2006/relationships" xmlns:p="http://schemas.openxmlformats.org/presentationml/2006/main">
+  <p:cSld>
+    <p:spTree>
+      <p:nvGrpSpPr>
+        <p:cNvPr id="1" name=""/>
+        <p:cNvGrpSpPr/>
+        <p:nvPr/>
+      </p:nvGrpSpPr>
+      <p:grpSpPr>
+        <a:xfrm>
+          <a:off x="0" y="0"/>
+          <a:ext cx="0" cy="0"/>
+          <a:chOff x="0" y="0"/>
+          <a:chExt cx="0" cy="0"/>
+        </a:xfrm>
+      </p:grpSpPr>
+      <p:sp>
+        <p:nvSpPr>
+          <p:cNvPr id="2" name="Titolo 1">
+            <a:extLst>
+              <a:ext uri="{FF2B5EF4-FFF2-40B4-BE49-F238E27FC236}">
+                <a16:creationId xmlns:a16="http://schemas.microsoft.com/office/drawing/2014/main" id="{E1F19993-1061-4A4C-9EF9-BFCA1A23D3EA}"/>
+              </a:ext>
+            </a:extLst>
+          </p:cNvPr>
+          <p:cNvSpPr>
+            <a:spLocks noGrp="1"/>
+          </p:cNvSpPr>
+          <p:nvPr>
+            <p:ph type="title"/>
+          </p:nvPr>
+        </p:nvSpPr>
+        <p:spPr/>
+        <p:txBody>
+          <a:bodyPr/>
+          <a:lstStyle/>
+          <a:p>
+            <a:r>
+              <a:rPr lang="it-IT" dirty="0" err="1"/>
+              <a:t>Our</a:t>
+            </a:r>
+            <a:r>
+              <a:rPr lang="it-IT" dirty="0"/>
+              <a:t> project – Experiment 1:</a:t>
+            </a:r>
+            <a:br>
+              <a:rPr lang="it-IT" dirty="0"/>
+            </a:br>
+            <a:r>
+              <a:rPr lang="it-IT" dirty="0" err="1"/>
+              <a:t>Block</a:t>
+            </a:r>
+            <a:r>
+              <a:rPr lang="it-IT" dirty="0"/>
+              <a:t> index</a:t>
+            </a:r>
+          </a:p>
+        </p:txBody>
+      </p:sp>
+      <p:sp>
+        <p:nvSpPr>
+          <p:cNvPr id="3" name="Segnaposto contenuto 2">
+            <a:extLst>
+              <a:ext uri="{FF2B5EF4-FFF2-40B4-BE49-F238E27FC236}">
+                <a16:creationId xmlns:a16="http://schemas.microsoft.com/office/drawing/2014/main" id="{4CF39F9C-4B96-4833-991B-BD379C13A3AB}"/>
+              </a:ext>
+            </a:extLst>
+          </p:cNvPr>
+          <p:cNvSpPr>
+            <a:spLocks noGrp="1"/>
+          </p:cNvSpPr>
+          <p:nvPr>
+            <p:ph idx="1"/>
+          </p:nvPr>
+        </p:nvSpPr>
+        <p:spPr/>
+        <p:txBody>
+          <a:bodyPr/>
+          <a:lstStyle/>
+          <a:p>
+            <a:r>
+              <a:rPr lang="it-IT" dirty="0" err="1"/>
+              <a:t>We</a:t>
+            </a:r>
+            <a:r>
+              <a:rPr lang="it-IT" dirty="0"/>
+              <a:t> </a:t>
+            </a:r>
+            <a:r>
+              <a:rPr lang="it-IT" dirty="0" err="1"/>
+              <a:t>repeat</a:t>
+            </a:r>
+            <a:r>
+              <a:rPr lang="it-IT" dirty="0"/>
+              <a:t> the </a:t>
+            </a:r>
+            <a:r>
+              <a:rPr lang="it-IT" dirty="0" err="1"/>
+              <a:t>same</a:t>
+            </a:r>
+            <a:r>
+              <a:rPr lang="it-IT" dirty="0"/>
+              <a:t> steps </a:t>
+            </a:r>
+            <a:r>
+              <a:rPr lang="it-IT" dirty="0" err="1"/>
+              <a:t>above</a:t>
+            </a:r>
+            <a:r>
+              <a:rPr lang="it-IT" dirty="0"/>
+              <a:t>, </a:t>
+            </a:r>
+            <a:r>
+              <a:rPr lang="it-IT" dirty="0" err="1"/>
+              <a:t>although</a:t>
+            </a:r>
+            <a:r>
+              <a:rPr lang="it-IT" dirty="0"/>
+              <a:t> </a:t>
+            </a:r>
+            <a:r>
+              <a:rPr lang="it-IT" dirty="0" err="1"/>
+              <a:t>we</a:t>
+            </a:r>
+            <a:r>
+              <a:rPr lang="it-IT" dirty="0"/>
+              <a:t> use a </a:t>
+            </a:r>
+            <a:r>
+              <a:rPr lang="it-IT" dirty="0" err="1"/>
+              <a:t>Block</a:t>
+            </a:r>
+            <a:r>
+              <a:rPr lang="it-IT" dirty="0"/>
+              <a:t> Index in the </a:t>
+            </a:r>
+            <a:r>
+              <a:rPr lang="it-IT" dirty="0" err="1"/>
+              <a:t>Indexing</a:t>
+            </a:r>
+            <a:r>
+              <a:rPr lang="it-IT" dirty="0"/>
+              <a:t> </a:t>
+            </a:r>
+            <a:r>
+              <a:rPr lang="it-IT" dirty="0" err="1"/>
+              <a:t>phase</a:t>
+            </a:r>
+            <a:endParaRPr lang="it-IT" dirty="0"/>
+          </a:p>
+          <a:p>
+            <a:endParaRPr lang="it-IT" dirty="0"/>
+          </a:p>
+          <a:p>
+            <a:endParaRPr lang="it-IT" dirty="0"/>
+          </a:p>
+          <a:p>
+            <a:endParaRPr lang="it-IT" dirty="0"/>
+          </a:p>
+          <a:p>
+            <a:r>
+              <a:rPr lang="it-IT" dirty="0" err="1"/>
+              <a:t>All</a:t>
+            </a:r>
+            <a:r>
+              <a:rPr lang="it-IT" dirty="0"/>
+              <a:t> the candidate links </a:t>
+            </a:r>
+            <a:r>
+              <a:rPr lang="it-IT" dirty="0" err="1"/>
+              <a:t>we</a:t>
+            </a:r>
+            <a:r>
+              <a:rPr lang="it-IT" dirty="0"/>
+              <a:t> </a:t>
+            </a:r>
+            <a:r>
+              <a:rPr lang="it-IT" dirty="0" err="1"/>
+              <a:t>obtain</a:t>
+            </a:r>
+            <a:r>
+              <a:rPr lang="it-IT" dirty="0"/>
+              <a:t> must match on (</a:t>
+            </a:r>
+            <a:r>
+              <a:rPr lang="it-IT" u="sng" dirty="0" err="1"/>
+              <a:t>at</a:t>
+            </a:r>
+            <a:r>
+              <a:rPr lang="it-IT" u="sng" dirty="0"/>
+              <a:t> </a:t>
+            </a:r>
+            <a:r>
+              <a:rPr lang="it-IT" u="sng" dirty="0" err="1"/>
+              <a:t>least</a:t>
+            </a:r>
+            <a:r>
+              <a:rPr lang="it-IT" u="sng" dirty="0"/>
+              <a:t> one of</a:t>
+            </a:r>
+            <a:r>
+              <a:rPr lang="it-IT" dirty="0"/>
+              <a:t>):</a:t>
+            </a:r>
+          </a:p>
+          <a:p>
+            <a:pPr lvl="1"/>
+            <a:r>
+              <a:rPr lang="it-IT" dirty="0" err="1"/>
+              <a:t>Surname</a:t>
+            </a:r>
+            <a:endParaRPr lang="it-IT" dirty="0"/>
+          </a:p>
+          <a:p>
+            <a:pPr lvl="1"/>
+            <a:r>
+              <a:rPr lang="it-IT" dirty="0"/>
+              <a:t>Date of </a:t>
+            </a:r>
+            <a:r>
+              <a:rPr lang="it-IT" dirty="0" err="1"/>
+              <a:t>birth</a:t>
+            </a:r>
+            <a:endParaRPr lang="it-IT" dirty="0"/>
+          </a:p>
+          <a:p>
+            <a:pPr lvl="1"/>
+            <a:r>
+              <a:rPr lang="it-IT" dirty="0" err="1"/>
+              <a:t>Soc_Sec_Id</a:t>
+            </a:r>
+            <a:endParaRPr lang="it-IT" dirty="0"/>
+          </a:p>
+        </p:txBody>
+      </p:sp>
+      <p:pic>
+        <p:nvPicPr>
+          <p:cNvPr id="5" name="Immagine 4">
+            <a:extLst>
+              <a:ext uri="{FF2B5EF4-FFF2-40B4-BE49-F238E27FC236}">
+                <a16:creationId xmlns:a16="http://schemas.microsoft.com/office/drawing/2014/main" id="{68E5C3A9-7774-4705-A395-BD14350F6D61}"/>
+              </a:ext>
+            </a:extLst>
+          </p:cNvPr>
+          <p:cNvPicPr>
+            <a:picLocks noChangeAspect="1"/>
+          </p:cNvPicPr>
+          <p:nvPr/>
+        </p:nvPicPr>
+        <p:blipFill>
+          <a:blip r:embed="rId2"/>
+          <a:stretch>
+            <a:fillRect/>
+          </a:stretch>
+        </p:blipFill>
+        <p:spPr>
+          <a:xfrm>
+            <a:off x="1339969" y="3028898"/>
+            <a:ext cx="8528650" cy="709215"/>
+          </a:xfrm>
+          <a:prstGeom prst="rect">
+            <a:avLst/>
+          </a:prstGeom>
+        </p:spPr>
+      </p:pic>
+    </p:spTree>
+    <p:extLst>
+      <p:ext uri="{BB962C8B-B14F-4D97-AF65-F5344CB8AC3E}">
+        <p14:creationId xmlns:p14="http://schemas.microsoft.com/office/powerpoint/2010/main" val="4004861013"/>
+      </p:ext>
+    </p:extLst>
+  </p:cSld>
+  <p:clrMapOvr>
+    <a:masterClrMapping/>
+  </p:clrMapOvr>
+</p:sld>
+</file>
+
+<file path=ppt/slides/slide21.xml><?xml version="1.0" encoding="utf-8"?>
+<p:sld xmlns:a="http://schemas.openxmlformats.org/drawingml/2006/main" xmlns:r="http://schemas.openxmlformats.org/officeDocument/2006/relationships" xmlns:p="http://schemas.openxmlformats.org/presentationml/2006/main">
+  <p:cSld>
+    <p:spTree>
+      <p:nvGrpSpPr>
+        <p:cNvPr id="1" name=""/>
+        <p:cNvGrpSpPr/>
+        <p:nvPr/>
+      </p:nvGrpSpPr>
+      <p:grpSpPr>
+        <a:xfrm>
+          <a:off x="0" y="0"/>
+          <a:ext cx="0" cy="0"/>
+          <a:chOff x="0" y="0"/>
+          <a:chExt cx="0" cy="0"/>
+        </a:xfrm>
+      </p:grpSpPr>
+      <p:sp>
+        <p:nvSpPr>
+          <p:cNvPr id="2" name="Titolo 1">
+            <a:extLst>
+              <a:ext uri="{FF2B5EF4-FFF2-40B4-BE49-F238E27FC236}">
+                <a16:creationId xmlns:a16="http://schemas.microsoft.com/office/drawing/2014/main" id="{E1F19993-1061-4A4C-9EF9-BFCA1A23D3EA}"/>
+              </a:ext>
+            </a:extLst>
+          </p:cNvPr>
+          <p:cNvSpPr>
+            <a:spLocks noGrp="1"/>
+          </p:cNvSpPr>
+          <p:nvPr>
+            <p:ph type="title"/>
+          </p:nvPr>
+        </p:nvSpPr>
+        <p:spPr/>
+        <p:txBody>
+          <a:bodyPr/>
+          <a:lstStyle/>
+          <a:p>
+            <a:r>
+              <a:rPr lang="it-IT" dirty="0" err="1"/>
+              <a:t>Our</a:t>
+            </a:r>
+            <a:r>
+              <a:rPr lang="it-IT" dirty="0"/>
+              <a:t> project – Experiment 1:</a:t>
+            </a:r>
+            <a:br>
+              <a:rPr lang="it-IT" dirty="0"/>
+            </a:br>
+            <a:r>
+              <a:rPr lang="it-IT" dirty="0" err="1"/>
+              <a:t>Block</a:t>
+            </a:r>
+            <a:r>
+              <a:rPr lang="it-IT" dirty="0"/>
+              <a:t> index (1)</a:t>
+            </a:r>
+          </a:p>
+        </p:txBody>
+      </p:sp>
+      <p:sp>
+        <p:nvSpPr>
+          <p:cNvPr id="3" name="Segnaposto contenuto 2">
+            <a:extLst>
+              <a:ext uri="{FF2B5EF4-FFF2-40B4-BE49-F238E27FC236}">
+                <a16:creationId xmlns:a16="http://schemas.microsoft.com/office/drawing/2014/main" id="{4CF39F9C-4B96-4833-991B-BD379C13A3AB}"/>
+              </a:ext>
+            </a:extLst>
+          </p:cNvPr>
+          <p:cNvSpPr>
+            <a:spLocks noGrp="1"/>
+          </p:cNvSpPr>
+          <p:nvPr>
+            <p:ph idx="1"/>
+          </p:nvPr>
+        </p:nvSpPr>
+        <p:spPr>
+          <a:xfrm>
+            <a:off x="1103312" y="2052918"/>
+            <a:ext cx="9219631" cy="4195481"/>
+          </a:xfrm>
+        </p:spPr>
+        <p:txBody>
+          <a:bodyPr/>
+          <a:lstStyle/>
+          <a:p>
+            <a:r>
+              <a:rPr lang="it-IT" dirty="0" err="1"/>
+              <a:t>We</a:t>
+            </a:r>
+            <a:r>
+              <a:rPr lang="it-IT" dirty="0"/>
+              <a:t> </a:t>
+            </a:r>
+            <a:r>
+              <a:rPr lang="it-IT" dirty="0" err="1"/>
+              <a:t>obtained</a:t>
+            </a:r>
+            <a:r>
+              <a:rPr lang="it-IT" dirty="0"/>
+              <a:t> 87132 candidate links</a:t>
+            </a:r>
+          </a:p>
+          <a:p>
+            <a:pPr lvl="1"/>
+            <a:r>
+              <a:rPr lang="it-IT" dirty="0" err="1"/>
+              <a:t>As</a:t>
+            </a:r>
+            <a:r>
+              <a:rPr lang="it-IT" dirty="0"/>
+              <a:t> a </a:t>
+            </a:r>
+            <a:r>
+              <a:rPr lang="it-IT" dirty="0" err="1"/>
+              <a:t>reminder</a:t>
+            </a:r>
+            <a:r>
+              <a:rPr lang="it-IT" dirty="0"/>
+              <a:t>, with the Full Index </a:t>
+            </a:r>
+            <a:r>
+              <a:rPr lang="it-IT" dirty="0" err="1"/>
+              <a:t>we</a:t>
+            </a:r>
+            <a:r>
+              <a:rPr lang="it-IT" dirty="0"/>
+              <a:t> </a:t>
+            </a:r>
+            <a:r>
+              <a:rPr lang="it-IT" dirty="0" err="1"/>
+              <a:t>obtained</a:t>
+            </a:r>
+            <a:r>
+              <a:rPr lang="it-IT" dirty="0"/>
+              <a:t> 25.000.000</a:t>
+            </a:r>
+          </a:p>
+          <a:p>
+            <a:pPr lvl="2"/>
+            <a:r>
+              <a:rPr lang="it-IT" dirty="0" err="1"/>
+              <a:t>That’s</a:t>
+            </a:r>
+            <a:r>
+              <a:rPr lang="it-IT" dirty="0"/>
+              <a:t> the 0,0035%</a:t>
+            </a:r>
+            <a:br>
+              <a:rPr lang="it-IT" dirty="0"/>
+            </a:br>
+            <a:endParaRPr lang="it-IT" dirty="0"/>
+          </a:p>
+        </p:txBody>
+      </p:sp>
+      <p:pic>
+        <p:nvPicPr>
+          <p:cNvPr id="4" name="Immagine 3">
+            <a:extLst>
+              <a:ext uri="{FF2B5EF4-FFF2-40B4-BE49-F238E27FC236}">
+                <a16:creationId xmlns:a16="http://schemas.microsoft.com/office/drawing/2014/main" id="{07A94481-C3BA-43AB-B637-2AB484D4BE70}"/>
+              </a:ext>
+            </a:extLst>
+          </p:cNvPr>
+          <p:cNvPicPr>
+            <a:picLocks noChangeAspect="1"/>
+          </p:cNvPicPr>
+          <p:nvPr/>
+        </p:nvPicPr>
+        <p:blipFill>
+          <a:blip r:embed="rId2"/>
+          <a:stretch>
+            <a:fillRect/>
+          </a:stretch>
+        </p:blipFill>
+        <p:spPr>
+          <a:xfrm>
+            <a:off x="2429684" y="3375803"/>
+            <a:ext cx="5512370" cy="3131387"/>
+          </a:xfrm>
+          <a:prstGeom prst="rect">
+            <a:avLst/>
+          </a:prstGeom>
+        </p:spPr>
+      </p:pic>
+    </p:spTree>
+    <p:extLst>
+      <p:ext uri="{BB962C8B-B14F-4D97-AF65-F5344CB8AC3E}">
+        <p14:creationId xmlns:p14="http://schemas.microsoft.com/office/powerpoint/2010/main" val="322102015"/>
+      </p:ext>
+    </p:extLst>
+  </p:cSld>
+  <p:clrMapOvr>
+    <a:masterClrMapping/>
+  </p:clrMapOvr>
+</p:sld>
+</file>
+
+<file path=ppt/slides/slide22.xml><?xml version="1.0" encoding="utf-8"?>
+<p:sld xmlns:a="http://schemas.openxmlformats.org/drawingml/2006/main" xmlns:r="http://schemas.openxmlformats.org/officeDocument/2006/relationships" xmlns:p="http://schemas.openxmlformats.org/presentationml/2006/main">
+  <p:cSld>
+    <p:spTree>
+      <p:nvGrpSpPr>
+        <p:cNvPr id="1" name=""/>
+        <p:cNvGrpSpPr/>
+        <p:nvPr/>
+      </p:nvGrpSpPr>
+      <p:grpSpPr>
+        <a:xfrm>
+          <a:off x="0" y="0"/>
+          <a:ext cx="0" cy="0"/>
+          <a:chOff x="0" y="0"/>
+          <a:chExt cx="0" cy="0"/>
+        </a:xfrm>
+      </p:grpSpPr>
+      <p:sp>
+        <p:nvSpPr>
+          <p:cNvPr id="2" name="Titolo 1">
+            <a:extLst>
+              <a:ext uri="{FF2B5EF4-FFF2-40B4-BE49-F238E27FC236}">
+                <a16:creationId xmlns:a16="http://schemas.microsoft.com/office/drawing/2014/main" id="{C271772B-2DC2-4BCE-A496-82A23290F769}"/>
+              </a:ext>
+            </a:extLst>
+          </p:cNvPr>
+          <p:cNvSpPr>
+            <a:spLocks noGrp="1"/>
+          </p:cNvSpPr>
+          <p:nvPr>
+            <p:ph type="title"/>
+          </p:nvPr>
+        </p:nvSpPr>
+        <p:spPr/>
+        <p:txBody>
+          <a:bodyPr/>
+          <a:lstStyle/>
+          <a:p>
+            <a:r>
+              <a:rPr lang="it-IT" dirty="0" err="1"/>
+              <a:t>Our</a:t>
+            </a:r>
+            <a:r>
+              <a:rPr lang="it-IT" dirty="0"/>
+              <a:t> project – Experiment 1:</a:t>
+            </a:r>
+            <a:br>
+              <a:rPr lang="it-IT" dirty="0"/>
+            </a:br>
+            <a:r>
+              <a:rPr lang="it-IT" dirty="0" err="1"/>
+              <a:t>Block</a:t>
+            </a:r>
+            <a:r>
+              <a:rPr lang="it-IT" dirty="0"/>
+              <a:t> Index (fast </a:t>
+            </a:r>
+            <a:r>
+              <a:rPr lang="it-IT" dirty="0" err="1"/>
+              <a:t>forward</a:t>
+            </a:r>
+            <a:r>
+              <a:rPr lang="it-IT" dirty="0"/>
+              <a:t>)</a:t>
+            </a:r>
+          </a:p>
+        </p:txBody>
+      </p:sp>
+      <p:sp>
+        <p:nvSpPr>
+          <p:cNvPr id="3" name="Segnaposto contenuto 2">
+            <a:extLst>
+              <a:ext uri="{FF2B5EF4-FFF2-40B4-BE49-F238E27FC236}">
+                <a16:creationId xmlns:a16="http://schemas.microsoft.com/office/drawing/2014/main" id="{A95B51B6-09B0-4BFA-ADC9-DBE18B1FCCDD}"/>
+              </a:ext>
+            </a:extLst>
+          </p:cNvPr>
+          <p:cNvSpPr>
+            <a:spLocks noGrp="1"/>
+          </p:cNvSpPr>
+          <p:nvPr>
+            <p:ph idx="1"/>
+          </p:nvPr>
+        </p:nvSpPr>
+        <p:spPr/>
+        <p:txBody>
+          <a:bodyPr/>
+          <a:lstStyle/>
+          <a:p>
+            <a:r>
+              <a:rPr lang="it-IT" dirty="0" err="1"/>
+              <a:t>We</a:t>
+            </a:r>
+            <a:r>
+              <a:rPr lang="it-IT" dirty="0"/>
+              <a:t> </a:t>
+            </a:r>
+            <a:r>
+              <a:rPr lang="it-IT" dirty="0" err="1"/>
+              <a:t>perform</a:t>
+            </a:r>
+            <a:r>
+              <a:rPr lang="it-IT" dirty="0"/>
+              <a:t> the </a:t>
+            </a:r>
+            <a:r>
+              <a:rPr lang="it-IT" dirty="0" err="1"/>
+              <a:t>Comparison</a:t>
+            </a:r>
+            <a:r>
+              <a:rPr lang="it-IT" dirty="0"/>
+              <a:t> and </a:t>
+            </a:r>
+            <a:r>
+              <a:rPr lang="it-IT" dirty="0" err="1"/>
+              <a:t>Classification</a:t>
+            </a:r>
+            <a:r>
+              <a:rPr lang="it-IT" dirty="0"/>
+              <a:t> </a:t>
+            </a:r>
+            <a:r>
+              <a:rPr lang="it-IT" dirty="0" err="1"/>
+              <a:t>phases</a:t>
+            </a:r>
+            <a:r>
+              <a:rPr lang="it-IT" dirty="0"/>
+              <a:t> </a:t>
+            </a:r>
+            <a:r>
+              <a:rPr lang="it-IT" dirty="0" err="1"/>
+              <a:t>as</a:t>
+            </a:r>
+            <a:r>
+              <a:rPr lang="it-IT" dirty="0"/>
+              <a:t> </a:t>
+            </a:r>
+            <a:r>
+              <a:rPr lang="it-IT" dirty="0" err="1"/>
+              <a:t>we</a:t>
+            </a:r>
+            <a:r>
+              <a:rPr lang="it-IT" dirty="0"/>
+              <a:t> </a:t>
+            </a:r>
+            <a:r>
+              <a:rPr lang="it-IT" dirty="0" err="1"/>
+              <a:t>did</a:t>
+            </a:r>
+            <a:r>
+              <a:rPr lang="it-IT" dirty="0"/>
+              <a:t> </a:t>
+            </a:r>
+            <a:r>
+              <a:rPr lang="it-IT" dirty="0" err="1"/>
+              <a:t>before</a:t>
+            </a:r>
+            <a:endParaRPr lang="it-IT" dirty="0"/>
+          </a:p>
+          <a:p>
+            <a:pPr lvl="1"/>
+            <a:r>
+              <a:rPr lang="it-IT" dirty="0"/>
+              <a:t>Will the </a:t>
+            </a:r>
+            <a:r>
+              <a:rPr lang="it-IT" dirty="0" err="1"/>
+              <a:t>results</a:t>
+            </a:r>
+            <a:r>
+              <a:rPr lang="it-IT" dirty="0"/>
+              <a:t> </a:t>
+            </a:r>
+            <a:r>
+              <a:rPr lang="it-IT" dirty="0" err="1"/>
+              <a:t>change</a:t>
+            </a:r>
+            <a:r>
+              <a:rPr lang="it-IT" dirty="0"/>
+              <a:t>? </a:t>
+            </a:r>
+          </a:p>
+        </p:txBody>
+      </p:sp>
+      <p:graphicFrame>
+        <p:nvGraphicFramePr>
+          <p:cNvPr id="4" name="Tabella 4">
+            <a:extLst>
+              <a:ext uri="{FF2B5EF4-FFF2-40B4-BE49-F238E27FC236}">
+                <a16:creationId xmlns:a16="http://schemas.microsoft.com/office/drawing/2014/main" id="{A9E8D42F-006B-4BF5-9F9F-E4368E3C6E61}"/>
+              </a:ext>
+            </a:extLst>
+          </p:cNvPr>
+          <p:cNvGraphicFramePr>
+            <a:graphicFrameLocks noGrp="1"/>
+          </p:cNvGraphicFramePr>
+          <p:nvPr>
+            <p:extLst>
+              <p:ext uri="{D42A27DB-BD31-4B8C-83A1-F6EECF244321}">
+                <p14:modId xmlns:p14="http://schemas.microsoft.com/office/powerpoint/2010/main" val="726431017"/>
+              </p:ext>
+            </p:extLst>
+          </p:nvPr>
+        </p:nvGraphicFramePr>
+        <p:xfrm>
+          <a:off x="1640936" y="3531876"/>
+          <a:ext cx="8060907" cy="2322584"/>
+        </p:xfrm>
+        <a:graphic>
+          <a:graphicData uri="http://schemas.openxmlformats.org/drawingml/2006/table">
+            <a:tbl>
+              <a:tblPr firstRow="1" firstCol="1" bandRow="1">
+                <a:tableStyleId>{5C22544A-7EE6-4342-B048-85BDC9FD1C3A}</a:tableStyleId>
+              </a:tblPr>
+              <a:tblGrid>
+                <a:gridCol w="2686969">
+                  <a:extLst>
+                    <a:ext uri="{9D8B030D-6E8A-4147-A177-3AD203B41FA5}">
+                      <a16:colId xmlns:a16="http://schemas.microsoft.com/office/drawing/2014/main" val="2929259365"/>
+                    </a:ext>
+                  </a:extLst>
+                </a:gridCol>
+                <a:gridCol w="2686969">
+                  <a:extLst>
+                    <a:ext uri="{9D8B030D-6E8A-4147-A177-3AD203B41FA5}">
+                      <a16:colId xmlns:a16="http://schemas.microsoft.com/office/drawing/2014/main" val="880956126"/>
+                    </a:ext>
+                  </a:extLst>
+                </a:gridCol>
+                <a:gridCol w="2686969">
+                  <a:extLst>
+                    <a:ext uri="{9D8B030D-6E8A-4147-A177-3AD203B41FA5}">
+                      <a16:colId xmlns:a16="http://schemas.microsoft.com/office/drawing/2014/main" val="1959568885"/>
+                    </a:ext>
+                  </a:extLst>
+                </a:gridCol>
+              </a:tblGrid>
+              <a:tr h="580646">
+                <a:tc>
+                  <a:txBody>
+                    <a:bodyPr/>
+                    <a:lstStyle/>
+                    <a:p>
+                      <a:endParaRPr lang="it-IT" dirty="0"/>
+                    </a:p>
+                  </a:txBody>
+                  <a:tcPr/>
+                </a:tc>
+                <a:tc>
+                  <a:txBody>
+                    <a:bodyPr/>
+                    <a:lstStyle/>
+                    <a:p>
+                      <a:r>
+                        <a:rPr lang="it-IT" dirty="0"/>
+                        <a:t>Full Index</a:t>
+                      </a:r>
+                    </a:p>
+                  </a:txBody>
+                  <a:tcPr/>
+                </a:tc>
+                <a:tc>
+                  <a:txBody>
+                    <a:bodyPr/>
+                    <a:lstStyle/>
+                    <a:p>
+                      <a:r>
+                        <a:rPr lang="it-IT" dirty="0" err="1"/>
+                        <a:t>Block</a:t>
+                      </a:r>
+                      <a:r>
+                        <a:rPr lang="it-IT" dirty="0"/>
+                        <a:t> Index</a:t>
+                      </a:r>
+                    </a:p>
+                  </a:txBody>
+                  <a:tcPr/>
+                </a:tc>
+                <a:extLst>
+                  <a:ext uri="{0D108BD9-81ED-4DB2-BD59-A6C34878D82A}">
+                    <a16:rowId xmlns:a16="http://schemas.microsoft.com/office/drawing/2014/main" val="3269422514"/>
+                  </a:ext>
+                </a:extLst>
+              </a:tr>
+              <a:tr h="580646">
+                <a:tc>
+                  <a:txBody>
+                    <a:bodyPr/>
+                    <a:lstStyle/>
+                    <a:p>
+                      <a:r>
+                        <a:rPr lang="it-IT" dirty="0" err="1"/>
+                        <a:t>Indexing</a:t>
+                      </a:r>
+                      <a:r>
+                        <a:rPr lang="it-IT" dirty="0"/>
+                        <a:t> time</a:t>
+                      </a:r>
+                    </a:p>
+                  </a:txBody>
+                  <a:tcPr/>
+                </a:tc>
+                <a:tc>
+                  <a:txBody>
+                    <a:bodyPr/>
+                    <a:lstStyle/>
+                    <a:p>
+                      <a:r>
+                        <a:rPr lang="it-IT" dirty="0"/>
+                        <a:t>160 s</a:t>
+                      </a:r>
+                    </a:p>
+                  </a:txBody>
+                  <a:tcPr/>
+                </a:tc>
+                <a:tc>
+                  <a:txBody>
+                    <a:bodyPr/>
+                    <a:lstStyle/>
+                    <a:p>
+                      <a:r>
+                        <a:rPr lang="it-IT" dirty="0"/>
+                        <a:t>0.56 s</a:t>
+                      </a:r>
+                    </a:p>
+                  </a:txBody>
+                  <a:tcPr/>
+                </a:tc>
+                <a:extLst>
+                  <a:ext uri="{0D108BD9-81ED-4DB2-BD59-A6C34878D82A}">
+                    <a16:rowId xmlns:a16="http://schemas.microsoft.com/office/drawing/2014/main" val="2295842449"/>
+                  </a:ext>
+                </a:extLst>
+              </a:tr>
+              <a:tr h="580646">
+                <a:tc>
+                  <a:txBody>
+                    <a:bodyPr/>
+                    <a:lstStyle/>
+                    <a:p>
+                      <a:r>
+                        <a:rPr lang="it-IT" dirty="0" err="1"/>
+                        <a:t>Naive</a:t>
+                      </a:r>
+                      <a:r>
+                        <a:rPr lang="it-IT" dirty="0"/>
+                        <a:t> </a:t>
+                      </a:r>
+                      <a:r>
+                        <a:rPr lang="it-IT" dirty="0" err="1"/>
+                        <a:t>Bayes</a:t>
+                      </a:r>
+                      <a:endParaRPr lang="it-IT" dirty="0"/>
+                    </a:p>
+                  </a:txBody>
+                  <a:tcPr/>
+                </a:tc>
+                <a:tc>
+                  <a:txBody>
+                    <a:bodyPr/>
+                    <a:lstStyle/>
+                    <a:p>
+                      <a:r>
+                        <a:rPr lang="it-IT" dirty="0"/>
+                        <a:t>150 s</a:t>
+                      </a:r>
+                    </a:p>
+                  </a:txBody>
+                  <a:tcPr/>
+                </a:tc>
+                <a:tc>
+                  <a:txBody>
+                    <a:bodyPr/>
+                    <a:lstStyle/>
+                    <a:p>
+                      <a:r>
+                        <a:rPr lang="it-IT" dirty="0"/>
+                        <a:t>0.23 s</a:t>
+                      </a:r>
+                    </a:p>
+                  </a:txBody>
+                  <a:tcPr/>
+                </a:tc>
+                <a:extLst>
+                  <a:ext uri="{0D108BD9-81ED-4DB2-BD59-A6C34878D82A}">
+                    <a16:rowId xmlns:a16="http://schemas.microsoft.com/office/drawing/2014/main" val="3233970139"/>
+                  </a:ext>
+                </a:extLst>
+              </a:tr>
+              <a:tr h="580646">
+                <a:tc>
+                  <a:txBody>
+                    <a:bodyPr/>
+                    <a:lstStyle/>
+                    <a:p>
+                      <a:r>
+                        <a:rPr lang="it-IT" dirty="0"/>
+                        <a:t>ECM</a:t>
+                      </a:r>
+                    </a:p>
+                  </a:txBody>
+                  <a:tcPr/>
+                </a:tc>
+                <a:tc>
+                  <a:txBody>
+                    <a:bodyPr/>
+                    <a:lstStyle/>
+                    <a:p>
+                      <a:r>
+                        <a:rPr lang="it-IT" dirty="0"/>
+                        <a:t>92 s</a:t>
+                      </a:r>
+                    </a:p>
+                  </a:txBody>
+                  <a:tcPr/>
+                </a:tc>
+                <a:tc>
+                  <a:txBody>
+                    <a:bodyPr/>
+                    <a:lstStyle/>
+                    <a:p>
+                      <a:r>
+                        <a:rPr lang="it-IT" dirty="0"/>
+                        <a:t>0,29 s</a:t>
+                      </a:r>
+                    </a:p>
+                  </a:txBody>
+                  <a:tcPr/>
+                </a:tc>
+                <a:extLst>
+                  <a:ext uri="{0D108BD9-81ED-4DB2-BD59-A6C34878D82A}">
+                    <a16:rowId xmlns:a16="http://schemas.microsoft.com/office/drawing/2014/main" val="2673096648"/>
+                  </a:ext>
+                </a:extLst>
+              </a:tr>
+            </a:tbl>
+          </a:graphicData>
+        </a:graphic>
+      </p:graphicFrame>
+    </p:spTree>
+    <p:extLst>
+      <p:ext uri="{BB962C8B-B14F-4D97-AF65-F5344CB8AC3E}">
+        <p14:creationId xmlns:p14="http://schemas.microsoft.com/office/powerpoint/2010/main" val="1175149012"/>
+      </p:ext>
+    </p:extLst>
+  </p:cSld>
+  <p:clrMapOvr>
+    <a:masterClrMapping/>
+  </p:clrMapOvr>
+</p:sld>
+</file>
+
+<file path=ppt/slides/slide23.xml><?xml version="1.0" encoding="utf-8"?>
+<p:sld xmlns:a="http://schemas.openxmlformats.org/drawingml/2006/main" xmlns:r="http://schemas.openxmlformats.org/officeDocument/2006/relationships" xmlns:p="http://schemas.openxmlformats.org/presentationml/2006/main">
+  <p:cSld>
+    <p:spTree>
+      <p:nvGrpSpPr>
+        <p:cNvPr id="1" name=""/>
+        <p:cNvGrpSpPr/>
+        <p:nvPr/>
+      </p:nvGrpSpPr>
+      <p:grpSpPr>
+        <a:xfrm>
+          <a:off x="0" y="0"/>
+          <a:ext cx="0" cy="0"/>
+          <a:chOff x="0" y="0"/>
+          <a:chExt cx="0" cy="0"/>
+        </a:xfrm>
+      </p:grpSpPr>
+      <p:sp>
+        <p:nvSpPr>
+          <p:cNvPr id="2" name="Titolo 1">
+            <a:extLst>
+              <a:ext uri="{FF2B5EF4-FFF2-40B4-BE49-F238E27FC236}">
+                <a16:creationId xmlns:a16="http://schemas.microsoft.com/office/drawing/2014/main" id="{12FA96C3-AE5E-4E9A-AA6F-59C4B6F6B756}"/>
+              </a:ext>
+            </a:extLst>
+          </p:cNvPr>
+          <p:cNvSpPr>
+            <a:spLocks noGrp="1"/>
+          </p:cNvSpPr>
+          <p:nvPr>
+            <p:ph type="title"/>
+          </p:nvPr>
+        </p:nvSpPr>
+        <p:spPr/>
+        <p:txBody>
+          <a:bodyPr/>
+          <a:lstStyle/>
+          <a:p>
+            <a:r>
+              <a:rPr lang="it-IT" dirty="0" err="1"/>
+              <a:t>Our</a:t>
+            </a:r>
+            <a:r>
+              <a:rPr lang="it-IT" dirty="0"/>
+              <a:t> project – Experiment 1:</a:t>
+            </a:r>
+            <a:br>
+              <a:rPr lang="it-IT" dirty="0"/>
+            </a:br>
+            <a:r>
+              <a:rPr lang="it-IT" dirty="0"/>
+              <a:t>Evaluation</a:t>
+            </a:r>
+          </a:p>
+        </p:txBody>
+      </p:sp>
+      <p:pic>
+        <p:nvPicPr>
+          <p:cNvPr id="10" name="Immagine 9">
+            <a:extLst>
+              <a:ext uri="{FF2B5EF4-FFF2-40B4-BE49-F238E27FC236}">
+                <a16:creationId xmlns:a16="http://schemas.microsoft.com/office/drawing/2014/main" id="{53A80092-D93E-490F-83F1-F4DDC748BFC4}"/>
+              </a:ext>
+            </a:extLst>
+          </p:cNvPr>
+          <p:cNvPicPr>
+            <a:picLocks noChangeAspect="1"/>
+          </p:cNvPicPr>
+          <p:nvPr/>
+        </p:nvPicPr>
+        <p:blipFill>
+          <a:blip r:embed="rId2"/>
+          <a:stretch>
+            <a:fillRect/>
+          </a:stretch>
+        </p:blipFill>
+        <p:spPr>
+          <a:xfrm>
+            <a:off x="764605" y="4328213"/>
+            <a:ext cx="3267075" cy="2181225"/>
+          </a:xfrm>
+          <a:prstGeom prst="rect">
+            <a:avLst/>
+          </a:prstGeom>
+        </p:spPr>
+      </p:pic>
+      <p:pic>
+        <p:nvPicPr>
+          <p:cNvPr id="12" name="Immagine 11">
+            <a:extLst>
+              <a:ext uri="{FF2B5EF4-FFF2-40B4-BE49-F238E27FC236}">
+                <a16:creationId xmlns:a16="http://schemas.microsoft.com/office/drawing/2014/main" id="{5EEA7B73-B847-4CBD-B548-9A2AE474E26A}"/>
+              </a:ext>
+            </a:extLst>
+          </p:cNvPr>
+          <p:cNvPicPr>
+            <a:picLocks noChangeAspect="1"/>
+          </p:cNvPicPr>
+          <p:nvPr/>
+        </p:nvPicPr>
+        <p:blipFill>
+          <a:blip r:embed="rId3"/>
+          <a:stretch>
+            <a:fillRect/>
+          </a:stretch>
+        </p:blipFill>
+        <p:spPr>
+          <a:xfrm>
+            <a:off x="6285245" y="4328213"/>
+            <a:ext cx="3267074" cy="2181225"/>
+          </a:xfrm>
+          <a:prstGeom prst="rect">
+            <a:avLst/>
+          </a:prstGeom>
+        </p:spPr>
+      </p:pic>
+      <p:sp>
+        <p:nvSpPr>
+          <p:cNvPr id="11" name="Freccia a destra 10">
+            <a:extLst>
+              <a:ext uri="{FF2B5EF4-FFF2-40B4-BE49-F238E27FC236}">
+                <a16:creationId xmlns:a16="http://schemas.microsoft.com/office/drawing/2014/main" id="{EEF41BA0-1D96-4BAB-8985-A0D6666707BB}"/>
+              </a:ext>
+            </a:extLst>
+          </p:cNvPr>
+          <p:cNvSpPr/>
+          <p:nvPr/>
+        </p:nvSpPr>
+        <p:spPr>
+          <a:xfrm>
+            <a:off x="4307459" y="5082394"/>
+            <a:ext cx="1817298" cy="672861"/>
+          </a:xfrm>
+          <a:prstGeom prst="rightArrow">
+            <a:avLst/>
+          </a:prstGeom>
+        </p:spPr>
+        <p:style>
+          <a:lnRef idx="2">
+            <a:schemeClr val="accent1">
+              <a:shade val="50000"/>
+            </a:schemeClr>
+          </a:lnRef>
+          <a:fillRef idx="1">
+            <a:schemeClr val="accent1"/>
+          </a:fillRef>
+          <a:effectRef idx="0">
+            <a:schemeClr val="accent1"/>
+          </a:effectRef>
+          <a:fontRef idx="minor">
+            <a:schemeClr val="lt1"/>
+          </a:fontRef>
+        </p:style>
+        <p:txBody>
+          <a:bodyPr rtlCol="0" anchor="ctr"/>
+          <a:lstStyle/>
+          <a:p>
+            <a:pPr algn="ctr"/>
+            <a:endParaRPr lang="it-IT"/>
+          </a:p>
+        </p:txBody>
+      </p:sp>
+      <p:pic>
+        <p:nvPicPr>
+          <p:cNvPr id="20" name="Immagine 19">
+            <a:extLst>
+              <a:ext uri="{FF2B5EF4-FFF2-40B4-BE49-F238E27FC236}">
+                <a16:creationId xmlns:a16="http://schemas.microsoft.com/office/drawing/2014/main" id="{2F7303A9-CD8C-491E-9E35-509B24B3DCE4}"/>
+              </a:ext>
+            </a:extLst>
+          </p:cNvPr>
+          <p:cNvPicPr>
+            <a:picLocks noChangeAspect="1"/>
+          </p:cNvPicPr>
+          <p:nvPr/>
+        </p:nvPicPr>
+        <p:blipFill>
+          <a:blip r:embed="rId4"/>
+          <a:stretch>
+            <a:fillRect/>
+          </a:stretch>
+        </p:blipFill>
+        <p:spPr>
+          <a:xfrm>
+            <a:off x="800925" y="1905089"/>
+            <a:ext cx="3230755" cy="2235282"/>
+          </a:xfrm>
+          <a:prstGeom prst="rect">
+            <a:avLst/>
+          </a:prstGeom>
+        </p:spPr>
+      </p:pic>
+      <p:pic>
+        <p:nvPicPr>
+          <p:cNvPr id="21" name="Immagine 20">
+            <a:extLst>
+              <a:ext uri="{FF2B5EF4-FFF2-40B4-BE49-F238E27FC236}">
+                <a16:creationId xmlns:a16="http://schemas.microsoft.com/office/drawing/2014/main" id="{F00DFD4F-0B5E-4B7A-A511-DCAB7C0517B9}"/>
+              </a:ext>
+            </a:extLst>
+          </p:cNvPr>
+          <p:cNvPicPr>
+            <a:picLocks noChangeAspect="1"/>
+          </p:cNvPicPr>
+          <p:nvPr/>
+        </p:nvPicPr>
+        <p:blipFill>
+          <a:blip r:embed="rId5"/>
+          <a:stretch>
+            <a:fillRect/>
+          </a:stretch>
+        </p:blipFill>
+        <p:spPr>
+          <a:xfrm>
+            <a:off x="6297918" y="1905089"/>
+            <a:ext cx="3268800" cy="2235281"/>
+          </a:xfrm>
+          <a:prstGeom prst="rect">
+            <a:avLst/>
+          </a:prstGeom>
+        </p:spPr>
+      </p:pic>
+      <p:sp>
+        <p:nvSpPr>
+          <p:cNvPr id="22" name="Freccia a destra 21">
+            <a:extLst>
+              <a:ext uri="{FF2B5EF4-FFF2-40B4-BE49-F238E27FC236}">
+                <a16:creationId xmlns:a16="http://schemas.microsoft.com/office/drawing/2014/main" id="{B22E826E-A27A-4F34-80F7-235D0C6CCBE9}"/>
+              </a:ext>
+            </a:extLst>
+          </p:cNvPr>
+          <p:cNvSpPr/>
+          <p:nvPr/>
+        </p:nvSpPr>
+        <p:spPr>
+          <a:xfrm>
+            <a:off x="4307459" y="2577638"/>
+            <a:ext cx="1817298" cy="672861"/>
+          </a:xfrm>
+          <a:prstGeom prst="rightArrow">
+            <a:avLst/>
+          </a:prstGeom>
+        </p:spPr>
+        <p:style>
+          <a:lnRef idx="2">
+            <a:schemeClr val="accent1">
+              <a:shade val="50000"/>
+            </a:schemeClr>
+          </a:lnRef>
+          <a:fillRef idx="1">
+            <a:schemeClr val="accent1"/>
+          </a:fillRef>
+          <a:effectRef idx="0">
+            <a:schemeClr val="accent1"/>
+          </a:effectRef>
+          <a:fontRef idx="minor">
+            <a:schemeClr val="lt1"/>
+          </a:fontRef>
+        </p:style>
+        <p:txBody>
+          <a:bodyPr rtlCol="0" anchor="ctr"/>
+          <a:lstStyle/>
+          <a:p>
+            <a:pPr algn="ctr"/>
+            <a:endParaRPr lang="it-IT"/>
+          </a:p>
+        </p:txBody>
+      </p:sp>
+    </p:spTree>
+    <p:extLst>
+      <p:ext uri="{BB962C8B-B14F-4D97-AF65-F5344CB8AC3E}">
+        <p14:creationId xmlns:p14="http://schemas.microsoft.com/office/powerpoint/2010/main" val="2494519633"/>
+      </p:ext>
+    </p:extLst>
+  </p:cSld>
+  <p:clrMapOvr>
+    <a:masterClrMapping/>
+  </p:clrMapOvr>
+</p:sld>
+</file>
+
+<file path=ppt/slides/slide24.xml><?xml version="1.0" encoding="utf-8"?>
+<p:sld xmlns:a="http://schemas.openxmlformats.org/drawingml/2006/main" xmlns:r="http://schemas.openxmlformats.org/officeDocument/2006/relationships" xmlns:p="http://schemas.openxmlformats.org/presentationml/2006/main">
+  <p:cSld>
+    <p:spTree>
+      <p:nvGrpSpPr>
+        <p:cNvPr id="1" name=""/>
+        <p:cNvGrpSpPr/>
+        <p:nvPr/>
+      </p:nvGrpSpPr>
+      <p:grpSpPr>
+        <a:xfrm>
+          <a:off x="0" y="0"/>
+          <a:ext cx="0" cy="0"/>
+          <a:chOff x="0" y="0"/>
+          <a:chExt cx="0" cy="0"/>
+        </a:xfrm>
+      </p:grpSpPr>
+      <p:sp>
+        <p:nvSpPr>
+          <p:cNvPr id="4" name="Segnaposto contenuto 2">
+            <a:extLst>
+              <a:ext uri="{FF2B5EF4-FFF2-40B4-BE49-F238E27FC236}">
+                <a16:creationId xmlns:a16="http://schemas.microsoft.com/office/drawing/2014/main" id="{ADF6C426-CD3F-46BD-A50D-4E30B22C89C7}"/>
+              </a:ext>
+            </a:extLst>
+          </p:cNvPr>
+          <p:cNvSpPr txBox="1">
+            <a:spLocks/>
+          </p:cNvSpPr>
+          <p:nvPr/>
+        </p:nvSpPr>
+        <p:spPr>
+          <a:xfrm>
+            <a:off x="662383" y="4497062"/>
+            <a:ext cx="8946541" cy="1557413"/>
+          </a:xfrm>
+          <a:prstGeom prst="rect">
+            <a:avLst/>
+          </a:prstGeom>
+        </p:spPr>
+        <p:txBody>
+          <a:bodyPr vert="horz" lIns="91440" tIns="45720" rIns="91440" bIns="45720" rtlCol="0">
+            <a:normAutofit/>
+          </a:bodyPr>
+          <a:lstStyle>
+            <a:lvl1pPr marL="342900" indent="-342900" algn="l" defTabSz="457200" rtl="0" eaLnBrk="1" latinLnBrk="0" hangingPunct="1">
+              <a:spcBef>
+                <a:spcPts val="1000"/>
+              </a:spcBef>
+              <a:spcAft>
+                <a:spcPts val="0"/>
+              </a:spcAft>
+              <a:buClr>
+                <a:schemeClr val="bg2">
+                  <a:lumMod val="40000"/>
+                  <a:lumOff val="60000"/>
+                </a:schemeClr>
+              </a:buClr>
+              <a:buSzPct val="80000"/>
+              <a:buFont typeface="Wingdings 3" charset="2"/>
+              <a:buChar char=""/>
+              <a:defRPr sz="2000" b="0" i="0" kern="1200">
+                <a:solidFill>
+                  <a:schemeClr val="tx1"/>
+                </a:solidFill>
+                <a:latin typeface="+mj-lt"/>
+                <a:ea typeface="+mj-ea"/>
+                <a:cs typeface="+mj-cs"/>
+              </a:defRPr>
+            </a:lvl1pPr>
+            <a:lvl2pPr marL="742950" indent="-285750" algn="l" defTabSz="457200" rtl="0" eaLnBrk="1" latinLnBrk="0" hangingPunct="1">
+              <a:spcBef>
+                <a:spcPts val="1000"/>
+              </a:spcBef>
+              <a:spcAft>
+                <a:spcPts val="0"/>
+              </a:spcAft>
+              <a:buClr>
+                <a:schemeClr val="bg2">
+                  <a:lumMod val="40000"/>
+                  <a:lumOff val="60000"/>
+                </a:schemeClr>
+              </a:buClr>
+              <a:buSzPct val="80000"/>
+              <a:buFont typeface="Wingdings 3" charset="2"/>
+              <a:buChar char=""/>
+              <a:defRPr sz="1800" b="0" i="0" kern="1200">
+                <a:solidFill>
+                  <a:schemeClr val="tx1"/>
+                </a:solidFill>
+                <a:latin typeface="+mj-lt"/>
+                <a:ea typeface="+mj-ea"/>
+                <a:cs typeface="+mj-cs"/>
+              </a:defRPr>
+            </a:lvl2pPr>
+            <a:lvl3pPr marL="1143000" indent="-228600" algn="l" defTabSz="457200" rtl="0" eaLnBrk="1" latinLnBrk="0" hangingPunct="1">
+              <a:spcBef>
+                <a:spcPts val="1000"/>
+              </a:spcBef>
+              <a:spcAft>
+                <a:spcPts val="0"/>
+              </a:spcAft>
+              <a:buClr>
+                <a:schemeClr val="bg2">
+                  <a:lumMod val="40000"/>
+                  <a:lumOff val="60000"/>
+                </a:schemeClr>
+              </a:buClr>
+              <a:buSzPct val="80000"/>
+              <a:buFont typeface="Wingdings 3" charset="2"/>
+              <a:buChar char=""/>
+              <a:defRPr sz="1600" b="0" i="0" kern="1200">
+                <a:solidFill>
+                  <a:schemeClr val="tx1"/>
+                </a:solidFill>
+                <a:latin typeface="+mj-lt"/>
+                <a:ea typeface="+mj-ea"/>
+                <a:cs typeface="+mj-cs"/>
+              </a:defRPr>
+            </a:lvl3pPr>
+            <a:lvl4pPr marL="1600200" indent="-228600" algn="l" defTabSz="457200" rtl="0" eaLnBrk="1" latinLnBrk="0" hangingPunct="1">
+              <a:spcBef>
+                <a:spcPts val="1000"/>
+              </a:spcBef>
+              <a:spcAft>
+                <a:spcPts val="0"/>
+              </a:spcAft>
+              <a:buClr>
+                <a:schemeClr val="bg2">
+                  <a:lumMod val="40000"/>
+                  <a:lumOff val="60000"/>
+                </a:schemeClr>
+              </a:buClr>
+              <a:buSzPct val="80000"/>
+              <a:buFont typeface="Wingdings 3" charset="2"/>
+              <a:buChar char=""/>
+              <a:defRPr sz="1400" b="0" i="0" kern="1200">
+                <a:solidFill>
+                  <a:schemeClr val="tx1"/>
+                </a:solidFill>
+                <a:latin typeface="+mj-lt"/>
+                <a:ea typeface="+mj-ea"/>
+                <a:cs typeface="+mj-cs"/>
+              </a:defRPr>
+            </a:lvl4pPr>
+            <a:lvl5pPr marL="2057400" indent="-228600" algn="l" defTabSz="457200" rtl="0" eaLnBrk="1" latinLnBrk="0" hangingPunct="1">
+              <a:spcBef>
+                <a:spcPts val="1000"/>
+              </a:spcBef>
+              <a:spcAft>
+                <a:spcPts val="0"/>
+              </a:spcAft>
+              <a:buClr>
+                <a:schemeClr val="bg2">
+                  <a:lumMod val="40000"/>
+                  <a:lumOff val="60000"/>
+                </a:schemeClr>
+              </a:buClr>
+              <a:buSzPct val="80000"/>
+              <a:buFont typeface="Wingdings 3" charset="2"/>
+              <a:buChar char=""/>
+              <a:defRPr sz="1400" b="0" i="0" kern="1200">
+                <a:solidFill>
+                  <a:schemeClr val="tx1"/>
+                </a:solidFill>
+                <a:latin typeface="+mj-lt"/>
+                <a:ea typeface="+mj-ea"/>
+                <a:cs typeface="+mj-cs"/>
+              </a:defRPr>
+            </a:lvl5pPr>
+            <a:lvl6pPr marL="2506000" indent="-228600" algn="l" defTabSz="457200" rtl="0" eaLnBrk="1" latinLnBrk="0" hangingPunct="1">
+              <a:spcBef>
+                <a:spcPts val="1000"/>
+              </a:spcBef>
+              <a:spcAft>
+                <a:spcPts val="0"/>
+              </a:spcAft>
+              <a:buClr>
+                <a:schemeClr val="bg2">
+                  <a:lumMod val="40000"/>
+                  <a:lumOff val="60000"/>
+                </a:schemeClr>
+              </a:buClr>
+              <a:buSzPct val="80000"/>
+              <a:buFont typeface="Wingdings 3" charset="2"/>
+              <a:buChar char=""/>
+              <a:defRPr sz="1400" b="0" i="0" kern="1200">
+                <a:solidFill>
+                  <a:schemeClr val="tx1"/>
+                </a:solidFill>
+                <a:latin typeface="+mj-lt"/>
+                <a:ea typeface="+mj-ea"/>
+                <a:cs typeface="+mj-cs"/>
+              </a:defRPr>
+            </a:lvl6pPr>
+            <a:lvl7pPr marL="2971800" indent="-228600" algn="l" defTabSz="457200" rtl="0" eaLnBrk="1" latinLnBrk="0" hangingPunct="1">
+              <a:spcBef>
+                <a:spcPts val="1000"/>
+              </a:spcBef>
+              <a:spcAft>
+                <a:spcPts val="0"/>
+              </a:spcAft>
+              <a:buClr>
+                <a:schemeClr val="bg2">
+                  <a:lumMod val="40000"/>
+                  <a:lumOff val="60000"/>
+                </a:schemeClr>
+              </a:buClr>
+              <a:buSzPct val="80000"/>
+              <a:buFont typeface="Wingdings 3" charset="2"/>
+              <a:buChar char=""/>
+              <a:defRPr sz="1400" b="0" i="0" kern="1200">
+                <a:solidFill>
+                  <a:schemeClr val="tx1"/>
+                </a:solidFill>
+                <a:latin typeface="+mj-lt"/>
+                <a:ea typeface="+mj-ea"/>
+                <a:cs typeface="+mj-cs"/>
+              </a:defRPr>
+            </a:lvl7pPr>
+            <a:lvl8pPr marL="3429000" indent="-228600" algn="l" defTabSz="457200" rtl="0" eaLnBrk="1" latinLnBrk="0" hangingPunct="1">
+              <a:spcBef>
+                <a:spcPts val="1000"/>
+              </a:spcBef>
+              <a:spcAft>
+                <a:spcPts val="0"/>
+              </a:spcAft>
+              <a:buClr>
+                <a:schemeClr val="bg2">
+                  <a:lumMod val="40000"/>
+                  <a:lumOff val="60000"/>
+                </a:schemeClr>
+              </a:buClr>
+              <a:buSzPct val="80000"/>
+              <a:buFont typeface="Wingdings 3" charset="2"/>
+              <a:buChar char=""/>
+              <a:defRPr sz="1400" b="0" i="0" kern="1200">
+                <a:solidFill>
+                  <a:schemeClr val="tx1"/>
+                </a:solidFill>
+                <a:latin typeface="+mj-lt"/>
+                <a:ea typeface="+mj-ea"/>
+                <a:cs typeface="+mj-cs"/>
+              </a:defRPr>
+            </a:lvl8pPr>
+            <a:lvl9pPr marL="3886200" indent="-228600" algn="l" defTabSz="457200" rtl="0" eaLnBrk="1" latinLnBrk="0" hangingPunct="1">
+              <a:spcBef>
+                <a:spcPts val="1000"/>
+              </a:spcBef>
+              <a:spcAft>
+                <a:spcPts val="0"/>
+              </a:spcAft>
+              <a:buClr>
+                <a:schemeClr val="bg2">
+                  <a:lumMod val="40000"/>
+                  <a:lumOff val="60000"/>
+                </a:schemeClr>
+              </a:buClr>
+              <a:buSzPct val="80000"/>
+              <a:buFont typeface="Wingdings 3" charset="2"/>
+              <a:buChar char=""/>
+              <a:defRPr sz="1400" b="0" i="0" kern="1200">
+                <a:solidFill>
+                  <a:schemeClr val="tx1"/>
+                </a:solidFill>
+                <a:latin typeface="+mj-lt"/>
+                <a:ea typeface="+mj-ea"/>
+                <a:cs typeface="+mj-cs"/>
+              </a:defRPr>
+            </a:lvl9pPr>
+          </a:lstStyle>
+          <a:p>
+            <a:r>
+              <a:rPr lang="it-IT" dirty="0" err="1"/>
+              <a:t>While</a:t>
+            </a:r>
+            <a:r>
+              <a:rPr lang="it-IT" dirty="0"/>
+              <a:t> the </a:t>
+            </a:r>
+            <a:r>
+              <a:rPr lang="it-IT" dirty="0" err="1"/>
+              <a:t>results</a:t>
+            </a:r>
+            <a:r>
+              <a:rPr lang="it-IT" dirty="0"/>
+              <a:t> </a:t>
+            </a:r>
+            <a:r>
+              <a:rPr lang="it-IT" dirty="0" err="1"/>
+              <a:t>may</a:t>
+            </a:r>
+            <a:r>
+              <a:rPr lang="it-IT" dirty="0"/>
+              <a:t> be </a:t>
+            </a:r>
+            <a:r>
+              <a:rPr lang="it-IT" dirty="0" err="1"/>
+              <a:t>biased</a:t>
+            </a:r>
+            <a:r>
+              <a:rPr lang="it-IT" dirty="0"/>
+              <a:t> </a:t>
+            </a:r>
+            <a:r>
+              <a:rPr lang="it-IT" dirty="0" err="1"/>
+              <a:t>since</a:t>
+            </a:r>
+            <a:r>
+              <a:rPr lang="it-IT" dirty="0"/>
+              <a:t> the dataset </a:t>
+            </a:r>
+            <a:r>
+              <a:rPr lang="it-IT" dirty="0" err="1"/>
+              <a:t>is</a:t>
+            </a:r>
+            <a:r>
+              <a:rPr lang="it-IT" dirty="0"/>
+              <a:t> </a:t>
+            </a:r>
+            <a:r>
+              <a:rPr lang="it-IT" dirty="0" err="1"/>
+              <a:t>very</a:t>
+            </a:r>
+            <a:r>
+              <a:rPr lang="it-IT" dirty="0"/>
+              <a:t> «toy-like» </a:t>
+            </a:r>
+            <a:r>
+              <a:rPr lang="it-IT" dirty="0" err="1"/>
+              <a:t>we</a:t>
+            </a:r>
+            <a:r>
+              <a:rPr lang="it-IT" dirty="0"/>
+              <a:t> do </a:t>
+            </a:r>
+            <a:r>
+              <a:rPr lang="it-IT" dirty="0" err="1"/>
+              <a:t>not</a:t>
+            </a:r>
+            <a:r>
+              <a:rPr lang="it-IT" dirty="0"/>
+              <a:t> </a:t>
+            </a:r>
+            <a:r>
+              <a:rPr lang="it-IT" dirty="0" err="1"/>
+              <a:t>notice</a:t>
+            </a:r>
+            <a:r>
+              <a:rPr lang="it-IT" dirty="0"/>
+              <a:t> </a:t>
+            </a:r>
+            <a:r>
+              <a:rPr lang="it-IT" dirty="0" err="1"/>
+              <a:t>any</a:t>
+            </a:r>
+            <a:r>
+              <a:rPr lang="it-IT" dirty="0"/>
+              <a:t> </a:t>
+            </a:r>
+            <a:r>
+              <a:rPr lang="it-IT" dirty="0" err="1"/>
+              <a:t>relevant</a:t>
+            </a:r>
+            <a:r>
+              <a:rPr lang="it-IT" dirty="0"/>
+              <a:t> </a:t>
+            </a:r>
+            <a:r>
+              <a:rPr lang="it-IT" dirty="0" err="1"/>
+              <a:t>difference</a:t>
+            </a:r>
+            <a:r>
+              <a:rPr lang="it-IT" dirty="0"/>
+              <a:t> in the </a:t>
+            </a:r>
+            <a:r>
+              <a:rPr lang="it-IT" dirty="0" err="1"/>
+              <a:t>confusion</a:t>
+            </a:r>
+            <a:r>
+              <a:rPr lang="it-IT" dirty="0"/>
+              <a:t> </a:t>
+            </a:r>
+            <a:r>
+              <a:rPr lang="it-IT" dirty="0" err="1"/>
+              <a:t>matrix</a:t>
+            </a:r>
+            <a:endParaRPr lang="it-IT" dirty="0"/>
+          </a:p>
+          <a:p>
+            <a:pPr lvl="1"/>
+            <a:r>
+              <a:rPr lang="it-IT" dirty="0" err="1"/>
+              <a:t>We</a:t>
+            </a:r>
+            <a:r>
+              <a:rPr lang="it-IT" dirty="0"/>
+              <a:t> </a:t>
+            </a:r>
+            <a:r>
+              <a:rPr lang="it-IT" dirty="0" err="1"/>
+              <a:t>think</a:t>
+            </a:r>
+            <a:r>
+              <a:rPr lang="it-IT" dirty="0"/>
+              <a:t> </a:t>
+            </a:r>
+            <a:r>
+              <a:rPr lang="it-IT" dirty="0" err="1"/>
+              <a:t>that</a:t>
+            </a:r>
+            <a:r>
+              <a:rPr lang="it-IT" dirty="0"/>
+              <a:t> </a:t>
+            </a:r>
+            <a:r>
+              <a:rPr lang="it-IT" dirty="0" err="1"/>
+              <a:t>Block</a:t>
+            </a:r>
+            <a:r>
+              <a:rPr lang="it-IT" dirty="0"/>
+              <a:t> index </a:t>
+            </a:r>
+            <a:r>
+              <a:rPr lang="it-IT" dirty="0" err="1"/>
+              <a:t>shall</a:t>
+            </a:r>
+            <a:r>
+              <a:rPr lang="it-IT" dirty="0"/>
+              <a:t> be </a:t>
+            </a:r>
+            <a:r>
+              <a:rPr lang="it-IT" dirty="0" err="1"/>
+              <a:t>preferred</a:t>
+            </a:r>
+            <a:r>
+              <a:rPr lang="it-IT" dirty="0"/>
+              <a:t> for </a:t>
+            </a:r>
+            <a:r>
+              <a:rPr lang="it-IT" dirty="0" err="1"/>
+              <a:t>its</a:t>
+            </a:r>
+            <a:r>
+              <a:rPr lang="it-IT" dirty="0"/>
+              <a:t> </a:t>
+            </a:r>
+            <a:r>
+              <a:rPr lang="it-IT" dirty="0" err="1"/>
+              <a:t>faster</a:t>
+            </a:r>
+            <a:r>
+              <a:rPr lang="it-IT" dirty="0"/>
+              <a:t> </a:t>
+            </a:r>
+            <a:r>
+              <a:rPr lang="it-IT" dirty="0" err="1"/>
+              <a:t>execution</a:t>
+            </a:r>
+            <a:r>
+              <a:rPr lang="it-IT" dirty="0"/>
+              <a:t> time, </a:t>
+            </a:r>
+            <a:r>
+              <a:rPr lang="it-IT" dirty="0" err="1"/>
+              <a:t>especially</a:t>
+            </a:r>
+            <a:r>
+              <a:rPr lang="it-IT" dirty="0"/>
+              <a:t> on </a:t>
+            </a:r>
+            <a:r>
+              <a:rPr lang="it-IT" dirty="0" err="1"/>
+              <a:t>bigger</a:t>
+            </a:r>
+            <a:r>
+              <a:rPr lang="it-IT" dirty="0"/>
+              <a:t> datasets</a:t>
+            </a:r>
+          </a:p>
+          <a:p>
+            <a:endParaRPr lang="it-IT" dirty="0"/>
+          </a:p>
+        </p:txBody>
+      </p:sp>
+      <p:sp>
+        <p:nvSpPr>
+          <p:cNvPr id="8" name="Freccia a destra 7">
+            <a:extLst>
+              <a:ext uri="{FF2B5EF4-FFF2-40B4-BE49-F238E27FC236}">
+                <a16:creationId xmlns:a16="http://schemas.microsoft.com/office/drawing/2014/main" id="{E85B0F7E-C6D8-4B43-BD5A-5DB7E4D2DBDC}"/>
+              </a:ext>
+            </a:extLst>
+          </p:cNvPr>
+          <p:cNvSpPr/>
+          <p:nvPr/>
+        </p:nvSpPr>
+        <p:spPr>
+          <a:xfrm>
+            <a:off x="4509012" y="2434085"/>
+            <a:ext cx="1817298" cy="672861"/>
+          </a:xfrm>
+          <a:prstGeom prst="rightArrow">
+            <a:avLst/>
+          </a:prstGeom>
+        </p:spPr>
+        <p:style>
+          <a:lnRef idx="2">
+            <a:schemeClr val="accent1">
+              <a:shade val="50000"/>
+            </a:schemeClr>
+          </a:lnRef>
+          <a:fillRef idx="1">
+            <a:schemeClr val="accent1"/>
+          </a:fillRef>
+          <a:effectRef idx="0">
+            <a:schemeClr val="accent1"/>
+          </a:effectRef>
+          <a:fontRef idx="minor">
+            <a:schemeClr val="lt1"/>
+          </a:fontRef>
+        </p:style>
+        <p:txBody>
+          <a:bodyPr rtlCol="0" anchor="ctr"/>
+          <a:lstStyle/>
+          <a:p>
+            <a:pPr algn="ctr"/>
+            <a:endParaRPr lang="it-IT"/>
+          </a:p>
+        </p:txBody>
+      </p:sp>
+      <p:pic>
+        <p:nvPicPr>
+          <p:cNvPr id="9" name="Immagine 8">
+            <a:extLst>
+              <a:ext uri="{FF2B5EF4-FFF2-40B4-BE49-F238E27FC236}">
+                <a16:creationId xmlns:a16="http://schemas.microsoft.com/office/drawing/2014/main" id="{578CD480-EE5E-4CA5-AA28-E61777307D35}"/>
+              </a:ext>
+            </a:extLst>
+          </p:cNvPr>
+          <p:cNvPicPr>
+            <a:picLocks noChangeAspect="1"/>
+          </p:cNvPicPr>
+          <p:nvPr/>
+        </p:nvPicPr>
+        <p:blipFill>
+          <a:blip r:embed="rId2"/>
+          <a:stretch>
+            <a:fillRect/>
+          </a:stretch>
+        </p:blipFill>
+        <p:spPr>
+          <a:xfrm>
+            <a:off x="971640" y="1679904"/>
+            <a:ext cx="3253855" cy="2181225"/>
+          </a:xfrm>
+          <a:prstGeom prst="rect">
+            <a:avLst/>
+          </a:prstGeom>
+        </p:spPr>
+      </p:pic>
+      <p:pic>
+        <p:nvPicPr>
+          <p:cNvPr id="10" name="Immagine 9">
+            <a:extLst>
+              <a:ext uri="{FF2B5EF4-FFF2-40B4-BE49-F238E27FC236}">
+                <a16:creationId xmlns:a16="http://schemas.microsoft.com/office/drawing/2014/main" id="{85028D21-0C43-467B-A550-07C91544E1F4}"/>
+              </a:ext>
+            </a:extLst>
+          </p:cNvPr>
+          <p:cNvPicPr>
+            <a:picLocks noChangeAspect="1"/>
+          </p:cNvPicPr>
+          <p:nvPr/>
+        </p:nvPicPr>
+        <p:blipFill>
+          <a:blip r:embed="rId3"/>
+          <a:stretch>
+            <a:fillRect/>
+          </a:stretch>
+        </p:blipFill>
+        <p:spPr>
+          <a:xfrm>
+            <a:off x="6492281" y="1679904"/>
+            <a:ext cx="3267073" cy="2181225"/>
+          </a:xfrm>
+          <a:prstGeom prst="rect">
+            <a:avLst/>
+          </a:prstGeom>
+        </p:spPr>
+      </p:pic>
+    </p:spTree>
+    <p:extLst>
+      <p:ext uri="{BB962C8B-B14F-4D97-AF65-F5344CB8AC3E}">
+        <p14:creationId xmlns:p14="http://schemas.microsoft.com/office/powerpoint/2010/main" val="4219782673"/>
+      </p:ext>
+    </p:extLst>
+  </p:cSld>
+  <p:clrMapOvr>
+    <a:masterClrMapping/>
+  </p:clrMapOvr>
+</p:sld>
+</file>
+
+<file path=ppt/slides/slide25.xml><?xml version="1.0" encoding="utf-8"?>
+<p:sld xmlns:a="http://schemas.openxmlformats.org/drawingml/2006/main" xmlns:r="http://schemas.openxmlformats.org/officeDocument/2006/relationships" xmlns:p="http://schemas.openxmlformats.org/presentationml/2006/main">
+  <p:cSld>
+    <p:spTree>
+      <p:nvGrpSpPr>
+        <p:cNvPr id="1" name=""/>
+        <p:cNvGrpSpPr/>
+        <p:nvPr/>
+      </p:nvGrpSpPr>
+      <p:grpSpPr>
+        <a:xfrm>
+          <a:off x="0" y="0"/>
+          <a:ext cx="0" cy="0"/>
+          <a:chOff x="0" y="0"/>
+          <a:chExt cx="0" cy="0"/>
+        </a:xfrm>
+      </p:grpSpPr>
+      <p:sp>
+        <p:nvSpPr>
+          <p:cNvPr id="2" name="Titolo 1">
+            <a:extLst>
+              <a:ext uri="{FF2B5EF4-FFF2-40B4-BE49-F238E27FC236}">
+                <a16:creationId xmlns:a16="http://schemas.microsoft.com/office/drawing/2014/main" id="{71056D2E-6DF3-4B52-9FAD-BF18C37F50EF}"/>
+              </a:ext>
+            </a:extLst>
+          </p:cNvPr>
+          <p:cNvSpPr>
+            <a:spLocks noGrp="1"/>
+          </p:cNvSpPr>
+          <p:nvPr>
+            <p:ph type="title"/>
+          </p:nvPr>
+        </p:nvSpPr>
+        <p:spPr/>
+        <p:txBody>
+          <a:bodyPr/>
+          <a:lstStyle/>
+          <a:p>
+            <a:r>
+              <a:rPr lang="it-IT" dirty="0" err="1"/>
+              <a:t>Our</a:t>
+            </a:r>
+            <a:r>
+              <a:rPr lang="it-IT" dirty="0"/>
+              <a:t> project – Experiment 2:</a:t>
+            </a:r>
+            <a:br>
+              <a:rPr lang="it-IT" dirty="0"/>
+            </a:br>
+            <a:r>
+              <a:rPr lang="it-IT" dirty="0"/>
+              <a:t>Training and Testing </a:t>
+            </a:r>
+            <a:r>
+              <a:rPr lang="it-IT" dirty="0" err="1"/>
+              <a:t>our</a:t>
+            </a:r>
+            <a:r>
+              <a:rPr lang="it-IT" dirty="0"/>
+              <a:t> models</a:t>
+            </a:r>
+          </a:p>
+        </p:txBody>
+      </p:sp>
+      <p:sp>
+        <p:nvSpPr>
+          <p:cNvPr id="3" name="Segnaposto contenuto 2">
+            <a:extLst>
+              <a:ext uri="{FF2B5EF4-FFF2-40B4-BE49-F238E27FC236}">
+                <a16:creationId xmlns:a16="http://schemas.microsoft.com/office/drawing/2014/main" id="{B182E8BB-C6E5-46F8-AFFB-99FD40A53267}"/>
+              </a:ext>
+            </a:extLst>
+          </p:cNvPr>
+          <p:cNvSpPr>
+            <a:spLocks noGrp="1"/>
+          </p:cNvSpPr>
+          <p:nvPr>
+            <p:ph idx="1"/>
+          </p:nvPr>
+        </p:nvSpPr>
+        <p:spPr/>
+        <p:txBody>
+          <a:bodyPr/>
+          <a:lstStyle/>
+          <a:p>
+            <a:r>
+              <a:rPr lang="it-IT" dirty="0" err="1"/>
+              <a:t>We</a:t>
+            </a:r>
+            <a:r>
+              <a:rPr lang="it-IT" dirty="0"/>
+              <a:t> </a:t>
+            </a:r>
+            <a:r>
+              <a:rPr lang="it-IT" dirty="0" err="1"/>
+              <a:t>will</a:t>
+            </a:r>
+            <a:r>
+              <a:rPr lang="it-IT" dirty="0"/>
+              <a:t> tackle the following </a:t>
+            </a:r>
+            <a:r>
+              <a:rPr lang="it-IT" dirty="0" err="1"/>
+              <a:t>questions</a:t>
+            </a:r>
+            <a:r>
+              <a:rPr lang="it-IT" dirty="0"/>
+              <a:t>:</a:t>
+            </a:r>
+          </a:p>
+          <a:p>
+            <a:pPr lvl="1"/>
+            <a:r>
+              <a:rPr lang="it-IT" dirty="0"/>
+              <a:t>Are </a:t>
+            </a:r>
+            <a:r>
+              <a:rPr lang="it-IT" dirty="0" err="1"/>
+              <a:t>they</a:t>
+            </a:r>
+            <a:r>
+              <a:rPr lang="it-IT" dirty="0"/>
+              <a:t> models re-</a:t>
+            </a:r>
+            <a:r>
+              <a:rPr lang="it-IT" dirty="0" err="1"/>
+              <a:t>usable</a:t>
+            </a:r>
+            <a:r>
+              <a:rPr lang="it-IT" dirty="0"/>
+              <a:t>?</a:t>
+            </a:r>
+          </a:p>
+          <a:p>
+            <a:pPr lvl="1"/>
+            <a:r>
+              <a:rPr lang="it-IT" dirty="0"/>
+              <a:t>Are </a:t>
+            </a:r>
+            <a:r>
+              <a:rPr lang="it-IT" dirty="0" err="1"/>
+              <a:t>they</a:t>
+            </a:r>
+            <a:r>
+              <a:rPr lang="it-IT" dirty="0"/>
+              <a:t> </a:t>
+            </a:r>
+            <a:r>
+              <a:rPr lang="it-IT" dirty="0" err="1"/>
+              <a:t>viable</a:t>
+            </a:r>
+            <a:r>
+              <a:rPr lang="it-IT" dirty="0"/>
+              <a:t> in </a:t>
+            </a:r>
+            <a:r>
+              <a:rPr lang="it-IT" dirty="0" err="1"/>
+              <a:t>real</a:t>
+            </a:r>
+            <a:r>
+              <a:rPr lang="it-IT" dirty="0"/>
+              <a:t>-case </a:t>
+            </a:r>
+            <a:r>
+              <a:rPr lang="it-IT" dirty="0" err="1"/>
+              <a:t>scenarios</a:t>
+            </a:r>
+            <a:r>
+              <a:rPr lang="it-IT" dirty="0"/>
+              <a:t>? </a:t>
+            </a:r>
+            <a:r>
+              <a:rPr lang="it-IT" dirty="0" err="1"/>
+              <a:t>Why</a:t>
+            </a:r>
+            <a:r>
+              <a:rPr lang="it-IT" dirty="0"/>
+              <a:t>?</a:t>
+            </a:r>
+          </a:p>
+          <a:p>
+            <a:r>
+              <a:rPr lang="it-IT" dirty="0" err="1"/>
+              <a:t>We</a:t>
+            </a:r>
+            <a:r>
+              <a:rPr lang="it-IT" dirty="0"/>
+              <a:t> </a:t>
+            </a:r>
+            <a:r>
+              <a:rPr lang="it-IT" dirty="0" err="1"/>
+              <a:t>will</a:t>
+            </a:r>
+            <a:r>
+              <a:rPr lang="it-IT" dirty="0"/>
+              <a:t> </a:t>
+            </a:r>
+            <a:r>
+              <a:rPr lang="it-IT" dirty="0" err="1"/>
+              <a:t>train</a:t>
+            </a:r>
+            <a:r>
+              <a:rPr lang="it-IT" dirty="0"/>
+              <a:t> </a:t>
+            </a:r>
+            <a:r>
+              <a:rPr lang="it-IT" dirty="0" err="1"/>
+              <a:t>our</a:t>
+            </a:r>
+            <a:r>
+              <a:rPr lang="it-IT" dirty="0"/>
+              <a:t> models on a FEBRL dataset, </a:t>
+            </a:r>
+            <a:r>
+              <a:rPr lang="it-IT" dirty="0" err="1"/>
+              <a:t>then</a:t>
+            </a:r>
+            <a:r>
+              <a:rPr lang="it-IT" dirty="0"/>
+              <a:t> test the models on </a:t>
+            </a:r>
+            <a:r>
+              <a:rPr lang="it-IT" b="1" u="sng" dirty="0" err="1"/>
+              <a:t>another</a:t>
+            </a:r>
+            <a:r>
+              <a:rPr lang="it-IT" b="1" u="sng" dirty="0"/>
+              <a:t> one</a:t>
+            </a:r>
+            <a:r>
+              <a:rPr lang="it-IT" dirty="0"/>
+              <a:t>, with </a:t>
+            </a:r>
+            <a:r>
+              <a:rPr lang="it-IT" dirty="0" err="1"/>
+              <a:t>different</a:t>
+            </a:r>
+            <a:r>
+              <a:rPr lang="it-IT" dirty="0"/>
+              <a:t> duplicate </a:t>
+            </a:r>
+            <a:r>
+              <a:rPr lang="it-IT" dirty="0" err="1"/>
+              <a:t>distributions</a:t>
+            </a:r>
+            <a:r>
+              <a:rPr lang="it-IT" dirty="0"/>
+              <a:t>, </a:t>
+            </a:r>
+            <a:r>
+              <a:rPr lang="it-IT" dirty="0" err="1"/>
+              <a:t>errors</a:t>
+            </a:r>
+            <a:r>
+              <a:rPr lang="it-IT" dirty="0"/>
+              <a:t>, etc.</a:t>
+            </a:r>
+          </a:p>
+          <a:p>
+            <a:r>
+              <a:rPr lang="it-IT" dirty="0" err="1"/>
+              <a:t>We</a:t>
+            </a:r>
+            <a:r>
+              <a:rPr lang="it-IT" dirty="0"/>
+              <a:t> </a:t>
+            </a:r>
+            <a:r>
+              <a:rPr lang="it-IT" dirty="0" err="1"/>
+              <a:t>will</a:t>
+            </a:r>
+            <a:r>
+              <a:rPr lang="it-IT" dirty="0"/>
+              <a:t> </a:t>
+            </a:r>
+            <a:r>
+              <a:rPr lang="it-IT" dirty="0" err="1"/>
+              <a:t>actually</a:t>
+            </a:r>
+            <a:r>
+              <a:rPr lang="it-IT" dirty="0"/>
+              <a:t> be </a:t>
+            </a:r>
+            <a:r>
+              <a:rPr lang="it-IT" dirty="0" err="1"/>
+              <a:t>doing</a:t>
+            </a:r>
+            <a:r>
+              <a:rPr lang="it-IT" dirty="0"/>
+              <a:t> </a:t>
+            </a:r>
+            <a:r>
+              <a:rPr lang="it-IT" b="1" dirty="0"/>
+              <a:t>data </a:t>
+            </a:r>
+            <a:r>
+              <a:rPr lang="it-IT" b="1" dirty="0" err="1"/>
+              <a:t>deduplication</a:t>
+            </a:r>
+            <a:r>
+              <a:rPr lang="it-IT" b="1" dirty="0"/>
+              <a:t> </a:t>
+            </a:r>
+            <a:r>
+              <a:rPr lang="it-IT" dirty="0"/>
+              <a:t>(a special case of </a:t>
+            </a:r>
+            <a:r>
+              <a:rPr lang="it-IT" b="1" dirty="0"/>
+              <a:t>record linkage</a:t>
+            </a:r>
+            <a:r>
+              <a:rPr lang="it-IT" dirty="0"/>
+              <a:t>)</a:t>
+            </a:r>
+          </a:p>
+          <a:p>
+            <a:pPr lvl="1"/>
+            <a:r>
+              <a:rPr lang="it-IT" dirty="0" err="1"/>
+              <a:t>We</a:t>
+            </a:r>
+            <a:r>
+              <a:rPr lang="it-IT" dirty="0"/>
+              <a:t> </a:t>
+            </a:r>
+            <a:r>
+              <a:rPr lang="it-IT" dirty="0" err="1"/>
+              <a:t>will</a:t>
+            </a:r>
+            <a:r>
+              <a:rPr lang="it-IT" dirty="0"/>
+              <a:t> be linking a dataset to </a:t>
+            </a:r>
+            <a:r>
+              <a:rPr lang="it-IT" dirty="0" err="1"/>
+              <a:t>itself</a:t>
+            </a:r>
+            <a:r>
+              <a:rPr lang="it-IT" dirty="0"/>
+              <a:t>, in </a:t>
+            </a:r>
+            <a:r>
+              <a:rPr lang="it-IT" dirty="0" err="1"/>
+              <a:t>order</a:t>
+            </a:r>
+            <a:r>
+              <a:rPr lang="it-IT" dirty="0"/>
+              <a:t> to </a:t>
+            </a:r>
+            <a:r>
+              <a:rPr lang="it-IT" dirty="0" err="1"/>
+              <a:t>find</a:t>
+            </a:r>
+            <a:r>
+              <a:rPr lang="it-IT" dirty="0"/>
+              <a:t> </a:t>
+            </a:r>
+            <a:r>
+              <a:rPr lang="it-IT" dirty="0" err="1"/>
+              <a:t>duplicates</a:t>
+            </a:r>
+            <a:endParaRPr lang="it-IT" dirty="0"/>
+          </a:p>
+          <a:p>
+            <a:pPr lvl="1"/>
+            <a:endParaRPr lang="it-IT" dirty="0"/>
+          </a:p>
+        </p:txBody>
+      </p:sp>
+    </p:spTree>
+    <p:extLst>
+      <p:ext uri="{BB962C8B-B14F-4D97-AF65-F5344CB8AC3E}">
+        <p14:creationId xmlns:p14="http://schemas.microsoft.com/office/powerpoint/2010/main" val="47413364"/>
+      </p:ext>
+    </p:extLst>
+  </p:cSld>
+  <p:clrMapOvr>
+    <a:masterClrMapping/>
+  </p:clrMapOvr>
+</p:sld>
+</file>
+
+<file path=ppt/slides/slide26.xml><?xml version="1.0" encoding="utf-8"?>
+<p:sld xmlns:a="http://schemas.openxmlformats.org/drawingml/2006/main" xmlns:r="http://schemas.openxmlformats.org/officeDocument/2006/relationships" xmlns:p="http://schemas.openxmlformats.org/presentationml/2006/main">
+  <p:cSld>
+    <p:spTree>
+      <p:nvGrpSpPr>
+        <p:cNvPr id="1" name=""/>
+        <p:cNvGrpSpPr/>
+        <p:nvPr/>
+      </p:nvGrpSpPr>
+      <p:grpSpPr>
+        <a:xfrm>
+          <a:off x="0" y="0"/>
+          <a:ext cx="0" cy="0"/>
+          <a:chOff x="0" y="0"/>
+          <a:chExt cx="0" cy="0"/>
+        </a:xfrm>
+      </p:grpSpPr>
+      <p:sp>
+        <p:nvSpPr>
+          <p:cNvPr id="2" name="Titolo 1">
+            <a:extLst>
+              <a:ext uri="{FF2B5EF4-FFF2-40B4-BE49-F238E27FC236}">
+                <a16:creationId xmlns:a16="http://schemas.microsoft.com/office/drawing/2014/main" id="{01BB3896-F69D-4257-9593-3CC63D60BF78}"/>
+              </a:ext>
+            </a:extLst>
+          </p:cNvPr>
+          <p:cNvSpPr>
+            <a:spLocks noGrp="1"/>
+          </p:cNvSpPr>
+          <p:nvPr>
+            <p:ph type="title"/>
+          </p:nvPr>
+        </p:nvSpPr>
+        <p:spPr/>
+        <p:txBody>
+          <a:bodyPr/>
+          <a:lstStyle/>
+          <a:p>
+            <a:r>
+              <a:rPr lang="it-IT" dirty="0" err="1"/>
+              <a:t>Our</a:t>
+            </a:r>
+            <a:r>
+              <a:rPr lang="it-IT" dirty="0"/>
+              <a:t> project – Experiment 2:</a:t>
+            </a:r>
+            <a:br>
+              <a:rPr lang="it-IT" dirty="0"/>
+            </a:br>
+            <a:r>
+              <a:rPr lang="it-IT" dirty="0"/>
+              <a:t>Dataset</a:t>
+            </a:r>
+          </a:p>
+        </p:txBody>
+      </p:sp>
+      <p:sp>
+        <p:nvSpPr>
+          <p:cNvPr id="3" name="Segnaposto contenuto 2">
+            <a:extLst>
+              <a:ext uri="{FF2B5EF4-FFF2-40B4-BE49-F238E27FC236}">
+                <a16:creationId xmlns:a16="http://schemas.microsoft.com/office/drawing/2014/main" id="{2054E9F7-8A8D-4582-AE4A-592E441B1E67}"/>
+              </a:ext>
+            </a:extLst>
+          </p:cNvPr>
+          <p:cNvSpPr>
+            <a:spLocks noGrp="1"/>
+          </p:cNvSpPr>
+          <p:nvPr>
+            <p:ph idx="1"/>
+          </p:nvPr>
+        </p:nvSpPr>
+        <p:spPr>
+          <a:xfrm>
+            <a:off x="1103312" y="2052918"/>
+            <a:ext cx="10530845" cy="4195481"/>
+          </a:xfrm>
+        </p:spPr>
+        <p:txBody>
+          <a:bodyPr/>
+          <a:lstStyle/>
+          <a:p>
+            <a:r>
+              <a:rPr lang="it-IT" dirty="0" err="1"/>
+              <a:t>As</a:t>
+            </a:r>
+            <a:r>
+              <a:rPr lang="it-IT" dirty="0"/>
+              <a:t> training set, </a:t>
+            </a:r>
+            <a:r>
+              <a:rPr lang="it-IT" dirty="0" err="1"/>
+              <a:t>we</a:t>
+            </a:r>
+            <a:r>
+              <a:rPr lang="it-IT" dirty="0"/>
+              <a:t> </a:t>
+            </a:r>
+            <a:r>
+              <a:rPr lang="it-IT" dirty="0" err="1"/>
+              <a:t>used</a:t>
+            </a:r>
+            <a:r>
+              <a:rPr lang="it-IT" dirty="0"/>
+              <a:t> the </a:t>
+            </a:r>
+            <a:r>
+              <a:rPr lang="it-IT" b="1" dirty="0"/>
+              <a:t>febrl2 dataset</a:t>
+            </a:r>
+          </a:p>
+          <a:p>
+            <a:pPr lvl="1"/>
+            <a:r>
+              <a:rPr lang="it-IT" b="1" dirty="0"/>
+              <a:t>5000 </a:t>
+            </a:r>
+            <a:r>
+              <a:rPr lang="it-IT" b="1" dirty="0" err="1"/>
+              <a:t>records</a:t>
+            </a:r>
+            <a:r>
+              <a:rPr lang="it-IT" b="1" dirty="0"/>
+              <a:t> (4000 </a:t>
+            </a:r>
+            <a:r>
+              <a:rPr lang="it-IT" b="1" dirty="0" err="1"/>
+              <a:t>original</a:t>
+            </a:r>
+            <a:r>
+              <a:rPr lang="it-IT" b="1" dirty="0"/>
+              <a:t> and 1000 </a:t>
+            </a:r>
+            <a:r>
+              <a:rPr lang="it-IT" b="1" dirty="0" err="1"/>
+              <a:t>duplicates</a:t>
+            </a:r>
+            <a:r>
+              <a:rPr lang="it-IT" b="1" dirty="0"/>
+              <a:t>)</a:t>
+            </a:r>
+          </a:p>
+          <a:p>
+            <a:pPr lvl="1"/>
+            <a:r>
+              <a:rPr lang="it-IT" b="1" u="sng" dirty="0"/>
+              <a:t>Up to 5 </a:t>
+            </a:r>
+            <a:r>
+              <a:rPr lang="it-IT" b="1" u="sng" dirty="0" err="1"/>
+              <a:t>duplicates</a:t>
+            </a:r>
+            <a:r>
+              <a:rPr lang="it-IT" b="1" u="sng" dirty="0"/>
+              <a:t> per record (Poisson </a:t>
+            </a:r>
+            <a:r>
+              <a:rPr lang="it-IT" b="1" u="sng" dirty="0" err="1"/>
+              <a:t>distribution</a:t>
+            </a:r>
+            <a:r>
+              <a:rPr lang="it-IT" b="1" u="sng" dirty="0"/>
+              <a:t>)</a:t>
+            </a:r>
+          </a:p>
+          <a:p>
+            <a:pPr lvl="1"/>
+            <a:r>
+              <a:rPr lang="it-IT" dirty="0" err="1"/>
+              <a:t>Has</a:t>
+            </a:r>
+            <a:r>
+              <a:rPr lang="it-IT" dirty="0"/>
+              <a:t> </a:t>
+            </a:r>
+            <a:r>
+              <a:rPr lang="it-IT" b="1" u="sng" dirty="0" err="1"/>
+              <a:t>true</a:t>
+            </a:r>
+            <a:r>
+              <a:rPr lang="it-IT" b="1" u="sng" dirty="0"/>
+              <a:t> links</a:t>
+            </a:r>
+            <a:r>
+              <a:rPr lang="it-IT" dirty="0"/>
+              <a:t> (</a:t>
+            </a:r>
+            <a:r>
+              <a:rPr lang="it-IT" dirty="0" err="1"/>
+              <a:t>required</a:t>
+            </a:r>
+            <a:r>
+              <a:rPr lang="it-IT" dirty="0"/>
+              <a:t> to </a:t>
+            </a:r>
+            <a:r>
+              <a:rPr lang="it-IT" dirty="0" err="1"/>
+              <a:t>train</a:t>
+            </a:r>
+            <a:r>
+              <a:rPr lang="it-IT" dirty="0"/>
+              <a:t> </a:t>
+            </a:r>
+            <a:r>
+              <a:rPr lang="it-IT" dirty="0" err="1"/>
+              <a:t>our</a:t>
+            </a:r>
+            <a:r>
+              <a:rPr lang="it-IT" dirty="0"/>
+              <a:t> ML </a:t>
+            </a:r>
+            <a:r>
+              <a:rPr lang="it-IT" dirty="0" err="1"/>
+              <a:t>algorithms</a:t>
+            </a:r>
+            <a:r>
+              <a:rPr lang="it-IT" dirty="0"/>
+              <a:t>)</a:t>
+            </a:r>
+            <a:br>
+              <a:rPr lang="it-IT" dirty="0"/>
+            </a:br>
+            <a:endParaRPr lang="it-IT" dirty="0"/>
+          </a:p>
+          <a:p>
+            <a:r>
+              <a:rPr lang="it-IT" dirty="0" err="1"/>
+              <a:t>As</a:t>
+            </a:r>
+            <a:r>
+              <a:rPr lang="it-IT" dirty="0"/>
+              <a:t> testing set, </a:t>
+            </a:r>
+            <a:r>
+              <a:rPr lang="it-IT" dirty="0" err="1"/>
+              <a:t>we</a:t>
+            </a:r>
+            <a:r>
+              <a:rPr lang="it-IT" dirty="0"/>
+              <a:t> </a:t>
+            </a:r>
+            <a:r>
+              <a:rPr lang="it-IT" dirty="0" err="1"/>
+              <a:t>used</a:t>
+            </a:r>
+            <a:r>
+              <a:rPr lang="it-IT" dirty="0"/>
+              <a:t> the </a:t>
+            </a:r>
+            <a:r>
+              <a:rPr lang="it-IT" b="1" dirty="0"/>
+              <a:t>febrl3 dataset</a:t>
+            </a:r>
+          </a:p>
+          <a:p>
+            <a:pPr lvl="1"/>
+            <a:r>
+              <a:rPr lang="it-IT" b="1" dirty="0"/>
+              <a:t>5000 </a:t>
+            </a:r>
+            <a:r>
+              <a:rPr lang="it-IT" b="1" dirty="0" err="1"/>
+              <a:t>records</a:t>
+            </a:r>
+            <a:r>
+              <a:rPr lang="it-IT" b="1" dirty="0"/>
+              <a:t> (2000 </a:t>
+            </a:r>
+            <a:r>
+              <a:rPr lang="it-IT" b="1" dirty="0" err="1"/>
+              <a:t>original</a:t>
+            </a:r>
+            <a:r>
+              <a:rPr lang="it-IT" b="1" dirty="0"/>
+              <a:t> and 3000 </a:t>
+            </a:r>
+            <a:r>
+              <a:rPr lang="it-IT" b="1" dirty="0" err="1"/>
+              <a:t>duplicates</a:t>
+            </a:r>
+            <a:r>
+              <a:rPr lang="it-IT" b="1" dirty="0"/>
+              <a:t>)</a:t>
+            </a:r>
+          </a:p>
+          <a:p>
+            <a:pPr lvl="1"/>
+            <a:r>
+              <a:rPr lang="it-IT" b="1" u="sng" dirty="0"/>
+              <a:t>Up to 5 </a:t>
+            </a:r>
+            <a:r>
+              <a:rPr lang="it-IT" b="1" u="sng" dirty="0" err="1"/>
+              <a:t>duplicates</a:t>
+            </a:r>
+            <a:r>
+              <a:rPr lang="it-IT" b="1" u="sng" dirty="0"/>
+              <a:t> per record (</a:t>
+            </a:r>
+            <a:r>
+              <a:rPr lang="it-IT" b="1" u="sng" dirty="0" err="1"/>
+              <a:t>Zipf</a:t>
+            </a:r>
+            <a:r>
+              <a:rPr lang="it-IT" b="1" u="sng" dirty="0"/>
+              <a:t> </a:t>
+            </a:r>
+            <a:r>
+              <a:rPr lang="it-IT" b="1" u="sng" dirty="0" err="1"/>
+              <a:t>distribution</a:t>
+            </a:r>
+            <a:r>
+              <a:rPr lang="it-IT" b="1" u="sng" dirty="0"/>
+              <a:t>)</a:t>
+            </a:r>
+          </a:p>
+          <a:p>
+            <a:pPr lvl="1"/>
+            <a:r>
+              <a:rPr lang="it-IT" dirty="0" err="1"/>
+              <a:t>Has</a:t>
+            </a:r>
+            <a:r>
+              <a:rPr lang="it-IT" dirty="0"/>
+              <a:t> </a:t>
+            </a:r>
+            <a:r>
+              <a:rPr lang="it-IT" b="1" u="sng" dirty="0" err="1"/>
+              <a:t>true</a:t>
+            </a:r>
+            <a:r>
+              <a:rPr lang="it-IT" b="1" u="sng" dirty="0"/>
+              <a:t> links</a:t>
+            </a:r>
+            <a:r>
+              <a:rPr lang="it-IT" dirty="0"/>
+              <a:t> (</a:t>
+            </a:r>
+            <a:r>
+              <a:rPr lang="it-IT" dirty="0" err="1"/>
+              <a:t>required</a:t>
+            </a:r>
+            <a:r>
+              <a:rPr lang="it-IT" dirty="0"/>
+              <a:t> to test </a:t>
+            </a:r>
+            <a:r>
+              <a:rPr lang="it-IT" dirty="0" err="1"/>
+              <a:t>our</a:t>
+            </a:r>
+            <a:r>
+              <a:rPr lang="it-IT" dirty="0"/>
+              <a:t> ML </a:t>
+            </a:r>
+            <a:r>
+              <a:rPr lang="it-IT" dirty="0" err="1"/>
+              <a:t>algorithms</a:t>
+            </a:r>
+            <a:r>
+              <a:rPr lang="it-IT" dirty="0"/>
+              <a:t>)</a:t>
+            </a:r>
+          </a:p>
+          <a:p>
+            <a:endParaRPr lang="it-IT" b="1" u="sng" dirty="0"/>
+          </a:p>
+        </p:txBody>
+      </p:sp>
+    </p:spTree>
+    <p:extLst>
+      <p:ext uri="{BB962C8B-B14F-4D97-AF65-F5344CB8AC3E}">
+        <p14:creationId xmlns:p14="http://schemas.microsoft.com/office/powerpoint/2010/main" val="3151808725"/>
+      </p:ext>
+    </p:extLst>
+  </p:cSld>
+  <p:clrMapOvr>
+    <a:masterClrMapping/>
+  </p:clrMapOvr>
+</p:sld>
+</file>
+
+<file path=ppt/slides/slide27.xml><?xml version="1.0" encoding="utf-8"?>
+<p:sld xmlns:a="http://schemas.openxmlformats.org/drawingml/2006/main" xmlns:r="http://schemas.openxmlformats.org/officeDocument/2006/relationships" xmlns:p="http://schemas.openxmlformats.org/presentationml/2006/main">
+  <p:cSld>
+    <p:spTree>
+      <p:nvGrpSpPr>
+        <p:cNvPr id="1" name=""/>
+        <p:cNvGrpSpPr/>
+        <p:nvPr/>
+      </p:nvGrpSpPr>
+      <p:grpSpPr>
+        <a:xfrm>
+          <a:off x="0" y="0"/>
+          <a:ext cx="0" cy="0"/>
+          <a:chOff x="0" y="0"/>
+          <a:chExt cx="0" cy="0"/>
+        </a:xfrm>
+      </p:grpSpPr>
+      <p:sp>
+        <p:nvSpPr>
+          <p:cNvPr id="2" name="Titolo 1">
+            <a:extLst>
+              <a:ext uri="{FF2B5EF4-FFF2-40B4-BE49-F238E27FC236}">
+                <a16:creationId xmlns:a16="http://schemas.microsoft.com/office/drawing/2014/main" id="{01BB3896-F69D-4257-9593-3CC63D60BF78}"/>
+              </a:ext>
+            </a:extLst>
+          </p:cNvPr>
+          <p:cNvSpPr>
+            <a:spLocks noGrp="1"/>
+          </p:cNvSpPr>
+          <p:nvPr>
+            <p:ph type="title"/>
+          </p:nvPr>
+        </p:nvSpPr>
+        <p:spPr/>
+        <p:txBody>
+          <a:bodyPr/>
+          <a:lstStyle/>
+          <a:p>
+            <a:r>
+              <a:rPr lang="it-IT" dirty="0" err="1"/>
+              <a:t>Our</a:t>
+            </a:r>
+            <a:r>
+              <a:rPr lang="it-IT" dirty="0"/>
+              <a:t> project – Experiment 2:</a:t>
+            </a:r>
+            <a:br>
+              <a:rPr lang="it-IT" dirty="0"/>
+            </a:br>
+            <a:r>
+              <a:rPr lang="it-IT" dirty="0"/>
+              <a:t>Training and Testing (fast </a:t>
+            </a:r>
+            <a:r>
+              <a:rPr lang="it-IT" dirty="0" err="1"/>
+              <a:t>forward</a:t>
+            </a:r>
+            <a:r>
+              <a:rPr lang="it-IT" dirty="0"/>
+              <a:t>)</a:t>
+            </a:r>
+          </a:p>
+        </p:txBody>
+      </p:sp>
+      <p:sp>
+        <p:nvSpPr>
+          <p:cNvPr id="3" name="Segnaposto contenuto 2">
+            <a:extLst>
+              <a:ext uri="{FF2B5EF4-FFF2-40B4-BE49-F238E27FC236}">
+                <a16:creationId xmlns:a16="http://schemas.microsoft.com/office/drawing/2014/main" id="{2054E9F7-8A8D-4582-AE4A-592E441B1E67}"/>
+              </a:ext>
+            </a:extLst>
+          </p:cNvPr>
+          <p:cNvSpPr>
+            <a:spLocks noGrp="1"/>
+          </p:cNvSpPr>
+          <p:nvPr>
+            <p:ph idx="1"/>
+          </p:nvPr>
+        </p:nvSpPr>
+        <p:spPr>
+          <a:xfrm>
+            <a:off x="1103312" y="2052918"/>
+            <a:ext cx="8542133" cy="4195481"/>
+          </a:xfrm>
+        </p:spPr>
+        <p:txBody>
+          <a:bodyPr/>
+          <a:lstStyle/>
+          <a:p>
+            <a:r>
+              <a:rPr lang="it-IT" dirty="0"/>
+              <a:t>For the training set, </a:t>
+            </a:r>
+            <a:r>
+              <a:rPr lang="it-IT" dirty="0" err="1"/>
+              <a:t>we</a:t>
+            </a:r>
+            <a:r>
+              <a:rPr lang="it-IT" dirty="0"/>
+              <a:t> do </a:t>
+            </a:r>
+            <a:r>
+              <a:rPr lang="it-IT" dirty="0" err="1"/>
+              <a:t>perform</a:t>
+            </a:r>
+            <a:r>
+              <a:rPr lang="it-IT" dirty="0"/>
+              <a:t>:</a:t>
+            </a:r>
+          </a:p>
+          <a:p>
+            <a:pPr lvl="1"/>
+            <a:r>
+              <a:rPr lang="it-IT" b="1" dirty="0" err="1"/>
+              <a:t>Indexing</a:t>
+            </a:r>
+            <a:r>
+              <a:rPr lang="it-IT" dirty="0"/>
+              <a:t> via </a:t>
+            </a:r>
+            <a:r>
+              <a:rPr lang="it-IT" dirty="0" err="1"/>
+              <a:t>Block</a:t>
+            </a:r>
+            <a:r>
+              <a:rPr lang="it-IT" dirty="0"/>
+              <a:t> Index</a:t>
+            </a:r>
+          </a:p>
+          <a:p>
+            <a:pPr lvl="1"/>
+            <a:r>
+              <a:rPr lang="it-IT" b="1" dirty="0" err="1"/>
+              <a:t>Comparison</a:t>
+            </a:r>
+            <a:r>
+              <a:rPr lang="it-IT" dirty="0"/>
+              <a:t>, </a:t>
+            </a:r>
+            <a:r>
+              <a:rPr lang="it-IT" dirty="0" err="1"/>
+              <a:t>using</a:t>
+            </a:r>
+            <a:r>
+              <a:rPr lang="it-IT" dirty="0"/>
+              <a:t> the </a:t>
+            </a:r>
+            <a:r>
+              <a:rPr lang="it-IT" dirty="0" err="1"/>
+              <a:t>same</a:t>
+            </a:r>
+            <a:r>
+              <a:rPr lang="it-IT" dirty="0"/>
+              <a:t> </a:t>
+            </a:r>
+            <a:r>
+              <a:rPr lang="it-IT" dirty="0" err="1"/>
+              <a:t>attributes</a:t>
+            </a:r>
+            <a:r>
+              <a:rPr lang="it-IT" dirty="0"/>
+              <a:t> </a:t>
+            </a:r>
+            <a:r>
+              <a:rPr lang="it-IT" dirty="0" err="1"/>
+              <a:t>as</a:t>
+            </a:r>
+            <a:r>
+              <a:rPr lang="it-IT" dirty="0"/>
+              <a:t> </a:t>
+            </a:r>
+            <a:r>
+              <a:rPr lang="it-IT" dirty="0" err="1"/>
+              <a:t>above</a:t>
+            </a:r>
+            <a:endParaRPr lang="it-IT" dirty="0"/>
+          </a:p>
+          <a:p>
+            <a:pPr lvl="1"/>
+            <a:r>
+              <a:rPr lang="it-IT" b="1" dirty="0" err="1"/>
+              <a:t>Classification</a:t>
+            </a:r>
+            <a:r>
+              <a:rPr lang="it-IT" dirty="0"/>
+              <a:t> limited to </a:t>
+            </a:r>
+            <a:r>
+              <a:rPr lang="it-IT" b="1" u="sng" dirty="0"/>
+              <a:t>training</a:t>
+            </a:r>
+            <a:r>
+              <a:rPr lang="it-IT" b="1" dirty="0"/>
+              <a:t> </a:t>
+            </a:r>
+            <a:r>
+              <a:rPr lang="it-IT" dirty="0"/>
+              <a:t>(</a:t>
+            </a:r>
+            <a:r>
+              <a:rPr lang="it-IT" dirty="0" err="1"/>
+              <a:t>we</a:t>
+            </a:r>
+            <a:r>
+              <a:rPr lang="it-IT" dirty="0"/>
+              <a:t> </a:t>
+            </a:r>
+            <a:r>
+              <a:rPr lang="it-IT" dirty="0" err="1"/>
+              <a:t>only</a:t>
+            </a:r>
+            <a:r>
+              <a:rPr lang="it-IT" dirty="0"/>
+              <a:t> </a:t>
+            </a:r>
+            <a:r>
+              <a:rPr lang="it-IT" dirty="0" err="1"/>
+              <a:t>want</a:t>
+            </a:r>
+            <a:r>
+              <a:rPr lang="it-IT" dirty="0"/>
+              <a:t> the models)</a:t>
+            </a:r>
+            <a:br>
+              <a:rPr lang="it-IT" dirty="0"/>
+            </a:br>
+            <a:endParaRPr lang="it-IT" dirty="0"/>
+          </a:p>
+          <a:p>
+            <a:r>
+              <a:rPr lang="it-IT" dirty="0"/>
+              <a:t>After </a:t>
+            </a:r>
+            <a:r>
+              <a:rPr lang="it-IT" dirty="0" err="1"/>
+              <a:t>that</a:t>
+            </a:r>
+            <a:r>
+              <a:rPr lang="it-IT" dirty="0"/>
+              <a:t>, on the testing set, </a:t>
+            </a:r>
+            <a:r>
+              <a:rPr lang="it-IT" dirty="0" err="1"/>
+              <a:t>we</a:t>
+            </a:r>
+            <a:r>
+              <a:rPr lang="it-IT" dirty="0"/>
+              <a:t> do </a:t>
+            </a:r>
+            <a:r>
+              <a:rPr lang="it-IT" dirty="0" err="1"/>
+              <a:t>perform</a:t>
+            </a:r>
+            <a:r>
+              <a:rPr lang="it-IT" dirty="0"/>
+              <a:t>:</a:t>
+            </a:r>
+          </a:p>
+          <a:p>
+            <a:pPr lvl="1"/>
+            <a:r>
+              <a:rPr lang="it-IT" b="1" dirty="0" err="1"/>
+              <a:t>Indexing</a:t>
+            </a:r>
+            <a:r>
+              <a:rPr lang="it-IT" dirty="0"/>
+              <a:t> via </a:t>
+            </a:r>
+            <a:r>
+              <a:rPr lang="it-IT" dirty="0" err="1"/>
+              <a:t>Block</a:t>
+            </a:r>
+            <a:r>
+              <a:rPr lang="it-IT" dirty="0"/>
+              <a:t> Index</a:t>
+            </a:r>
+          </a:p>
+          <a:p>
+            <a:pPr lvl="1"/>
+            <a:r>
+              <a:rPr lang="it-IT" b="1" dirty="0" err="1"/>
+              <a:t>Comparison</a:t>
+            </a:r>
+            <a:r>
+              <a:rPr lang="it-IT" dirty="0"/>
+              <a:t>, </a:t>
+            </a:r>
+            <a:r>
+              <a:rPr lang="it-IT" dirty="0" err="1"/>
+              <a:t>using</a:t>
+            </a:r>
+            <a:r>
+              <a:rPr lang="it-IT" dirty="0"/>
+              <a:t> the </a:t>
+            </a:r>
+            <a:r>
+              <a:rPr lang="it-IT" dirty="0" err="1"/>
+              <a:t>same</a:t>
+            </a:r>
+            <a:r>
+              <a:rPr lang="it-IT" dirty="0"/>
+              <a:t> </a:t>
+            </a:r>
+            <a:r>
+              <a:rPr lang="it-IT" dirty="0" err="1"/>
+              <a:t>attributes</a:t>
+            </a:r>
+            <a:r>
+              <a:rPr lang="it-IT" dirty="0"/>
+              <a:t> </a:t>
+            </a:r>
+            <a:r>
+              <a:rPr lang="it-IT" dirty="0" err="1"/>
+              <a:t>as</a:t>
+            </a:r>
+            <a:r>
+              <a:rPr lang="it-IT" dirty="0"/>
+              <a:t> </a:t>
+            </a:r>
+            <a:r>
+              <a:rPr lang="it-IT" dirty="0" err="1"/>
+              <a:t>above</a:t>
+            </a:r>
+            <a:endParaRPr lang="it-IT" dirty="0"/>
+          </a:p>
+          <a:p>
+            <a:pPr lvl="1"/>
+            <a:r>
+              <a:rPr lang="it-IT" b="1" dirty="0" err="1"/>
+              <a:t>Classification</a:t>
+            </a:r>
+            <a:r>
+              <a:rPr lang="it-IT" b="1" dirty="0"/>
+              <a:t>, </a:t>
+            </a:r>
+            <a:r>
+              <a:rPr lang="it-IT" b="1" u="sng" dirty="0"/>
+              <a:t>testing </a:t>
+            </a:r>
+            <a:r>
+              <a:rPr lang="it-IT" b="1" u="sng" dirty="0" err="1"/>
+              <a:t>only</a:t>
+            </a:r>
+            <a:r>
+              <a:rPr lang="it-IT" dirty="0"/>
+              <a:t>, </a:t>
+            </a:r>
+            <a:r>
+              <a:rPr lang="it-IT" dirty="0" err="1"/>
+              <a:t>since</a:t>
+            </a:r>
+            <a:r>
+              <a:rPr lang="it-IT" dirty="0"/>
+              <a:t> </a:t>
+            </a:r>
+            <a:r>
+              <a:rPr lang="it-IT" dirty="0" err="1"/>
+              <a:t>we</a:t>
+            </a:r>
+            <a:r>
+              <a:rPr lang="it-IT" dirty="0"/>
+              <a:t> </a:t>
+            </a:r>
+            <a:r>
+              <a:rPr lang="it-IT" dirty="0" err="1"/>
+              <a:t>already</a:t>
+            </a:r>
+            <a:r>
+              <a:rPr lang="it-IT" dirty="0"/>
+              <a:t> </a:t>
+            </a:r>
+            <a:r>
+              <a:rPr lang="it-IT" dirty="0" err="1"/>
+              <a:t>have</a:t>
+            </a:r>
+            <a:r>
+              <a:rPr lang="it-IT" dirty="0"/>
+              <a:t> the models</a:t>
+            </a:r>
+          </a:p>
+          <a:p>
+            <a:pPr lvl="1"/>
+            <a:r>
+              <a:rPr lang="it-IT" b="1" dirty="0"/>
+              <a:t>Evaluation</a:t>
+            </a:r>
+          </a:p>
+          <a:p>
+            <a:pPr lvl="1"/>
+            <a:endParaRPr lang="it-IT" u="sng" dirty="0"/>
+          </a:p>
+          <a:p>
+            <a:endParaRPr lang="it-IT" dirty="0"/>
+          </a:p>
+        </p:txBody>
+      </p:sp>
+    </p:spTree>
+    <p:extLst>
+      <p:ext uri="{BB962C8B-B14F-4D97-AF65-F5344CB8AC3E}">
+        <p14:creationId xmlns:p14="http://schemas.microsoft.com/office/powerpoint/2010/main" val="1072636652"/>
+      </p:ext>
+    </p:extLst>
+  </p:cSld>
+  <p:clrMapOvr>
+    <a:masterClrMapping/>
+  </p:clrMapOvr>
+</p:sld>
+</file>
+
+<file path=ppt/slides/slide28.xml><?xml version="1.0" encoding="utf-8"?>
+<p:sld xmlns:a="http://schemas.openxmlformats.org/drawingml/2006/main" xmlns:r="http://schemas.openxmlformats.org/officeDocument/2006/relationships" xmlns:p="http://schemas.openxmlformats.org/presentationml/2006/main">
+  <p:cSld>
+    <p:spTree>
+      <p:nvGrpSpPr>
+        <p:cNvPr id="1" name=""/>
+        <p:cNvGrpSpPr/>
+        <p:nvPr/>
+      </p:nvGrpSpPr>
+      <p:grpSpPr>
+        <a:xfrm>
+          <a:off x="0" y="0"/>
+          <a:ext cx="0" cy="0"/>
+          <a:chOff x="0" y="0"/>
+          <a:chExt cx="0" cy="0"/>
+        </a:xfrm>
+      </p:grpSpPr>
+      <p:sp>
+        <p:nvSpPr>
+          <p:cNvPr id="2" name="Titolo 1">
+            <a:extLst>
+              <a:ext uri="{FF2B5EF4-FFF2-40B4-BE49-F238E27FC236}">
+                <a16:creationId xmlns:a16="http://schemas.microsoft.com/office/drawing/2014/main" id="{258C4C56-BC91-440A-87E0-D9D5BC5445AA}"/>
+              </a:ext>
+            </a:extLst>
+          </p:cNvPr>
+          <p:cNvSpPr>
+            <a:spLocks noGrp="1"/>
+          </p:cNvSpPr>
+          <p:nvPr>
+            <p:ph type="title"/>
+          </p:nvPr>
+        </p:nvSpPr>
+        <p:spPr/>
+        <p:txBody>
+          <a:bodyPr/>
+          <a:lstStyle/>
+          <a:p>
+            <a:r>
+              <a:rPr lang="it-IT" dirty="0" err="1"/>
+              <a:t>Our</a:t>
+            </a:r>
+            <a:r>
+              <a:rPr lang="it-IT" dirty="0"/>
+              <a:t> project – Experiment 2:</a:t>
+            </a:r>
+            <a:br>
+              <a:rPr lang="it-IT" dirty="0"/>
+            </a:br>
+            <a:r>
+              <a:rPr lang="it-IT" dirty="0" err="1"/>
+              <a:t>Obtaining</a:t>
+            </a:r>
+            <a:r>
+              <a:rPr lang="it-IT" dirty="0"/>
+              <a:t> the model (</a:t>
+            </a:r>
+            <a:r>
+              <a:rPr lang="it-IT" dirty="0" err="1"/>
+              <a:t>Naive</a:t>
+            </a:r>
+            <a:r>
+              <a:rPr lang="it-IT" dirty="0"/>
+              <a:t> </a:t>
+            </a:r>
+            <a:r>
+              <a:rPr lang="it-IT" dirty="0" err="1"/>
+              <a:t>Bayes</a:t>
+            </a:r>
+            <a:r>
+              <a:rPr lang="it-IT" dirty="0"/>
+              <a:t>)</a:t>
+            </a:r>
+            <a:br>
+              <a:rPr lang="it-IT" dirty="0"/>
+            </a:br>
+            <a:endParaRPr lang="it-IT" dirty="0"/>
+          </a:p>
+        </p:txBody>
+      </p:sp>
+      <p:pic>
+        <p:nvPicPr>
+          <p:cNvPr id="7" name="Immagine 6">
+            <a:extLst>
+              <a:ext uri="{FF2B5EF4-FFF2-40B4-BE49-F238E27FC236}">
+                <a16:creationId xmlns:a16="http://schemas.microsoft.com/office/drawing/2014/main" id="{CC90F2F3-9C1F-4351-AC1B-AA1E01DBF7D1}"/>
+              </a:ext>
+            </a:extLst>
+          </p:cNvPr>
+          <p:cNvPicPr>
+            <a:picLocks noChangeAspect="1"/>
+          </p:cNvPicPr>
+          <p:nvPr/>
+        </p:nvPicPr>
+        <p:blipFill>
+          <a:blip r:embed="rId2"/>
+          <a:stretch>
+            <a:fillRect/>
+          </a:stretch>
+        </p:blipFill>
+        <p:spPr>
+          <a:xfrm>
+            <a:off x="737420" y="2085930"/>
+            <a:ext cx="9920748" cy="3005509"/>
+          </a:xfrm>
+          <a:prstGeom prst="rect">
+            <a:avLst/>
+          </a:prstGeom>
+        </p:spPr>
+      </p:pic>
+    </p:spTree>
+    <p:extLst>
+      <p:ext uri="{BB962C8B-B14F-4D97-AF65-F5344CB8AC3E}">
+        <p14:creationId xmlns:p14="http://schemas.microsoft.com/office/powerpoint/2010/main" val="2911643416"/>
+      </p:ext>
+    </p:extLst>
+  </p:cSld>
+  <p:clrMapOvr>
+    <a:masterClrMapping/>
+  </p:clrMapOvr>
+</p:sld>
+</file>
+
+<file path=ppt/slides/slide29.xml><?xml version="1.0" encoding="utf-8"?>
+<p:sld xmlns:a="http://schemas.openxmlformats.org/drawingml/2006/main" xmlns:r="http://schemas.openxmlformats.org/officeDocument/2006/relationships" xmlns:p="http://schemas.openxmlformats.org/presentationml/2006/main">
+  <p:cSld>
+    <p:spTree>
+      <p:nvGrpSpPr>
+        <p:cNvPr id="1" name=""/>
+        <p:cNvGrpSpPr/>
+        <p:nvPr/>
+      </p:nvGrpSpPr>
+      <p:grpSpPr>
+        <a:xfrm>
+          <a:off x="0" y="0"/>
+          <a:ext cx="0" cy="0"/>
+          <a:chOff x="0" y="0"/>
+          <a:chExt cx="0" cy="0"/>
+        </a:xfrm>
+      </p:grpSpPr>
+      <p:sp>
+        <p:nvSpPr>
+          <p:cNvPr id="2" name="Titolo 1">
+            <a:extLst>
+              <a:ext uri="{FF2B5EF4-FFF2-40B4-BE49-F238E27FC236}">
+                <a16:creationId xmlns:a16="http://schemas.microsoft.com/office/drawing/2014/main" id="{258C4C56-BC91-440A-87E0-D9D5BC5445AA}"/>
+              </a:ext>
+            </a:extLst>
+          </p:cNvPr>
+          <p:cNvSpPr>
+            <a:spLocks noGrp="1"/>
+          </p:cNvSpPr>
+          <p:nvPr>
+            <p:ph type="title"/>
+          </p:nvPr>
+        </p:nvSpPr>
+        <p:spPr/>
+        <p:txBody>
+          <a:bodyPr/>
+          <a:lstStyle/>
+          <a:p>
+            <a:r>
+              <a:rPr lang="it-IT" dirty="0" err="1"/>
+              <a:t>Our</a:t>
+            </a:r>
+            <a:r>
+              <a:rPr lang="it-IT" dirty="0"/>
+              <a:t> project – Experiment 2:</a:t>
+            </a:r>
+            <a:br>
+              <a:rPr lang="it-IT" dirty="0"/>
+            </a:br>
+            <a:r>
+              <a:rPr lang="it-IT" dirty="0" err="1"/>
+              <a:t>Obtaining</a:t>
+            </a:r>
+            <a:r>
+              <a:rPr lang="it-IT" dirty="0"/>
+              <a:t> the model (ECM)</a:t>
+            </a:r>
+            <a:br>
+              <a:rPr lang="it-IT" dirty="0"/>
+            </a:br>
+            <a:endParaRPr lang="it-IT" dirty="0"/>
+          </a:p>
+        </p:txBody>
+      </p:sp>
+      <p:pic>
+        <p:nvPicPr>
+          <p:cNvPr id="3" name="Immagine 2">
+            <a:extLst>
+              <a:ext uri="{FF2B5EF4-FFF2-40B4-BE49-F238E27FC236}">
+                <a16:creationId xmlns:a16="http://schemas.microsoft.com/office/drawing/2014/main" id="{6F4D7E8A-EA37-45D4-9C09-ECF972ED8E96}"/>
+              </a:ext>
+            </a:extLst>
+          </p:cNvPr>
+          <p:cNvPicPr>
+            <a:picLocks noChangeAspect="1"/>
+          </p:cNvPicPr>
+          <p:nvPr/>
+        </p:nvPicPr>
+        <p:blipFill>
+          <a:blip r:embed="rId2"/>
+          <a:stretch>
+            <a:fillRect/>
+          </a:stretch>
+        </p:blipFill>
+        <p:spPr>
+          <a:xfrm>
+            <a:off x="530942" y="2153757"/>
+            <a:ext cx="10274710" cy="3153728"/>
+          </a:xfrm>
+          <a:prstGeom prst="rect">
+            <a:avLst/>
+          </a:prstGeom>
+        </p:spPr>
+      </p:pic>
+    </p:spTree>
+    <p:extLst>
+      <p:ext uri="{BB962C8B-B14F-4D97-AF65-F5344CB8AC3E}">
+        <p14:creationId xmlns:p14="http://schemas.microsoft.com/office/powerpoint/2010/main" val="2030192814"/>
       </p:ext>
     </p:extLst>
   </p:cSld>
@@ -6854,7 +12558,7 @@
             </a:r>
             <a:r>
               <a:rPr lang="en-US" dirty="0"/>
-              <a:t> is the process of finding records in one or more datasets that refer to the same entity across different data sources. </a:t>
+              <a:t> is the process of finding records in one or more datasets/databases that refer to the same entity across different data sources. </a:t>
             </a:r>
           </a:p>
           <a:p>
@@ -6882,10 +12586,10 @@
       </p:sp>
       <p:pic>
         <p:nvPicPr>
-          <p:cNvPr id="6" name="Immagine 5" descr="Immagine che contiene pianoforte&#10;&#10;Descrizione generata automaticamente">
+          <p:cNvPr id="11" name="Immagine 10">
             <a:extLst>
               <a:ext uri="{FF2B5EF4-FFF2-40B4-BE49-F238E27FC236}">
-                <a16:creationId xmlns:a16="http://schemas.microsoft.com/office/drawing/2014/main" id="{1EE2B53E-B45C-444E-BE7F-671CCF0EACB8}"/>
+                <a16:creationId xmlns:a16="http://schemas.microsoft.com/office/drawing/2014/main" id="{92720F5A-96A0-48F7-A798-15B603834072}"/>
               </a:ext>
             </a:extLst>
           </p:cNvPr>
@@ -6902,27 +12606,151 @@
         </p:blipFill>
         <p:spPr>
           <a:xfrm>
-            <a:off x="6096000" y="1672911"/>
-            <a:ext cx="5451627" cy="2248795"/>
+            <a:off x="6233729" y="838199"/>
+            <a:ext cx="3228706" cy="5390535"/>
           </a:xfrm>
           <a:prstGeom prst="rect">
             <a:avLst/>
           </a:prstGeom>
-          <a:effectLst>
-            <a:outerShdw blurRad="50800" dist="38100" dir="5400000" algn="t" rotWithShape="0">
-              <a:prstClr val="black">
-                <a:alpha val="43000"/>
-              </a:prstClr>
-            </a:outerShdw>
-          </a:effectLst>
+        </p:spPr>
+      </p:pic>
+    </p:spTree>
+    <p:extLst>
+      <p:ext uri="{BB962C8B-B14F-4D97-AF65-F5344CB8AC3E}">
+        <p14:creationId xmlns:p14="http://schemas.microsoft.com/office/powerpoint/2010/main" val="1274105592"/>
+      </p:ext>
+    </p:extLst>
+  </p:cSld>
+  <p:clrMapOvr>
+    <a:masterClrMapping/>
+  </p:clrMapOvr>
+</p:sld>
+</file>
+
+<file path=ppt/slides/slide30.xml><?xml version="1.0" encoding="utf-8"?>
+<p:sld xmlns:a="http://schemas.openxmlformats.org/drawingml/2006/main" xmlns:r="http://schemas.openxmlformats.org/officeDocument/2006/relationships" xmlns:p="http://schemas.openxmlformats.org/presentationml/2006/main">
+  <p:cSld>
+    <p:spTree>
+      <p:nvGrpSpPr>
+        <p:cNvPr id="1" name=""/>
+        <p:cNvGrpSpPr/>
+        <p:nvPr/>
+      </p:nvGrpSpPr>
+      <p:grpSpPr>
+        <a:xfrm>
+          <a:off x="0" y="0"/>
+          <a:ext cx="0" cy="0"/>
+          <a:chOff x="0" y="0"/>
+          <a:chExt cx="0" cy="0"/>
+        </a:xfrm>
+      </p:grpSpPr>
+      <p:sp>
+        <p:nvSpPr>
+          <p:cNvPr id="2" name="Titolo 1">
+            <a:extLst>
+              <a:ext uri="{FF2B5EF4-FFF2-40B4-BE49-F238E27FC236}">
+                <a16:creationId xmlns:a16="http://schemas.microsoft.com/office/drawing/2014/main" id="{12FA96C3-AE5E-4E9A-AA6F-59C4B6F6B756}"/>
+              </a:ext>
+            </a:extLst>
+          </p:cNvPr>
+          <p:cNvSpPr>
+            <a:spLocks noGrp="1"/>
+          </p:cNvSpPr>
+          <p:nvPr>
+            <p:ph type="title"/>
+          </p:nvPr>
+        </p:nvSpPr>
+        <p:spPr/>
+        <p:txBody>
+          <a:bodyPr/>
+          <a:lstStyle/>
+          <a:p>
+            <a:r>
+              <a:rPr lang="it-IT" dirty="0" err="1"/>
+              <a:t>Our</a:t>
+            </a:r>
+            <a:r>
+              <a:rPr lang="it-IT" dirty="0"/>
+              <a:t> project – Experiment 2:</a:t>
+            </a:r>
+            <a:br>
+              <a:rPr lang="it-IT" dirty="0"/>
+            </a:br>
+            <a:r>
+              <a:rPr lang="it-IT" dirty="0"/>
+              <a:t>Evaluation</a:t>
+            </a:r>
+          </a:p>
+        </p:txBody>
+      </p:sp>
+      <p:pic>
+        <p:nvPicPr>
+          <p:cNvPr id="6" name="Segnaposto contenuto 5">
+            <a:extLst>
+              <a:ext uri="{FF2B5EF4-FFF2-40B4-BE49-F238E27FC236}">
+                <a16:creationId xmlns:a16="http://schemas.microsoft.com/office/drawing/2014/main" id="{C7D9662E-66B7-4C77-8298-F71EC12B17D9}"/>
+              </a:ext>
+            </a:extLst>
+          </p:cNvPr>
+          <p:cNvPicPr>
+            <a:picLocks noGrp="1" noChangeAspect="1"/>
+          </p:cNvPicPr>
+          <p:nvPr>
+            <p:ph idx="1"/>
+          </p:nvPr>
+        </p:nvPicPr>
+        <p:blipFill>
+          <a:blip r:embed="rId2"/>
+          <a:stretch>
+            <a:fillRect/>
+          </a:stretch>
+        </p:blipFill>
+        <p:spPr>
+          <a:xfrm>
+            <a:off x="4405282" y="2033587"/>
+            <a:ext cx="3106379" cy="2369793"/>
+          </a:xfrm>
+          <a:prstGeom prst="rect">
+            <a:avLst/>
+          </a:prstGeom>
         </p:spPr>
       </p:pic>
       <p:pic>
         <p:nvPicPr>
-          <p:cNvPr id="8" name="Immagine 7" descr="Immagine che contiene elettronico, circuito&#10;&#10;Descrizione generata automaticamente">
+          <p:cNvPr id="5" name="Immagine 4">
             <a:extLst>
               <a:ext uri="{FF2B5EF4-FFF2-40B4-BE49-F238E27FC236}">
-                <a16:creationId xmlns:a16="http://schemas.microsoft.com/office/drawing/2014/main" id="{DB3A21E4-0941-4B18-A0E2-359FD96504DF}"/>
+                <a16:creationId xmlns:a16="http://schemas.microsoft.com/office/drawing/2014/main" id="{D7EC24B4-2730-4FAC-B2D6-DFFDA4B1838C}"/>
+              </a:ext>
+            </a:extLst>
+          </p:cNvPr>
+          <p:cNvPicPr>
+            <a:picLocks noChangeAspect="1"/>
+          </p:cNvPicPr>
+          <p:nvPr/>
+        </p:nvPicPr>
+        <p:blipFill>
+          <a:blip r:embed="rId3"/>
+          <a:stretch>
+            <a:fillRect/>
+          </a:stretch>
+        </p:blipFill>
+        <p:spPr>
+          <a:xfrm>
+            <a:off x="1103312" y="2033587"/>
+            <a:ext cx="3106379" cy="2369793"/>
+          </a:xfrm>
+          <a:prstGeom prst="rect">
+            <a:avLst/>
+          </a:prstGeom>
+        </p:spPr>
+      </p:pic>
+      <p:pic>
+        <p:nvPicPr>
+          <p:cNvPr id="7" name="Immagine 6">
+            <a:extLst>
+              <a:ext uri="{FF2B5EF4-FFF2-40B4-BE49-F238E27FC236}">
+                <a16:creationId xmlns:a16="http://schemas.microsoft.com/office/drawing/2014/main" id="{A3F487CC-665F-411B-AB9A-008F8E1391D4}"/>
               </a:ext>
             </a:extLst>
           </p:cNvPr>
@@ -6939,18 +12767,495 @@
         </p:blipFill>
         <p:spPr>
           <a:xfrm>
-            <a:off x="6652608" y="4060691"/>
-            <a:ext cx="4338409" cy="2248795"/>
+            <a:off x="7707252" y="2033588"/>
+            <a:ext cx="3106379" cy="2369792"/>
           </a:xfrm>
           <a:prstGeom prst="rect">
             <a:avLst/>
           </a:prstGeom>
         </p:spPr>
       </p:pic>
+      <p:sp>
+        <p:nvSpPr>
+          <p:cNvPr id="11" name="Segnaposto contenuto 2">
+            <a:extLst>
+              <a:ext uri="{FF2B5EF4-FFF2-40B4-BE49-F238E27FC236}">
+                <a16:creationId xmlns:a16="http://schemas.microsoft.com/office/drawing/2014/main" id="{44D85754-85FB-4941-86A7-4053A0C9D2E9}"/>
+              </a:ext>
+            </a:extLst>
+          </p:cNvPr>
+          <p:cNvSpPr txBox="1">
+            <a:spLocks/>
+          </p:cNvSpPr>
+          <p:nvPr/>
+        </p:nvSpPr>
+        <p:spPr>
+          <a:xfrm>
+            <a:off x="1001689" y="4583719"/>
+            <a:ext cx="8946541" cy="1557413"/>
+          </a:xfrm>
+          <a:prstGeom prst="rect">
+            <a:avLst/>
+          </a:prstGeom>
+        </p:spPr>
+        <p:txBody>
+          <a:bodyPr vert="horz" lIns="91440" tIns="45720" rIns="91440" bIns="45720" rtlCol="0">
+            <a:normAutofit/>
+          </a:bodyPr>
+          <a:lstStyle>
+            <a:lvl1pPr marL="342900" indent="-342900" algn="l" defTabSz="457200" rtl="0" eaLnBrk="1" latinLnBrk="0" hangingPunct="1">
+              <a:spcBef>
+                <a:spcPts val="1000"/>
+              </a:spcBef>
+              <a:spcAft>
+                <a:spcPts val="0"/>
+              </a:spcAft>
+              <a:buClr>
+                <a:schemeClr val="bg2">
+                  <a:lumMod val="40000"/>
+                  <a:lumOff val="60000"/>
+                </a:schemeClr>
+              </a:buClr>
+              <a:buSzPct val="80000"/>
+              <a:buFont typeface="Wingdings 3" charset="2"/>
+              <a:buChar char=""/>
+              <a:defRPr sz="2000" b="0" i="0" kern="1200">
+                <a:solidFill>
+                  <a:schemeClr val="tx1"/>
+                </a:solidFill>
+                <a:latin typeface="+mj-lt"/>
+                <a:ea typeface="+mj-ea"/>
+                <a:cs typeface="+mj-cs"/>
+              </a:defRPr>
+            </a:lvl1pPr>
+            <a:lvl2pPr marL="742950" indent="-285750" algn="l" defTabSz="457200" rtl="0" eaLnBrk="1" latinLnBrk="0" hangingPunct="1">
+              <a:spcBef>
+                <a:spcPts val="1000"/>
+              </a:spcBef>
+              <a:spcAft>
+                <a:spcPts val="0"/>
+              </a:spcAft>
+              <a:buClr>
+                <a:schemeClr val="bg2">
+                  <a:lumMod val="40000"/>
+                  <a:lumOff val="60000"/>
+                </a:schemeClr>
+              </a:buClr>
+              <a:buSzPct val="80000"/>
+              <a:buFont typeface="Wingdings 3" charset="2"/>
+              <a:buChar char=""/>
+              <a:defRPr sz="1800" b="0" i="0" kern="1200">
+                <a:solidFill>
+                  <a:schemeClr val="tx1"/>
+                </a:solidFill>
+                <a:latin typeface="+mj-lt"/>
+                <a:ea typeface="+mj-ea"/>
+                <a:cs typeface="+mj-cs"/>
+              </a:defRPr>
+            </a:lvl2pPr>
+            <a:lvl3pPr marL="1143000" indent="-228600" algn="l" defTabSz="457200" rtl="0" eaLnBrk="1" latinLnBrk="0" hangingPunct="1">
+              <a:spcBef>
+                <a:spcPts val="1000"/>
+              </a:spcBef>
+              <a:spcAft>
+                <a:spcPts val="0"/>
+              </a:spcAft>
+              <a:buClr>
+                <a:schemeClr val="bg2">
+                  <a:lumMod val="40000"/>
+                  <a:lumOff val="60000"/>
+                </a:schemeClr>
+              </a:buClr>
+              <a:buSzPct val="80000"/>
+              <a:buFont typeface="Wingdings 3" charset="2"/>
+              <a:buChar char=""/>
+              <a:defRPr sz="1600" b="0" i="0" kern="1200">
+                <a:solidFill>
+                  <a:schemeClr val="tx1"/>
+                </a:solidFill>
+                <a:latin typeface="+mj-lt"/>
+                <a:ea typeface="+mj-ea"/>
+                <a:cs typeface="+mj-cs"/>
+              </a:defRPr>
+            </a:lvl3pPr>
+            <a:lvl4pPr marL="1600200" indent="-228600" algn="l" defTabSz="457200" rtl="0" eaLnBrk="1" latinLnBrk="0" hangingPunct="1">
+              <a:spcBef>
+                <a:spcPts val="1000"/>
+              </a:spcBef>
+              <a:spcAft>
+                <a:spcPts val="0"/>
+              </a:spcAft>
+              <a:buClr>
+                <a:schemeClr val="bg2">
+                  <a:lumMod val="40000"/>
+                  <a:lumOff val="60000"/>
+                </a:schemeClr>
+              </a:buClr>
+              <a:buSzPct val="80000"/>
+              <a:buFont typeface="Wingdings 3" charset="2"/>
+              <a:buChar char=""/>
+              <a:defRPr sz="1400" b="0" i="0" kern="1200">
+                <a:solidFill>
+                  <a:schemeClr val="tx1"/>
+                </a:solidFill>
+                <a:latin typeface="+mj-lt"/>
+                <a:ea typeface="+mj-ea"/>
+                <a:cs typeface="+mj-cs"/>
+              </a:defRPr>
+            </a:lvl4pPr>
+            <a:lvl5pPr marL="2057400" indent="-228600" algn="l" defTabSz="457200" rtl="0" eaLnBrk="1" latinLnBrk="0" hangingPunct="1">
+              <a:spcBef>
+                <a:spcPts val="1000"/>
+              </a:spcBef>
+              <a:spcAft>
+                <a:spcPts val="0"/>
+              </a:spcAft>
+              <a:buClr>
+                <a:schemeClr val="bg2">
+                  <a:lumMod val="40000"/>
+                  <a:lumOff val="60000"/>
+                </a:schemeClr>
+              </a:buClr>
+              <a:buSzPct val="80000"/>
+              <a:buFont typeface="Wingdings 3" charset="2"/>
+              <a:buChar char=""/>
+              <a:defRPr sz="1400" b="0" i="0" kern="1200">
+                <a:solidFill>
+                  <a:schemeClr val="tx1"/>
+                </a:solidFill>
+                <a:latin typeface="+mj-lt"/>
+                <a:ea typeface="+mj-ea"/>
+                <a:cs typeface="+mj-cs"/>
+              </a:defRPr>
+            </a:lvl5pPr>
+            <a:lvl6pPr marL="2506000" indent="-228600" algn="l" defTabSz="457200" rtl="0" eaLnBrk="1" latinLnBrk="0" hangingPunct="1">
+              <a:spcBef>
+                <a:spcPts val="1000"/>
+              </a:spcBef>
+              <a:spcAft>
+                <a:spcPts val="0"/>
+              </a:spcAft>
+              <a:buClr>
+                <a:schemeClr val="bg2">
+                  <a:lumMod val="40000"/>
+                  <a:lumOff val="60000"/>
+                </a:schemeClr>
+              </a:buClr>
+              <a:buSzPct val="80000"/>
+              <a:buFont typeface="Wingdings 3" charset="2"/>
+              <a:buChar char=""/>
+              <a:defRPr sz="1400" b="0" i="0" kern="1200">
+                <a:solidFill>
+                  <a:schemeClr val="tx1"/>
+                </a:solidFill>
+                <a:latin typeface="+mj-lt"/>
+                <a:ea typeface="+mj-ea"/>
+                <a:cs typeface="+mj-cs"/>
+              </a:defRPr>
+            </a:lvl6pPr>
+            <a:lvl7pPr marL="2971800" indent="-228600" algn="l" defTabSz="457200" rtl="0" eaLnBrk="1" latinLnBrk="0" hangingPunct="1">
+              <a:spcBef>
+                <a:spcPts val="1000"/>
+              </a:spcBef>
+              <a:spcAft>
+                <a:spcPts val="0"/>
+              </a:spcAft>
+              <a:buClr>
+                <a:schemeClr val="bg2">
+                  <a:lumMod val="40000"/>
+                  <a:lumOff val="60000"/>
+                </a:schemeClr>
+              </a:buClr>
+              <a:buSzPct val="80000"/>
+              <a:buFont typeface="Wingdings 3" charset="2"/>
+              <a:buChar char=""/>
+              <a:defRPr sz="1400" b="0" i="0" kern="1200">
+                <a:solidFill>
+                  <a:schemeClr val="tx1"/>
+                </a:solidFill>
+                <a:latin typeface="+mj-lt"/>
+                <a:ea typeface="+mj-ea"/>
+                <a:cs typeface="+mj-cs"/>
+              </a:defRPr>
+            </a:lvl7pPr>
+            <a:lvl8pPr marL="3429000" indent="-228600" algn="l" defTabSz="457200" rtl="0" eaLnBrk="1" latinLnBrk="0" hangingPunct="1">
+              <a:spcBef>
+                <a:spcPts val="1000"/>
+              </a:spcBef>
+              <a:spcAft>
+                <a:spcPts val="0"/>
+              </a:spcAft>
+              <a:buClr>
+                <a:schemeClr val="bg2">
+                  <a:lumMod val="40000"/>
+                  <a:lumOff val="60000"/>
+                </a:schemeClr>
+              </a:buClr>
+              <a:buSzPct val="80000"/>
+              <a:buFont typeface="Wingdings 3" charset="2"/>
+              <a:buChar char=""/>
+              <a:defRPr sz="1400" b="0" i="0" kern="1200">
+                <a:solidFill>
+                  <a:schemeClr val="tx1"/>
+                </a:solidFill>
+                <a:latin typeface="+mj-lt"/>
+                <a:ea typeface="+mj-ea"/>
+                <a:cs typeface="+mj-cs"/>
+              </a:defRPr>
+            </a:lvl8pPr>
+            <a:lvl9pPr marL="3886200" indent="-228600" algn="l" defTabSz="457200" rtl="0" eaLnBrk="1" latinLnBrk="0" hangingPunct="1">
+              <a:spcBef>
+                <a:spcPts val="1000"/>
+              </a:spcBef>
+              <a:spcAft>
+                <a:spcPts val="0"/>
+              </a:spcAft>
+              <a:buClr>
+                <a:schemeClr val="bg2">
+                  <a:lumMod val="40000"/>
+                  <a:lumOff val="60000"/>
+                </a:schemeClr>
+              </a:buClr>
+              <a:buSzPct val="80000"/>
+              <a:buFont typeface="Wingdings 3" charset="2"/>
+              <a:buChar char=""/>
+              <a:defRPr sz="1400" b="0" i="0" kern="1200">
+                <a:solidFill>
+                  <a:schemeClr val="tx1"/>
+                </a:solidFill>
+                <a:latin typeface="+mj-lt"/>
+                <a:ea typeface="+mj-ea"/>
+                <a:cs typeface="+mj-cs"/>
+              </a:defRPr>
+            </a:lvl9pPr>
+          </a:lstStyle>
+          <a:p>
+            <a:r>
+              <a:rPr lang="it-IT" dirty="0" err="1"/>
+              <a:t>Is</a:t>
+            </a:r>
+            <a:r>
+              <a:rPr lang="it-IT" dirty="0"/>
+              <a:t> the model re-</a:t>
+            </a:r>
+            <a:r>
+              <a:rPr lang="it-IT" dirty="0" err="1"/>
+              <a:t>usable</a:t>
+            </a:r>
+            <a:r>
+              <a:rPr lang="it-IT" dirty="0"/>
+              <a:t> </a:t>
+            </a:r>
+            <a:r>
+              <a:rPr lang="it-IT" dirty="0" err="1"/>
+              <a:t>across</a:t>
+            </a:r>
+            <a:r>
+              <a:rPr lang="it-IT" dirty="0"/>
+              <a:t> </a:t>
+            </a:r>
+            <a:r>
+              <a:rPr lang="it-IT" dirty="0" err="1"/>
+              <a:t>different</a:t>
+            </a:r>
+            <a:r>
+              <a:rPr lang="it-IT" dirty="0"/>
+              <a:t> datasets </a:t>
+            </a:r>
+            <a:r>
+              <a:rPr lang="it-IT" dirty="0" err="1"/>
+              <a:t>having</a:t>
+            </a:r>
+            <a:r>
+              <a:rPr lang="it-IT" dirty="0"/>
+              <a:t> the </a:t>
+            </a:r>
+            <a:r>
+              <a:rPr lang="it-IT" dirty="0" err="1"/>
+              <a:t>same</a:t>
+            </a:r>
+            <a:r>
+              <a:rPr lang="it-IT" dirty="0"/>
+              <a:t> </a:t>
+            </a:r>
+            <a:r>
+              <a:rPr lang="it-IT" dirty="0" err="1"/>
+              <a:t>attributes</a:t>
+            </a:r>
+            <a:r>
+              <a:rPr lang="it-IT" dirty="0"/>
+              <a:t>? </a:t>
+            </a:r>
+            <a:r>
+              <a:rPr lang="it-IT" b="1" u="sng" dirty="0" err="1"/>
+              <a:t>We</a:t>
+            </a:r>
+            <a:r>
+              <a:rPr lang="it-IT" b="1" u="sng" dirty="0"/>
+              <a:t> </a:t>
+            </a:r>
+            <a:r>
+              <a:rPr lang="it-IT" b="1" u="sng" dirty="0" err="1"/>
+              <a:t>think</a:t>
+            </a:r>
+            <a:r>
+              <a:rPr lang="it-IT" b="1" u="sng" dirty="0"/>
+              <a:t> so!</a:t>
+            </a:r>
+          </a:p>
+          <a:p>
+            <a:r>
+              <a:rPr lang="it-IT" dirty="0"/>
+              <a:t>Are </a:t>
+            </a:r>
+            <a:r>
+              <a:rPr lang="it-IT" dirty="0" err="1"/>
+              <a:t>they</a:t>
+            </a:r>
+            <a:r>
+              <a:rPr lang="it-IT" dirty="0"/>
+              <a:t> </a:t>
+            </a:r>
+            <a:r>
+              <a:rPr lang="it-IT" dirty="0" err="1"/>
+              <a:t>viable</a:t>
+            </a:r>
+            <a:r>
+              <a:rPr lang="it-IT" dirty="0"/>
+              <a:t> in </a:t>
+            </a:r>
+            <a:r>
+              <a:rPr lang="it-IT" dirty="0" err="1"/>
+              <a:t>real</a:t>
+            </a:r>
+            <a:r>
+              <a:rPr lang="it-IT" dirty="0"/>
+              <a:t>-case </a:t>
+            </a:r>
+            <a:r>
+              <a:rPr lang="it-IT" dirty="0" err="1"/>
+              <a:t>scenarios</a:t>
+            </a:r>
+            <a:r>
+              <a:rPr lang="it-IT" dirty="0"/>
+              <a:t>? </a:t>
+            </a:r>
+            <a:r>
+              <a:rPr lang="it-IT" dirty="0" err="1"/>
+              <a:t>Why</a:t>
+            </a:r>
+            <a:r>
+              <a:rPr lang="it-IT" dirty="0"/>
+              <a:t>? </a:t>
+            </a:r>
+            <a:r>
+              <a:rPr lang="it-IT" b="1" u="sng" dirty="0"/>
+              <a:t>Yes</a:t>
+            </a:r>
+            <a:r>
+              <a:rPr lang="it-IT" dirty="0"/>
+              <a:t>, </a:t>
+            </a:r>
+            <a:r>
+              <a:rPr lang="it-IT" dirty="0" err="1"/>
+              <a:t>but</a:t>
+            </a:r>
+            <a:r>
+              <a:rPr lang="it-IT" dirty="0"/>
+              <a:t> </a:t>
+            </a:r>
+            <a:r>
+              <a:rPr lang="it-IT" dirty="0" err="1"/>
+              <a:t>they</a:t>
+            </a:r>
+            <a:r>
+              <a:rPr lang="it-IT" dirty="0"/>
+              <a:t> </a:t>
+            </a:r>
+            <a:r>
+              <a:rPr lang="it-IT" dirty="0" err="1"/>
+              <a:t>may</a:t>
+            </a:r>
+            <a:r>
+              <a:rPr lang="it-IT" dirty="0"/>
+              <a:t> </a:t>
+            </a:r>
+            <a:r>
+              <a:rPr lang="it-IT" dirty="0" err="1"/>
+              <a:t>not</a:t>
+            </a:r>
+            <a:r>
+              <a:rPr lang="it-IT" dirty="0"/>
+              <a:t> </a:t>
+            </a:r>
+            <a:r>
+              <a:rPr lang="it-IT" dirty="0" err="1"/>
+              <a:t>always</a:t>
+            </a:r>
+            <a:r>
+              <a:rPr lang="it-IT" dirty="0"/>
+              <a:t> be </a:t>
+            </a:r>
+            <a:r>
+              <a:rPr lang="it-IT" dirty="0" err="1"/>
+              <a:t>feasable</a:t>
+            </a:r>
+            <a:r>
+              <a:rPr lang="it-IT" dirty="0"/>
+              <a:t> </a:t>
+            </a:r>
+            <a:r>
+              <a:rPr lang="it-IT" dirty="0" err="1"/>
+              <a:t>since</a:t>
+            </a:r>
+            <a:r>
+              <a:rPr lang="it-IT" dirty="0"/>
+              <a:t> </a:t>
+            </a:r>
+            <a:r>
+              <a:rPr lang="it-IT" b="1" u="sng" dirty="0"/>
+              <a:t>the</a:t>
+            </a:r>
+            <a:r>
+              <a:rPr lang="it-IT" u="sng" dirty="0"/>
+              <a:t> </a:t>
+            </a:r>
+            <a:r>
+              <a:rPr lang="it-IT" b="1" u="sng" dirty="0" err="1"/>
+              <a:t>true</a:t>
+            </a:r>
+            <a:r>
+              <a:rPr lang="it-IT" b="1" u="sng" dirty="0"/>
+              <a:t> links are </a:t>
+            </a:r>
+            <a:r>
+              <a:rPr lang="it-IT" b="1" u="sng" dirty="0" err="1"/>
+              <a:t>required</a:t>
+            </a:r>
+            <a:r>
+              <a:rPr lang="it-IT" dirty="0"/>
+              <a:t>!</a:t>
+            </a:r>
+          </a:p>
+          <a:p>
+            <a:endParaRPr lang="it-IT" u="sng" dirty="0"/>
+          </a:p>
+          <a:p>
+            <a:endParaRPr lang="it-IT" u="sng" dirty="0"/>
+          </a:p>
+          <a:p>
+            <a:pPr lvl="1"/>
+            <a:endParaRPr lang="it-IT" dirty="0"/>
+          </a:p>
+          <a:p>
+            <a:endParaRPr lang="it-IT" dirty="0"/>
+          </a:p>
+        </p:txBody>
+      </p:sp>
     </p:spTree>
     <p:extLst>
       <p:ext uri="{BB962C8B-B14F-4D97-AF65-F5344CB8AC3E}">
-        <p14:creationId xmlns:p14="http://schemas.microsoft.com/office/powerpoint/2010/main" val="1274105592"/>
+        <p14:creationId xmlns:p14="http://schemas.microsoft.com/office/powerpoint/2010/main" val="1198323327"/>
       </p:ext>
     </p:extLst>
   </p:cSld>
@@ -7034,7 +13339,7 @@
         </p:spPr>
         <p:txBody>
           <a:bodyPr>
-            <a:normAutofit/>
+            <a:normAutofit lnSpcReduction="10000"/>
           </a:bodyPr>
           <a:lstStyle/>
           <a:p>
@@ -7089,6 +13394,13 @@
             <a:r>
               <a:rPr lang="en-US" dirty="0"/>
               <a:t>clean the datasets </a:t>
+            </a:r>
+            <a:br>
+              <a:rPr lang="en-US" dirty="0"/>
+            </a:br>
+            <a:r>
+              <a:rPr lang="en-US" dirty="0"/>
+              <a:t>[optional]</a:t>
             </a:r>
           </a:p>
           <a:p>
@@ -7735,7 +14047,7 @@
           <p:cNvPr id="2" name="Titolo 1">
             <a:extLst>
               <a:ext uri="{FF2B5EF4-FFF2-40B4-BE49-F238E27FC236}">
-                <a16:creationId xmlns:a16="http://schemas.microsoft.com/office/drawing/2014/main" id="{7E680E05-B1A4-4F49-A909-BEC7E80A0EA7}"/>
+                <a16:creationId xmlns:a16="http://schemas.microsoft.com/office/drawing/2014/main" id="{76BD382F-90DB-4907-B413-CED6A31C960C}"/>
               </a:ext>
             </a:extLst>
           </p:cNvPr>
@@ -7752,31 +14064,16 @@
           <a:lstStyle/>
           <a:p>
             <a:r>
-              <a:rPr lang="it-IT" dirty="0" err="1"/>
-              <a:t>Our</a:t>
-            </a:r>
-            <a:r>
-              <a:rPr lang="it-IT" dirty="0"/>
-              <a:t> project – Experiment 1:</a:t>
+              <a:rPr lang="it-IT" dirty="0"/>
+              <a:t>Record Linkage pipeline –</a:t>
             </a:r>
             <a:br>
               <a:rPr lang="it-IT" dirty="0"/>
             </a:br>
             <a:r>
-              <a:rPr lang="it-IT" dirty="0"/>
-              <a:t>Full Index vs </a:t>
-            </a:r>
-            <a:r>
-              <a:rPr lang="it-IT" dirty="0" err="1"/>
-              <a:t>Block</a:t>
-            </a:r>
-            <a:r>
-              <a:rPr lang="it-IT" dirty="0"/>
-              <a:t> Index</a:t>
-            </a:r>
-            <a:br>
-              <a:rPr lang="it-IT" dirty="0"/>
-            </a:br>
+              <a:rPr lang="it-IT" dirty="0" err="1"/>
+              <a:t>Prepocessing</a:t>
+            </a:r>
             <a:endParaRPr lang="it-IT" dirty="0"/>
           </a:p>
         </p:txBody>
@@ -7786,7 +14083,7 @@
           <p:cNvPr id="3" name="Segnaposto contenuto 2">
             <a:extLst>
               <a:ext uri="{FF2B5EF4-FFF2-40B4-BE49-F238E27FC236}">
-                <a16:creationId xmlns:a16="http://schemas.microsoft.com/office/drawing/2014/main" id="{89DA4000-CF61-47DF-A8E8-335D173160FC}"/>
+                <a16:creationId xmlns:a16="http://schemas.microsoft.com/office/drawing/2014/main" id="{29206AEE-ADF9-4DCA-9C65-454F489D8EF8}"/>
               </a:ext>
             </a:extLst>
           </p:cNvPr>
@@ -7799,84 +14096,182 @@
         </p:nvSpPr>
         <p:spPr>
           <a:xfrm>
-            <a:off x="833018" y="2052919"/>
-            <a:ext cx="3652718" cy="3082674"/>
+            <a:off x="1103313" y="2052918"/>
+            <a:ext cx="5970348" cy="4195481"/>
           </a:xfrm>
         </p:spPr>
         <p:txBody>
-          <a:bodyPr>
-            <a:normAutofit/>
-          </a:bodyPr>
+          <a:bodyPr/>
           <a:lstStyle/>
           <a:p>
             <a:r>
-              <a:rPr lang="it-IT" sz="1600" dirty="0"/>
-              <a:t>Two </a:t>
-            </a:r>
-            <a:r>
-              <a:rPr lang="it-IT" sz="1600" dirty="0" err="1"/>
-              <a:t>types</a:t>
-            </a:r>
-            <a:r>
-              <a:rPr lang="it-IT" sz="1600" dirty="0"/>
-              <a:t> of </a:t>
-            </a:r>
-            <a:r>
-              <a:rPr lang="it-IT" sz="1600" dirty="0" err="1"/>
-              <a:t>Indexing</a:t>
-            </a:r>
-            <a:r>
-              <a:rPr lang="it-IT" sz="1600" dirty="0"/>
+              <a:rPr lang="it-IT" dirty="0"/>
+              <a:t>Optional </a:t>
+            </a:r>
+            <a:r>
+              <a:rPr lang="it-IT" dirty="0" err="1"/>
+              <a:t>phase</a:t>
+            </a:r>
+            <a:endParaRPr lang="it-IT" dirty="0"/>
+          </a:p>
+          <a:p>
+            <a:pPr lvl="1"/>
+            <a:r>
+              <a:rPr lang="it-IT" dirty="0" err="1"/>
+              <a:t>Required</a:t>
+            </a:r>
+            <a:r>
+              <a:rPr lang="it-IT" dirty="0"/>
               <a:t> </a:t>
             </a:r>
             <a:r>
-              <a:rPr lang="it-IT" sz="1600" dirty="0" err="1"/>
-              <a:t>methods</a:t>
-            </a:r>
-            <a:r>
-              <a:rPr lang="it-IT" sz="1600" dirty="0"/>
-              <a:t> are </a:t>
-            </a:r>
-            <a:r>
-              <a:rPr lang="it-IT" sz="1600" dirty="0" err="1"/>
-              <a:t>available</a:t>
-            </a:r>
-            <a:r>
-              <a:rPr lang="it-IT" sz="1600" dirty="0"/>
-              <a:t>:</a:t>
-            </a:r>
-          </a:p>
-          <a:p>
-            <a:pPr lvl="1"/>
-            <a:r>
-              <a:rPr lang="it-IT" sz="1600" b="1" dirty="0"/>
-              <a:t>Full Index: </a:t>
-            </a:r>
-            <a:r>
-              <a:rPr lang="en-US" sz="1600" dirty="0"/>
-              <a:t>make the cartesian product of the records in the first dataset and the records in the second one</a:t>
-            </a:r>
-          </a:p>
-          <a:p>
-            <a:pPr lvl="1"/>
-            <a:r>
-              <a:rPr lang="en-US" sz="1600" b="1" dirty="0"/>
-              <a:t>Block Index: </a:t>
-            </a:r>
-            <a:r>
-              <a:rPr lang="en-US" sz="1600" dirty="0"/>
-              <a:t>only finds a subset of the cartesian product, according to some dataset attributes</a:t>
-            </a:r>
-            <a:endParaRPr lang="it-IT" sz="1600" b="1" dirty="0"/>
+              <a:rPr lang="it-IT" dirty="0" err="1"/>
+              <a:t>only</a:t>
+            </a:r>
+            <a:r>
+              <a:rPr lang="it-IT" dirty="0"/>
+              <a:t> </a:t>
+            </a:r>
+            <a:r>
+              <a:rPr lang="it-IT" dirty="0" err="1"/>
+              <a:t>if</a:t>
+            </a:r>
+            <a:r>
+              <a:rPr lang="it-IT" dirty="0"/>
+              <a:t> dataset </a:t>
+            </a:r>
+            <a:r>
+              <a:rPr lang="it-IT" dirty="0" err="1"/>
+              <a:t>is</a:t>
+            </a:r>
+            <a:r>
+              <a:rPr lang="it-IT" dirty="0"/>
+              <a:t> </a:t>
+            </a:r>
+            <a:r>
+              <a:rPr lang="it-IT" dirty="0" err="1"/>
+              <a:t>not</a:t>
+            </a:r>
+            <a:r>
+              <a:rPr lang="it-IT" dirty="0"/>
+              <a:t> </a:t>
+            </a:r>
+            <a:r>
+              <a:rPr lang="it-IT" dirty="0" err="1"/>
+              <a:t>clean</a:t>
+            </a:r>
+            <a:endParaRPr lang="it-IT" dirty="0"/>
+          </a:p>
+          <a:p>
+            <a:r>
+              <a:rPr lang="it-IT" b="1" dirty="0"/>
+              <a:t>Input: </a:t>
+            </a:r>
+            <a:r>
+              <a:rPr lang="it-IT" dirty="0"/>
+              <a:t>«</a:t>
+            </a:r>
+            <a:r>
+              <a:rPr lang="it-IT" dirty="0" err="1"/>
+              <a:t>dirty</a:t>
+            </a:r>
+            <a:r>
+              <a:rPr lang="it-IT" dirty="0"/>
+              <a:t>» dataset(s)</a:t>
+            </a:r>
+          </a:p>
+          <a:p>
+            <a:r>
+              <a:rPr lang="it-IT" b="1" dirty="0"/>
+              <a:t>Output:  </a:t>
+            </a:r>
+            <a:r>
+              <a:rPr lang="it-IT" dirty="0"/>
+              <a:t>«</a:t>
+            </a:r>
+            <a:r>
+              <a:rPr lang="it-IT" dirty="0" err="1"/>
+              <a:t>cleaned</a:t>
+            </a:r>
+            <a:r>
+              <a:rPr lang="it-IT" dirty="0"/>
+              <a:t>-up» dataset(s)</a:t>
+            </a:r>
+          </a:p>
+          <a:p>
+            <a:r>
+              <a:rPr lang="it-IT" dirty="0" err="1"/>
+              <a:t>We</a:t>
+            </a:r>
+            <a:r>
+              <a:rPr lang="it-IT" dirty="0"/>
+              <a:t> </a:t>
+            </a:r>
+            <a:r>
+              <a:rPr lang="it-IT" dirty="0" err="1"/>
+              <a:t>did</a:t>
+            </a:r>
+            <a:r>
+              <a:rPr lang="it-IT" dirty="0"/>
+              <a:t> </a:t>
+            </a:r>
+            <a:r>
+              <a:rPr lang="it-IT" dirty="0" err="1"/>
+              <a:t>not</a:t>
+            </a:r>
+            <a:r>
+              <a:rPr lang="it-IT" dirty="0"/>
+              <a:t> </a:t>
+            </a:r>
+            <a:r>
+              <a:rPr lang="it-IT" dirty="0" err="1"/>
+              <a:t>perform</a:t>
+            </a:r>
+            <a:r>
+              <a:rPr lang="it-IT" dirty="0"/>
+              <a:t> </a:t>
+            </a:r>
+            <a:r>
+              <a:rPr lang="it-IT" dirty="0" err="1"/>
+              <a:t>this</a:t>
+            </a:r>
+            <a:r>
+              <a:rPr lang="it-IT" dirty="0"/>
+              <a:t> </a:t>
+            </a:r>
+            <a:r>
+              <a:rPr lang="it-IT" dirty="0" err="1"/>
+              <a:t>phase</a:t>
+            </a:r>
+            <a:r>
+              <a:rPr lang="it-IT" dirty="0"/>
+              <a:t> in </a:t>
+            </a:r>
+            <a:r>
+              <a:rPr lang="it-IT" dirty="0" err="1"/>
+              <a:t>our</a:t>
+            </a:r>
+            <a:r>
+              <a:rPr lang="it-IT" dirty="0"/>
+              <a:t> </a:t>
+            </a:r>
+            <a:r>
+              <a:rPr lang="it-IT" dirty="0" err="1"/>
+              <a:t>experiments</a:t>
+            </a:r>
+            <a:endParaRPr lang="it-IT" dirty="0"/>
+          </a:p>
+          <a:p>
+            <a:endParaRPr lang="it-IT" dirty="0"/>
           </a:p>
         </p:txBody>
       </p:sp>
       <p:pic>
         <p:nvPicPr>
-          <p:cNvPr id="6" name="Immagine 5">
+          <p:cNvPr id="4" name="Immagine 3">
             <a:extLst>
               <a:ext uri="{FF2B5EF4-FFF2-40B4-BE49-F238E27FC236}">
-                <a16:creationId xmlns:a16="http://schemas.microsoft.com/office/drawing/2014/main" id="{B00249C0-EB55-4893-8C5F-75E5DDA9FC52}"/>
+                <a16:creationId xmlns:a16="http://schemas.microsoft.com/office/drawing/2014/main" id="{4F2DD13A-F523-4E94-A4C7-14C52E12E520}"/>
               </a:ext>
             </a:extLst>
           </p:cNvPr>
@@ -7893,8 +14288,8 @@
         </p:blipFill>
         <p:spPr>
           <a:xfrm>
-            <a:off x="5348472" y="2002773"/>
-            <a:ext cx="6318280" cy="3725167"/>
+            <a:off x="8551768" y="1502026"/>
+            <a:ext cx="2633700" cy="4072481"/>
           </a:xfrm>
           <a:prstGeom prst="rect">
             <a:avLst/>
@@ -7903,91 +14298,58 @@
       </p:pic>
       <p:sp>
         <p:nvSpPr>
-          <p:cNvPr id="4" name="CasellaDiTesto 3">
+          <p:cNvPr id="5" name="Rettangolo 4">
             <a:extLst>
               <a:ext uri="{FF2B5EF4-FFF2-40B4-BE49-F238E27FC236}">
-                <a16:creationId xmlns:a16="http://schemas.microsoft.com/office/drawing/2014/main" id="{F2B4A1DF-C765-4DCA-A5C5-4C69CE57C9C0}"/>
+                <a16:creationId xmlns:a16="http://schemas.microsoft.com/office/drawing/2014/main" id="{23DBA510-92ED-4D42-A6BF-A1599E2986DA}"/>
               </a:ext>
             </a:extLst>
           </p:cNvPr>
-          <p:cNvSpPr txBox="1"/>
+          <p:cNvSpPr/>
           <p:nvPr/>
         </p:nvSpPr>
         <p:spPr>
           <a:xfrm>
-            <a:off x="954657" y="5837208"/>
-            <a:ext cx="10712095" cy="369332"/>
+            <a:off x="8430883" y="1380226"/>
+            <a:ext cx="2898475" cy="667110"/>
           </a:xfrm>
           <a:prstGeom prst="rect">
             <a:avLst/>
           </a:prstGeom>
           <a:noFill/>
+          <a:ln>
+            <a:solidFill>
+              <a:srgbClr val="FF0000"/>
+            </a:solidFill>
+          </a:ln>
         </p:spPr>
-        <p:txBody>
-          <a:bodyPr wrap="square" rtlCol="0">
-            <a:spAutoFit/>
-          </a:bodyPr>
+        <p:style>
+          <a:lnRef idx="2">
+            <a:schemeClr val="accent6"/>
+          </a:lnRef>
+          <a:fillRef idx="1">
+            <a:schemeClr val="lt1"/>
+          </a:fillRef>
+          <a:effectRef idx="0">
+            <a:schemeClr val="accent6"/>
+          </a:effectRef>
+          <a:fontRef idx="minor">
+            <a:schemeClr val="dk1"/>
+          </a:fontRef>
+        </p:style>
+        <p:txBody>
+          <a:bodyPr rtlCol="0" anchor="ctr"/>
           <a:lstStyle/>
           <a:p>
-            <a:r>
-              <a:rPr lang="it-IT" b="1" u="sng" dirty="0" err="1"/>
-              <a:t>Question</a:t>
-            </a:r>
-            <a:r>
-              <a:rPr lang="it-IT" b="1" u="sng" dirty="0"/>
-              <a:t>:</a:t>
-            </a:r>
-            <a:r>
-              <a:rPr lang="it-IT" dirty="0"/>
-              <a:t> </a:t>
-            </a:r>
-            <a:r>
-              <a:rPr lang="it-IT" dirty="0" err="1"/>
-              <a:t>Is</a:t>
-            </a:r>
-            <a:r>
-              <a:rPr lang="it-IT" dirty="0"/>
-              <a:t> </a:t>
-            </a:r>
-            <a:r>
-              <a:rPr lang="it-IT" dirty="0" err="1"/>
-              <a:t>there</a:t>
-            </a:r>
-            <a:r>
-              <a:rPr lang="it-IT" dirty="0"/>
-              <a:t> a </a:t>
-            </a:r>
-            <a:r>
-              <a:rPr lang="it-IT" dirty="0" err="1"/>
-              <a:t>tradeoff</a:t>
-            </a:r>
-            <a:r>
-              <a:rPr lang="it-IT" dirty="0"/>
-              <a:t> </a:t>
-            </a:r>
-            <a:r>
-              <a:rPr lang="it-IT" dirty="0" err="1"/>
-              <a:t>between</a:t>
-            </a:r>
-            <a:r>
-              <a:rPr lang="it-IT" dirty="0"/>
-              <a:t> speed and </a:t>
-            </a:r>
-            <a:r>
-              <a:rPr lang="it-IT" dirty="0" err="1"/>
-              <a:t>accuracy</a:t>
-            </a:r>
-            <a:r>
-              <a:rPr lang="it-IT" dirty="0"/>
-              <a:t>?  </a:t>
-            </a:r>
+            <a:pPr algn="ctr"/>
+            <a:endParaRPr lang="it-IT"/>
           </a:p>
         </p:txBody>
       </p:sp>
     </p:spTree>
     <p:extLst>
       <p:ext uri="{BB962C8B-B14F-4D97-AF65-F5344CB8AC3E}">
-        <p14:creationId xmlns:p14="http://schemas.microsoft.com/office/powerpoint/2010/main" val="928645330"/>
+        <p14:creationId xmlns:p14="http://schemas.microsoft.com/office/powerpoint/2010/main" val="1889954394"/>
       </p:ext>
     </p:extLst>
   </p:cSld>
@@ -8019,7 +14381,7 @@
           <p:cNvPr id="2" name="Titolo 1">
             <a:extLst>
               <a:ext uri="{FF2B5EF4-FFF2-40B4-BE49-F238E27FC236}">
-                <a16:creationId xmlns:a16="http://schemas.microsoft.com/office/drawing/2014/main" id="{BEAF97F4-A13A-4876-9FF5-8D9FE0990D11}"/>
+                <a16:creationId xmlns:a16="http://schemas.microsoft.com/office/drawing/2014/main" id="{F792DF63-5CDD-4992-A145-1D30046A2C5D}"/>
               </a:ext>
             </a:extLst>
           </p:cNvPr>
@@ -8036,19 +14398,8 @@
           <a:lstStyle/>
           <a:p>
             <a:r>
-              <a:rPr lang="it-IT" dirty="0" err="1"/>
-              <a:t>Our</a:t>
-            </a:r>
-            <a:r>
-              <a:rPr lang="it-IT" dirty="0"/>
-              <a:t> project – Experiment 1:</a:t>
-            </a:r>
-            <a:br>
-              <a:rPr lang="it-IT" dirty="0"/>
-            </a:br>
-            <a:r>
-              <a:rPr lang="it-IT" dirty="0"/>
-              <a:t>Full </a:t>
+              <a:rPr lang="it-IT" dirty="0"/>
+              <a:t>Record Linkage pipeline -   </a:t>
             </a:r>
             <a:r>
               <a:rPr lang="it-IT" dirty="0" err="1"/>
@@ -8063,7 +14414,7 @@
           <p:cNvPr id="3" name="Segnaposto contenuto 2">
             <a:extLst>
               <a:ext uri="{FF2B5EF4-FFF2-40B4-BE49-F238E27FC236}">
-                <a16:creationId xmlns:a16="http://schemas.microsoft.com/office/drawing/2014/main" id="{6CB97AA5-12A7-462A-A400-98542EEB5FE4}"/>
+                <a16:creationId xmlns:a16="http://schemas.microsoft.com/office/drawing/2014/main" id="{2209EC4D-FA5C-4BE1-B8B4-F259FE4C51E8}"/>
               </a:ext>
             </a:extLst>
           </p:cNvPr>
@@ -8074,19 +14425,1217 @@
             <p:ph idx="1"/>
           </p:nvPr>
         </p:nvSpPr>
-        <p:spPr/>
+        <p:spPr>
+          <a:xfrm>
+            <a:off x="1103312" y="2052918"/>
+            <a:ext cx="6597201" cy="4195481"/>
+          </a:xfrm>
+        </p:spPr>
         <p:txBody>
           <a:bodyPr/>
           <a:lstStyle/>
           <a:p>
+            <a:r>
+              <a:rPr lang="it-IT" dirty="0"/>
+              <a:t>Create </a:t>
+            </a:r>
+            <a:r>
+              <a:rPr lang="it-IT" dirty="0" err="1"/>
+              <a:t>pairs</a:t>
+            </a:r>
+            <a:r>
+              <a:rPr lang="it-IT" dirty="0"/>
+              <a:t> (R1, R2) </a:t>
+            </a:r>
+            <a:r>
+              <a:rPr lang="it-IT" dirty="0" err="1"/>
+              <a:t>such</a:t>
+            </a:r>
+            <a:r>
+              <a:rPr lang="it-IT" dirty="0"/>
+              <a:t> </a:t>
+            </a:r>
+            <a:r>
+              <a:rPr lang="it-IT" dirty="0" err="1"/>
+              <a:t>that</a:t>
+            </a:r>
+            <a:r>
+              <a:rPr lang="it-IT" dirty="0"/>
+              <a:t>:</a:t>
+            </a:r>
+          </a:p>
+          <a:p>
+            <a:pPr lvl="1"/>
+            <a:r>
+              <a:rPr lang="it-IT" dirty="0"/>
+              <a:t>R1 </a:t>
+            </a:r>
+            <a:r>
+              <a:rPr lang="it-IT" dirty="0" err="1"/>
+              <a:t>belongs</a:t>
+            </a:r>
+            <a:r>
+              <a:rPr lang="it-IT" dirty="0"/>
+              <a:t> to the first dataset</a:t>
+            </a:r>
+          </a:p>
+          <a:p>
+            <a:pPr lvl="1"/>
+            <a:r>
+              <a:rPr lang="it-IT" dirty="0"/>
+              <a:t>R2 </a:t>
+            </a:r>
+            <a:r>
+              <a:rPr lang="it-IT" dirty="0" err="1"/>
+              <a:t>belongs</a:t>
+            </a:r>
+            <a:r>
+              <a:rPr lang="it-IT" dirty="0"/>
+              <a:t> to the second dataset</a:t>
+            </a:r>
+          </a:p>
+          <a:p>
+            <a:r>
+              <a:rPr lang="it-IT" b="1" dirty="0"/>
+              <a:t>Input: </a:t>
+            </a:r>
+            <a:r>
+              <a:rPr lang="it-IT" dirty="0"/>
+              <a:t>dataset(s)</a:t>
+            </a:r>
+          </a:p>
+          <a:p>
+            <a:r>
+              <a:rPr lang="it-IT" b="1" dirty="0"/>
+              <a:t>Output: </a:t>
+            </a:r>
+            <a:r>
+              <a:rPr lang="it-IT" dirty="0"/>
+              <a:t>«candidate links» (the </a:t>
+            </a:r>
+            <a:r>
+              <a:rPr lang="it-IT" dirty="0" err="1"/>
+              <a:t>search</a:t>
+            </a:r>
+            <a:r>
+              <a:rPr lang="it-IT" dirty="0"/>
+              <a:t> </a:t>
+            </a:r>
+            <a:r>
+              <a:rPr lang="it-IT" dirty="0" err="1"/>
+              <a:t>space</a:t>
+            </a:r>
+            <a:r>
+              <a:rPr lang="it-IT" dirty="0"/>
+              <a:t> for </a:t>
+            </a:r>
+            <a:r>
+              <a:rPr lang="it-IT" dirty="0" err="1"/>
+              <a:t>our</a:t>
+            </a:r>
+            <a:r>
+              <a:rPr lang="it-IT" dirty="0"/>
+              <a:t> models)</a:t>
+            </a:r>
+          </a:p>
+          <a:p>
+            <a:r>
+              <a:rPr lang="it-IT" dirty="0" err="1"/>
+              <a:t>Different</a:t>
+            </a:r>
+            <a:r>
+              <a:rPr lang="it-IT" dirty="0"/>
+              <a:t> </a:t>
+            </a:r>
+            <a:r>
+              <a:rPr lang="it-IT" dirty="0" err="1"/>
+              <a:t>methods</a:t>
+            </a:r>
+            <a:r>
+              <a:rPr lang="it-IT" dirty="0"/>
+              <a:t> for </a:t>
+            </a:r>
+            <a:r>
+              <a:rPr lang="it-IT" dirty="0" err="1"/>
+              <a:t>Indexing</a:t>
+            </a:r>
+            <a:r>
+              <a:rPr lang="it-IT" dirty="0"/>
+              <a:t>, </a:t>
+            </a:r>
+            <a:r>
+              <a:rPr lang="it-IT" dirty="0" err="1"/>
+              <a:t>will</a:t>
+            </a:r>
+            <a:r>
+              <a:rPr lang="it-IT" dirty="0"/>
+              <a:t> be </a:t>
+            </a:r>
+            <a:r>
+              <a:rPr lang="it-IT" dirty="0" err="1"/>
+              <a:t>explained</a:t>
+            </a:r>
+            <a:r>
+              <a:rPr lang="it-IT" dirty="0"/>
+              <a:t> </a:t>
+            </a:r>
+            <a:r>
+              <a:rPr lang="it-IT" dirty="0" err="1"/>
+              <a:t>later</a:t>
+            </a:r>
             <a:endParaRPr lang="it-IT" dirty="0"/>
+          </a:p>
+        </p:txBody>
+      </p:sp>
+      <p:pic>
+        <p:nvPicPr>
+          <p:cNvPr id="4" name="Immagine 3">
+            <a:extLst>
+              <a:ext uri="{FF2B5EF4-FFF2-40B4-BE49-F238E27FC236}">
+                <a16:creationId xmlns:a16="http://schemas.microsoft.com/office/drawing/2014/main" id="{AE6A77B2-27AE-4856-AA24-F595478E8936}"/>
+              </a:ext>
+            </a:extLst>
+          </p:cNvPr>
+          <p:cNvPicPr>
+            <a:picLocks noChangeAspect="1"/>
+          </p:cNvPicPr>
+          <p:nvPr/>
+        </p:nvPicPr>
+        <p:blipFill>
+          <a:blip r:embed="rId2"/>
+          <a:stretch>
+            <a:fillRect/>
+          </a:stretch>
+        </p:blipFill>
+        <p:spPr>
+          <a:xfrm>
+            <a:off x="8551768" y="1502026"/>
+            <a:ext cx="2633700" cy="4072481"/>
+          </a:xfrm>
+          <a:prstGeom prst="rect">
+            <a:avLst/>
+          </a:prstGeom>
+        </p:spPr>
+      </p:pic>
+      <p:sp>
+        <p:nvSpPr>
+          <p:cNvPr id="5" name="Rettangolo 4">
+            <a:extLst>
+              <a:ext uri="{FF2B5EF4-FFF2-40B4-BE49-F238E27FC236}">
+                <a16:creationId xmlns:a16="http://schemas.microsoft.com/office/drawing/2014/main" id="{8E0DADF4-11BB-4E21-AF8E-6457A5321D54}"/>
+              </a:ext>
+            </a:extLst>
+          </p:cNvPr>
+          <p:cNvSpPr/>
+          <p:nvPr/>
+        </p:nvSpPr>
+        <p:spPr>
+          <a:xfrm>
+            <a:off x="8419380" y="2277373"/>
+            <a:ext cx="2898475" cy="667110"/>
+          </a:xfrm>
+          <a:prstGeom prst="rect">
+            <a:avLst/>
+          </a:prstGeom>
+          <a:noFill/>
+          <a:ln>
+            <a:solidFill>
+              <a:srgbClr val="FF0000"/>
+            </a:solidFill>
+          </a:ln>
+        </p:spPr>
+        <p:style>
+          <a:lnRef idx="2">
+            <a:schemeClr val="accent6"/>
+          </a:lnRef>
+          <a:fillRef idx="1">
+            <a:schemeClr val="lt1"/>
+          </a:fillRef>
+          <a:effectRef idx="0">
+            <a:schemeClr val="accent6"/>
+          </a:effectRef>
+          <a:fontRef idx="minor">
+            <a:schemeClr val="dk1"/>
+          </a:fontRef>
+        </p:style>
+        <p:txBody>
+          <a:bodyPr rtlCol="0" anchor="ctr"/>
+          <a:lstStyle/>
+          <a:p>
+            <a:pPr algn="ctr"/>
+            <a:endParaRPr lang="it-IT"/>
           </a:p>
         </p:txBody>
       </p:sp>
     </p:spTree>
     <p:extLst>
       <p:ext uri="{BB962C8B-B14F-4D97-AF65-F5344CB8AC3E}">
-        <p14:creationId xmlns:p14="http://schemas.microsoft.com/office/powerpoint/2010/main" val="839965074"/>
+        <p14:creationId xmlns:p14="http://schemas.microsoft.com/office/powerpoint/2010/main" val="2784435326"/>
+      </p:ext>
+    </p:extLst>
+  </p:cSld>
+  <p:clrMapOvr>
+    <a:masterClrMapping/>
+  </p:clrMapOvr>
+</p:sld>
+</file>
+
+<file path=ppt/slides/slide7.xml><?xml version="1.0" encoding="utf-8"?>
+<p:sld xmlns:a="http://schemas.openxmlformats.org/drawingml/2006/main" xmlns:r="http://schemas.openxmlformats.org/officeDocument/2006/relationships" xmlns:p="http://schemas.openxmlformats.org/presentationml/2006/main">
+  <p:cSld>
+    <p:spTree>
+      <p:nvGrpSpPr>
+        <p:cNvPr id="1" name=""/>
+        <p:cNvGrpSpPr/>
+        <p:nvPr/>
+      </p:nvGrpSpPr>
+      <p:grpSpPr>
+        <a:xfrm>
+          <a:off x="0" y="0"/>
+          <a:ext cx="0" cy="0"/>
+          <a:chOff x="0" y="0"/>
+          <a:chExt cx="0" cy="0"/>
+        </a:xfrm>
+      </p:grpSpPr>
+      <p:sp>
+        <p:nvSpPr>
+          <p:cNvPr id="2" name="Titolo 1">
+            <a:extLst>
+              <a:ext uri="{FF2B5EF4-FFF2-40B4-BE49-F238E27FC236}">
+                <a16:creationId xmlns:a16="http://schemas.microsoft.com/office/drawing/2014/main" id="{F792DF63-5CDD-4992-A145-1D30046A2C5D}"/>
+              </a:ext>
+            </a:extLst>
+          </p:cNvPr>
+          <p:cNvSpPr>
+            <a:spLocks noGrp="1"/>
+          </p:cNvSpPr>
+          <p:nvPr>
+            <p:ph type="title"/>
+          </p:nvPr>
+        </p:nvSpPr>
+        <p:spPr/>
+        <p:txBody>
+          <a:bodyPr/>
+          <a:lstStyle/>
+          <a:p>
+            <a:r>
+              <a:rPr lang="it-IT" dirty="0"/>
+              <a:t>Record Linkage pipeline -   </a:t>
+            </a:r>
+            <a:r>
+              <a:rPr lang="it-IT" dirty="0" err="1"/>
+              <a:t>Comparison</a:t>
+            </a:r>
+            <a:endParaRPr lang="it-IT" dirty="0"/>
+          </a:p>
+        </p:txBody>
+      </p:sp>
+      <p:sp>
+        <p:nvSpPr>
+          <p:cNvPr id="3" name="Segnaposto contenuto 2">
+            <a:extLst>
+              <a:ext uri="{FF2B5EF4-FFF2-40B4-BE49-F238E27FC236}">
+                <a16:creationId xmlns:a16="http://schemas.microsoft.com/office/drawing/2014/main" id="{2209EC4D-FA5C-4BE1-B8B4-F259FE4C51E8}"/>
+              </a:ext>
+            </a:extLst>
+          </p:cNvPr>
+          <p:cNvSpPr>
+            <a:spLocks noGrp="1"/>
+          </p:cNvSpPr>
+          <p:nvPr>
+            <p:ph idx="1"/>
+          </p:nvPr>
+        </p:nvSpPr>
+        <p:spPr>
+          <a:xfrm>
+            <a:off x="1103312" y="2052918"/>
+            <a:ext cx="6948009" cy="4195481"/>
+          </a:xfrm>
+        </p:spPr>
+        <p:txBody>
+          <a:bodyPr/>
+          <a:lstStyle/>
+          <a:p>
+            <a:r>
+              <a:rPr lang="it-IT" dirty="0" err="1"/>
+              <a:t>Requires</a:t>
+            </a:r>
+            <a:r>
+              <a:rPr lang="it-IT" dirty="0"/>
+              <a:t>, for </a:t>
+            </a:r>
+            <a:r>
+              <a:rPr lang="it-IT" dirty="0" err="1"/>
+              <a:t>each</a:t>
+            </a:r>
+            <a:r>
+              <a:rPr lang="it-IT" dirty="0"/>
+              <a:t> </a:t>
+            </a:r>
+            <a:r>
+              <a:rPr lang="it-IT" dirty="0" err="1"/>
+              <a:t>pair</a:t>
+            </a:r>
+            <a:r>
+              <a:rPr lang="it-IT" dirty="0"/>
+              <a:t> of </a:t>
+            </a:r>
+            <a:r>
+              <a:rPr lang="it-IT" dirty="0" err="1"/>
+              <a:t>attributes</a:t>
+            </a:r>
+            <a:r>
+              <a:rPr lang="it-IT" dirty="0"/>
+              <a:t>:</a:t>
+            </a:r>
+          </a:p>
+          <a:p>
+            <a:pPr lvl="1"/>
+            <a:r>
+              <a:rPr lang="it-IT" dirty="0"/>
+              <a:t>A </a:t>
+            </a:r>
+            <a:r>
+              <a:rPr lang="it-IT" b="1" dirty="0" err="1"/>
+              <a:t>metric</a:t>
+            </a:r>
+            <a:endParaRPr lang="it-IT" b="1" dirty="0"/>
+          </a:p>
+          <a:p>
+            <a:pPr lvl="1"/>
+            <a:r>
+              <a:rPr lang="it-IT" dirty="0"/>
+              <a:t>A </a:t>
+            </a:r>
+            <a:r>
+              <a:rPr lang="it-IT" b="1" dirty="0" err="1"/>
+              <a:t>threshold</a:t>
+            </a:r>
+            <a:endParaRPr lang="it-IT" b="1" dirty="0"/>
+          </a:p>
+          <a:p>
+            <a:r>
+              <a:rPr lang="it-IT" dirty="0"/>
+              <a:t>Return </a:t>
+            </a:r>
+            <a:r>
+              <a:rPr lang="it-IT" u="sng" dirty="0" err="1"/>
+              <a:t>measures</a:t>
+            </a:r>
+            <a:r>
+              <a:rPr lang="it-IT" u="sng" dirty="0"/>
+              <a:t> of </a:t>
+            </a:r>
+            <a:r>
+              <a:rPr lang="it-IT" u="sng" dirty="0" err="1"/>
+              <a:t>similarity</a:t>
+            </a:r>
+            <a:r>
+              <a:rPr lang="it-IT" dirty="0"/>
+              <a:t> </a:t>
+            </a:r>
+            <a:r>
+              <a:rPr lang="it-IT" dirty="0" err="1"/>
+              <a:t>between</a:t>
+            </a:r>
+            <a:r>
+              <a:rPr lang="it-IT" dirty="0"/>
+              <a:t> </a:t>
+            </a:r>
+            <a:r>
+              <a:rPr lang="it-IT" dirty="0" err="1"/>
+              <a:t>each</a:t>
+            </a:r>
+            <a:r>
+              <a:rPr lang="it-IT" dirty="0"/>
+              <a:t> record    </a:t>
+            </a:r>
+            <a:r>
+              <a:rPr lang="it-IT" dirty="0" err="1"/>
+              <a:t>pair</a:t>
+            </a:r>
+            <a:r>
+              <a:rPr lang="it-IT" dirty="0"/>
+              <a:t> from the candidate links</a:t>
+            </a:r>
+            <a:endParaRPr lang="it-IT" u="sng" dirty="0"/>
+          </a:p>
+          <a:p>
+            <a:endParaRPr lang="it-IT" dirty="0"/>
+          </a:p>
+        </p:txBody>
+      </p:sp>
+      <p:pic>
+        <p:nvPicPr>
+          <p:cNvPr id="4" name="Immagine 3">
+            <a:extLst>
+              <a:ext uri="{FF2B5EF4-FFF2-40B4-BE49-F238E27FC236}">
+                <a16:creationId xmlns:a16="http://schemas.microsoft.com/office/drawing/2014/main" id="{DF3A60E9-AAA7-436C-AD3B-881CB1415284}"/>
+              </a:ext>
+            </a:extLst>
+          </p:cNvPr>
+          <p:cNvPicPr>
+            <a:picLocks noChangeAspect="1"/>
+          </p:cNvPicPr>
+          <p:nvPr/>
+        </p:nvPicPr>
+        <p:blipFill>
+          <a:blip r:embed="rId2"/>
+          <a:stretch>
+            <a:fillRect/>
+          </a:stretch>
+        </p:blipFill>
+        <p:spPr>
+          <a:xfrm>
+            <a:off x="8551768" y="1502026"/>
+            <a:ext cx="2633700" cy="4072481"/>
+          </a:xfrm>
+          <a:prstGeom prst="rect">
+            <a:avLst/>
+          </a:prstGeom>
+        </p:spPr>
+      </p:pic>
+      <p:sp>
+        <p:nvSpPr>
+          <p:cNvPr id="5" name="Rettangolo 4">
+            <a:extLst>
+              <a:ext uri="{FF2B5EF4-FFF2-40B4-BE49-F238E27FC236}">
+                <a16:creationId xmlns:a16="http://schemas.microsoft.com/office/drawing/2014/main" id="{A500B026-4DAF-48F7-8008-F79D72D10DAA}"/>
+              </a:ext>
+            </a:extLst>
+          </p:cNvPr>
+          <p:cNvSpPr/>
+          <p:nvPr/>
+        </p:nvSpPr>
+        <p:spPr>
+          <a:xfrm>
+            <a:off x="8419380" y="3145766"/>
+            <a:ext cx="2898475" cy="667110"/>
+          </a:xfrm>
+          <a:prstGeom prst="rect">
+            <a:avLst/>
+          </a:prstGeom>
+          <a:noFill/>
+          <a:ln>
+            <a:solidFill>
+              <a:srgbClr val="FF0000"/>
+            </a:solidFill>
+          </a:ln>
+        </p:spPr>
+        <p:style>
+          <a:lnRef idx="2">
+            <a:schemeClr val="accent6"/>
+          </a:lnRef>
+          <a:fillRef idx="1">
+            <a:schemeClr val="lt1"/>
+          </a:fillRef>
+          <a:effectRef idx="0">
+            <a:schemeClr val="accent6"/>
+          </a:effectRef>
+          <a:fontRef idx="minor">
+            <a:schemeClr val="dk1"/>
+          </a:fontRef>
+        </p:style>
+        <p:txBody>
+          <a:bodyPr rtlCol="0" anchor="ctr"/>
+          <a:lstStyle/>
+          <a:p>
+            <a:pPr algn="ctr"/>
+            <a:endParaRPr lang="it-IT"/>
+          </a:p>
+        </p:txBody>
+      </p:sp>
+      <p:pic>
+        <p:nvPicPr>
+          <p:cNvPr id="6" name="Immagine 5">
+            <a:extLst>
+              <a:ext uri="{FF2B5EF4-FFF2-40B4-BE49-F238E27FC236}">
+                <a16:creationId xmlns:a16="http://schemas.microsoft.com/office/drawing/2014/main" id="{918B1D7B-DCE3-4F25-BDC6-E097CC345760}"/>
+              </a:ext>
+            </a:extLst>
+          </p:cNvPr>
+          <p:cNvPicPr>
+            <a:picLocks noChangeAspect="1"/>
+          </p:cNvPicPr>
+          <p:nvPr/>
+        </p:nvPicPr>
+        <p:blipFill>
+          <a:blip r:embed="rId3"/>
+          <a:stretch>
+            <a:fillRect/>
+          </a:stretch>
+        </p:blipFill>
+        <p:spPr>
+          <a:xfrm>
+            <a:off x="925902" y="4348178"/>
+            <a:ext cx="6596332" cy="1904359"/>
+          </a:xfrm>
+          <a:prstGeom prst="rect">
+            <a:avLst/>
+          </a:prstGeom>
+        </p:spPr>
+      </p:pic>
+    </p:spTree>
+    <p:extLst>
+      <p:ext uri="{BB962C8B-B14F-4D97-AF65-F5344CB8AC3E}">
+        <p14:creationId xmlns:p14="http://schemas.microsoft.com/office/powerpoint/2010/main" val="734240930"/>
+      </p:ext>
+    </p:extLst>
+  </p:cSld>
+  <p:clrMapOvr>
+    <a:masterClrMapping/>
+  </p:clrMapOvr>
+</p:sld>
+</file>
+
+<file path=ppt/slides/slide8.xml><?xml version="1.0" encoding="utf-8"?>
+<p:sld xmlns:a="http://schemas.openxmlformats.org/drawingml/2006/main" xmlns:r="http://schemas.openxmlformats.org/officeDocument/2006/relationships" xmlns:p="http://schemas.openxmlformats.org/presentationml/2006/main">
+  <p:cSld>
+    <p:spTree>
+      <p:nvGrpSpPr>
+        <p:cNvPr id="1" name=""/>
+        <p:cNvGrpSpPr/>
+        <p:nvPr/>
+      </p:nvGrpSpPr>
+      <p:grpSpPr>
+        <a:xfrm>
+          <a:off x="0" y="0"/>
+          <a:ext cx="0" cy="0"/>
+          <a:chOff x="0" y="0"/>
+          <a:chExt cx="0" cy="0"/>
+        </a:xfrm>
+      </p:grpSpPr>
+      <p:sp>
+        <p:nvSpPr>
+          <p:cNvPr id="2" name="Titolo 1">
+            <a:extLst>
+              <a:ext uri="{FF2B5EF4-FFF2-40B4-BE49-F238E27FC236}">
+                <a16:creationId xmlns:a16="http://schemas.microsoft.com/office/drawing/2014/main" id="{F792DF63-5CDD-4992-A145-1D30046A2C5D}"/>
+              </a:ext>
+            </a:extLst>
+          </p:cNvPr>
+          <p:cNvSpPr>
+            <a:spLocks noGrp="1"/>
+          </p:cNvSpPr>
+          <p:nvPr>
+            <p:ph type="title"/>
+          </p:nvPr>
+        </p:nvSpPr>
+        <p:spPr/>
+        <p:txBody>
+          <a:bodyPr/>
+          <a:lstStyle/>
+          <a:p>
+            <a:r>
+              <a:rPr lang="it-IT" dirty="0"/>
+              <a:t>Record Linkage pipeline -   </a:t>
+            </a:r>
+            <a:r>
+              <a:rPr lang="it-IT" dirty="0" err="1"/>
+              <a:t>Classification</a:t>
+            </a:r>
+            <a:endParaRPr lang="it-IT" dirty="0"/>
+          </a:p>
+        </p:txBody>
+      </p:sp>
+      <p:sp>
+        <p:nvSpPr>
+          <p:cNvPr id="3" name="Segnaposto contenuto 2">
+            <a:extLst>
+              <a:ext uri="{FF2B5EF4-FFF2-40B4-BE49-F238E27FC236}">
+                <a16:creationId xmlns:a16="http://schemas.microsoft.com/office/drawing/2014/main" id="{2209EC4D-FA5C-4BE1-B8B4-F259FE4C51E8}"/>
+              </a:ext>
+            </a:extLst>
+          </p:cNvPr>
+          <p:cNvSpPr>
+            <a:spLocks noGrp="1"/>
+          </p:cNvSpPr>
+          <p:nvPr>
+            <p:ph idx="1"/>
+          </p:nvPr>
+        </p:nvSpPr>
+        <p:spPr>
+          <a:xfrm>
+            <a:off x="1103312" y="2052918"/>
+            <a:ext cx="6717971" cy="4195481"/>
+          </a:xfrm>
+        </p:spPr>
+        <p:txBody>
+          <a:bodyPr/>
+          <a:lstStyle/>
+          <a:p>
+            <a:r>
+              <a:rPr lang="it-IT" dirty="0" err="1"/>
+              <a:t>Classify</a:t>
+            </a:r>
+            <a:r>
+              <a:rPr lang="it-IT" dirty="0"/>
+              <a:t> candidate links </a:t>
+            </a:r>
+            <a:r>
+              <a:rPr lang="it-IT" dirty="0" err="1"/>
+              <a:t>into</a:t>
+            </a:r>
+            <a:r>
+              <a:rPr lang="it-IT" dirty="0"/>
+              <a:t> </a:t>
+            </a:r>
+            <a:r>
+              <a:rPr lang="it-IT" b="1" dirty="0"/>
+              <a:t>matches</a:t>
+            </a:r>
+            <a:r>
+              <a:rPr lang="it-IT" dirty="0"/>
+              <a:t> or </a:t>
+            </a:r>
+            <a:r>
+              <a:rPr lang="it-IT" b="1" dirty="0"/>
+              <a:t>non-matches</a:t>
+            </a:r>
+            <a:r>
+              <a:rPr lang="it-IT" dirty="0"/>
+              <a:t>, </a:t>
+            </a:r>
+            <a:r>
+              <a:rPr lang="it-IT" dirty="0" err="1"/>
+              <a:t>according</a:t>
+            </a:r>
+            <a:r>
+              <a:rPr lang="it-IT" dirty="0"/>
+              <a:t> to the </a:t>
+            </a:r>
+            <a:r>
+              <a:rPr lang="it-IT" dirty="0" err="1"/>
+              <a:t>results</a:t>
+            </a:r>
+            <a:r>
+              <a:rPr lang="it-IT" dirty="0"/>
+              <a:t> of the </a:t>
+            </a:r>
+            <a:r>
+              <a:rPr lang="it-IT" dirty="0" err="1"/>
+              <a:t>Comparison</a:t>
+            </a:r>
+            <a:r>
+              <a:rPr lang="it-IT" dirty="0"/>
+              <a:t> </a:t>
+            </a:r>
+            <a:r>
+              <a:rPr lang="it-IT" dirty="0" err="1"/>
+              <a:t>phase</a:t>
+            </a:r>
+            <a:endParaRPr lang="it-IT" dirty="0"/>
+          </a:p>
+          <a:p>
+            <a:pPr lvl="1"/>
+            <a:r>
+              <a:rPr lang="it-IT" dirty="0"/>
+              <a:t>i.e. : </a:t>
+            </a:r>
+            <a:r>
+              <a:rPr lang="it-IT" dirty="0" err="1"/>
+              <a:t>if</a:t>
+            </a:r>
+            <a:r>
+              <a:rPr lang="it-IT" dirty="0"/>
+              <a:t> the </a:t>
+            </a:r>
+            <a:r>
+              <a:rPr lang="it-IT" dirty="0" err="1"/>
+              <a:t>two</a:t>
+            </a:r>
+            <a:r>
+              <a:rPr lang="it-IT" dirty="0"/>
+              <a:t> </a:t>
+            </a:r>
+            <a:r>
+              <a:rPr lang="it-IT" dirty="0" err="1"/>
+              <a:t>records</a:t>
+            </a:r>
+            <a:r>
+              <a:rPr lang="it-IT" dirty="0"/>
+              <a:t> </a:t>
+            </a:r>
+            <a:r>
+              <a:rPr lang="it-IT" dirty="0" err="1"/>
+              <a:t>agree</a:t>
+            </a:r>
+            <a:r>
+              <a:rPr lang="it-IT" dirty="0"/>
+              <a:t> on </a:t>
+            </a:r>
+            <a:r>
+              <a:rPr lang="it-IT" dirty="0" err="1"/>
+              <a:t>at</a:t>
+            </a:r>
+            <a:r>
+              <a:rPr lang="it-IT" dirty="0"/>
+              <a:t> </a:t>
+            </a:r>
+            <a:r>
+              <a:rPr lang="it-IT" dirty="0" err="1"/>
+              <a:t>least</a:t>
+            </a:r>
+            <a:r>
+              <a:rPr lang="it-IT" dirty="0"/>
+              <a:t> 4 </a:t>
+            </a:r>
+            <a:r>
+              <a:rPr lang="it-IT" dirty="0" err="1"/>
+              <a:t>attributes</a:t>
+            </a:r>
+            <a:r>
+              <a:rPr lang="it-IT" dirty="0"/>
+              <a:t>, </a:t>
+            </a:r>
+            <a:r>
+              <a:rPr lang="it-IT" dirty="0" err="1"/>
+              <a:t>they</a:t>
+            </a:r>
+            <a:r>
+              <a:rPr lang="it-IT" dirty="0"/>
+              <a:t> are </a:t>
+            </a:r>
+            <a:r>
+              <a:rPr lang="it-IT" dirty="0" err="1"/>
+              <a:t>classified</a:t>
+            </a:r>
+            <a:r>
+              <a:rPr lang="it-IT" dirty="0"/>
+              <a:t> </a:t>
+            </a:r>
+            <a:r>
+              <a:rPr lang="it-IT" dirty="0" err="1"/>
+              <a:t>as</a:t>
+            </a:r>
+            <a:r>
+              <a:rPr lang="it-IT" dirty="0"/>
+              <a:t> </a:t>
+            </a:r>
+            <a:r>
+              <a:rPr lang="it-IT" b="1" dirty="0"/>
+              <a:t>match </a:t>
+            </a:r>
+            <a:r>
+              <a:rPr lang="it-IT" dirty="0"/>
+              <a:t>(</a:t>
+            </a:r>
+            <a:r>
+              <a:rPr lang="it-IT" dirty="0" err="1"/>
+              <a:t>deterministic</a:t>
+            </a:r>
+            <a:r>
+              <a:rPr lang="it-IT" dirty="0"/>
+              <a:t> </a:t>
+            </a:r>
+            <a:r>
+              <a:rPr lang="it-IT" dirty="0" err="1"/>
+              <a:t>approach</a:t>
+            </a:r>
+            <a:r>
+              <a:rPr lang="it-IT" dirty="0"/>
+              <a:t>)</a:t>
+            </a:r>
+          </a:p>
+          <a:p>
+            <a:r>
+              <a:rPr lang="it-IT" b="1" u="sng" dirty="0"/>
+              <a:t>Machine learning can be </a:t>
+            </a:r>
+            <a:r>
+              <a:rPr lang="it-IT" b="1" u="sng" dirty="0" err="1"/>
+              <a:t>used</a:t>
+            </a:r>
+            <a:r>
+              <a:rPr lang="it-IT" b="1" u="sng" dirty="0"/>
+              <a:t>! </a:t>
+            </a:r>
+            <a:br>
+              <a:rPr lang="it-IT" b="1" u="sng" dirty="0"/>
+            </a:br>
+            <a:r>
+              <a:rPr lang="it-IT" dirty="0" err="1"/>
+              <a:t>We</a:t>
+            </a:r>
+            <a:r>
+              <a:rPr lang="it-IT" dirty="0"/>
+              <a:t> </a:t>
+            </a:r>
+            <a:r>
+              <a:rPr lang="it-IT" dirty="0" err="1"/>
+              <a:t>decided</a:t>
+            </a:r>
+            <a:r>
+              <a:rPr lang="it-IT" dirty="0"/>
+              <a:t> to use:</a:t>
+            </a:r>
+          </a:p>
+          <a:p>
+            <a:pPr lvl="1"/>
+            <a:r>
+              <a:rPr lang="it-IT" b="1" u="sng" dirty="0" err="1"/>
+              <a:t>Naive</a:t>
+            </a:r>
+            <a:r>
+              <a:rPr lang="it-IT" b="1" u="sng" dirty="0"/>
+              <a:t> </a:t>
+            </a:r>
+            <a:r>
+              <a:rPr lang="it-IT" b="1" u="sng" dirty="0" err="1"/>
+              <a:t>Bayes</a:t>
+            </a:r>
+            <a:r>
+              <a:rPr lang="it-IT" b="1" u="sng" dirty="0"/>
+              <a:t> (SL)</a:t>
+            </a:r>
+          </a:p>
+          <a:p>
+            <a:pPr lvl="1"/>
+            <a:r>
+              <a:rPr lang="it-IT" b="1" u="sng" dirty="0" err="1"/>
+              <a:t>Expectation-Conditional-Maximisation</a:t>
+            </a:r>
+            <a:r>
+              <a:rPr lang="it-IT" b="1" u="sng" dirty="0"/>
+              <a:t> (UL)</a:t>
+            </a:r>
+          </a:p>
+        </p:txBody>
+      </p:sp>
+      <p:pic>
+        <p:nvPicPr>
+          <p:cNvPr id="4" name="Immagine 3">
+            <a:extLst>
+              <a:ext uri="{FF2B5EF4-FFF2-40B4-BE49-F238E27FC236}">
+                <a16:creationId xmlns:a16="http://schemas.microsoft.com/office/drawing/2014/main" id="{A638FB24-D8CA-48E2-997F-213A49C4D909}"/>
+              </a:ext>
+            </a:extLst>
+          </p:cNvPr>
+          <p:cNvPicPr>
+            <a:picLocks noChangeAspect="1"/>
+          </p:cNvPicPr>
+          <p:nvPr/>
+        </p:nvPicPr>
+        <p:blipFill>
+          <a:blip r:embed="rId2"/>
+          <a:stretch>
+            <a:fillRect/>
+          </a:stretch>
+        </p:blipFill>
+        <p:spPr>
+          <a:xfrm>
+            <a:off x="8557518" y="1641493"/>
+            <a:ext cx="2633700" cy="4072481"/>
+          </a:xfrm>
+          <a:prstGeom prst="rect">
+            <a:avLst/>
+          </a:prstGeom>
+        </p:spPr>
+      </p:pic>
+      <p:sp>
+        <p:nvSpPr>
+          <p:cNvPr id="5" name="Rettangolo 4">
+            <a:extLst>
+              <a:ext uri="{FF2B5EF4-FFF2-40B4-BE49-F238E27FC236}">
+                <a16:creationId xmlns:a16="http://schemas.microsoft.com/office/drawing/2014/main" id="{ECE28571-4F00-4CB6-BB3F-12A09052E07B}"/>
+              </a:ext>
+            </a:extLst>
+          </p:cNvPr>
+          <p:cNvSpPr/>
+          <p:nvPr/>
+        </p:nvSpPr>
+        <p:spPr>
+          <a:xfrm>
+            <a:off x="8425130" y="4205384"/>
+            <a:ext cx="2898475" cy="667110"/>
+          </a:xfrm>
+          <a:prstGeom prst="rect">
+            <a:avLst/>
+          </a:prstGeom>
+          <a:noFill/>
+          <a:ln>
+            <a:solidFill>
+              <a:srgbClr val="FF0000"/>
+            </a:solidFill>
+          </a:ln>
+        </p:spPr>
+        <p:style>
+          <a:lnRef idx="2">
+            <a:schemeClr val="accent6"/>
+          </a:lnRef>
+          <a:fillRef idx="1">
+            <a:schemeClr val="lt1"/>
+          </a:fillRef>
+          <a:effectRef idx="0">
+            <a:schemeClr val="accent6"/>
+          </a:effectRef>
+          <a:fontRef idx="minor">
+            <a:schemeClr val="dk1"/>
+          </a:fontRef>
+        </p:style>
+        <p:txBody>
+          <a:bodyPr rtlCol="0" anchor="ctr"/>
+          <a:lstStyle/>
+          <a:p>
+            <a:pPr algn="ctr"/>
+            <a:endParaRPr lang="it-IT"/>
+          </a:p>
+        </p:txBody>
+      </p:sp>
+    </p:spTree>
+    <p:extLst>
+      <p:ext uri="{BB962C8B-B14F-4D97-AF65-F5344CB8AC3E}">
+        <p14:creationId xmlns:p14="http://schemas.microsoft.com/office/powerpoint/2010/main" val="927121999"/>
+      </p:ext>
+    </p:extLst>
+  </p:cSld>
+  <p:clrMapOvr>
+    <a:masterClrMapping/>
+  </p:clrMapOvr>
+</p:sld>
+</file>
+
+<file path=ppt/slides/slide9.xml><?xml version="1.0" encoding="utf-8"?>
+<p:sld xmlns:a="http://schemas.openxmlformats.org/drawingml/2006/main" xmlns:r="http://schemas.openxmlformats.org/officeDocument/2006/relationships" xmlns:p="http://schemas.openxmlformats.org/presentationml/2006/main">
+  <p:cSld>
+    <p:spTree>
+      <p:nvGrpSpPr>
+        <p:cNvPr id="1" name=""/>
+        <p:cNvGrpSpPr/>
+        <p:nvPr/>
+      </p:nvGrpSpPr>
+      <p:grpSpPr>
+        <a:xfrm>
+          <a:off x="0" y="0"/>
+          <a:ext cx="0" cy="0"/>
+          <a:chOff x="0" y="0"/>
+          <a:chExt cx="0" cy="0"/>
+        </a:xfrm>
+      </p:grpSpPr>
+      <p:sp>
+        <p:nvSpPr>
+          <p:cNvPr id="2" name="Titolo 1">
+            <a:extLst>
+              <a:ext uri="{FF2B5EF4-FFF2-40B4-BE49-F238E27FC236}">
+                <a16:creationId xmlns:a16="http://schemas.microsoft.com/office/drawing/2014/main" id="{F792DF63-5CDD-4992-A145-1D30046A2C5D}"/>
+              </a:ext>
+            </a:extLst>
+          </p:cNvPr>
+          <p:cNvSpPr>
+            <a:spLocks noGrp="1"/>
+          </p:cNvSpPr>
+          <p:nvPr>
+            <p:ph type="title"/>
+          </p:nvPr>
+        </p:nvSpPr>
+        <p:spPr/>
+        <p:txBody>
+          <a:bodyPr/>
+          <a:lstStyle/>
+          <a:p>
+            <a:r>
+              <a:rPr lang="it-IT" dirty="0"/>
+              <a:t>Record Linkage pipeline -   Evaluation</a:t>
+            </a:r>
+          </a:p>
+        </p:txBody>
+      </p:sp>
+      <p:sp>
+        <p:nvSpPr>
+          <p:cNvPr id="3" name="Segnaposto contenuto 2">
+            <a:extLst>
+              <a:ext uri="{FF2B5EF4-FFF2-40B4-BE49-F238E27FC236}">
+                <a16:creationId xmlns:a16="http://schemas.microsoft.com/office/drawing/2014/main" id="{2209EC4D-FA5C-4BE1-B8B4-F259FE4C51E8}"/>
+              </a:ext>
+            </a:extLst>
+          </p:cNvPr>
+          <p:cNvSpPr>
+            <a:spLocks noGrp="1"/>
+          </p:cNvSpPr>
+          <p:nvPr>
+            <p:ph idx="1"/>
+          </p:nvPr>
+        </p:nvSpPr>
+        <p:spPr>
+          <a:xfrm>
+            <a:off x="1103312" y="2052918"/>
+            <a:ext cx="5815073" cy="4195481"/>
+          </a:xfrm>
+        </p:spPr>
+        <p:txBody>
+          <a:bodyPr/>
+          <a:lstStyle/>
+          <a:p>
+            <a:r>
+              <a:rPr lang="it-IT" dirty="0" err="1"/>
+              <a:t>Evaluate</a:t>
+            </a:r>
+            <a:r>
+              <a:rPr lang="it-IT" dirty="0"/>
+              <a:t> (and compare) the </a:t>
+            </a:r>
+            <a:r>
+              <a:rPr lang="it-IT" dirty="0" err="1"/>
+              <a:t>results</a:t>
+            </a:r>
+            <a:r>
+              <a:rPr lang="it-IT" dirty="0"/>
+              <a:t> of the </a:t>
+            </a:r>
+            <a:r>
+              <a:rPr lang="it-IT" dirty="0" err="1"/>
+              <a:t>classification</a:t>
+            </a:r>
+            <a:r>
+              <a:rPr lang="it-IT" dirty="0"/>
+              <a:t> </a:t>
+            </a:r>
+            <a:r>
+              <a:rPr lang="it-IT" dirty="0" err="1"/>
+              <a:t>phase</a:t>
+            </a:r>
+            <a:r>
+              <a:rPr lang="it-IT" dirty="0"/>
+              <a:t>:</a:t>
+            </a:r>
+          </a:p>
+          <a:p>
+            <a:pPr lvl="1"/>
+            <a:r>
+              <a:rPr lang="it-IT" b="1" dirty="0"/>
+              <a:t>Precision</a:t>
+            </a:r>
+          </a:p>
+          <a:p>
+            <a:pPr lvl="1"/>
+            <a:r>
+              <a:rPr lang="it-IT" b="1" dirty="0"/>
+              <a:t>Recall</a:t>
+            </a:r>
+          </a:p>
+          <a:p>
+            <a:pPr lvl="1"/>
+            <a:r>
+              <a:rPr lang="it-IT" b="1" dirty="0"/>
+              <a:t>F-score</a:t>
+            </a:r>
+          </a:p>
+        </p:txBody>
+      </p:sp>
+      <p:pic>
+        <p:nvPicPr>
+          <p:cNvPr id="4" name="Immagine 3">
+            <a:extLst>
+              <a:ext uri="{FF2B5EF4-FFF2-40B4-BE49-F238E27FC236}">
+                <a16:creationId xmlns:a16="http://schemas.microsoft.com/office/drawing/2014/main" id="{9E55E794-0B06-406B-BDCE-233B7E29A317}"/>
+              </a:ext>
+            </a:extLst>
+          </p:cNvPr>
+          <p:cNvPicPr>
+            <a:picLocks noChangeAspect="1"/>
+          </p:cNvPicPr>
+          <p:nvPr/>
+        </p:nvPicPr>
+        <p:blipFill>
+          <a:blip r:embed="rId2"/>
+          <a:stretch>
+            <a:fillRect/>
+          </a:stretch>
+        </p:blipFill>
+        <p:spPr>
+          <a:xfrm>
+            <a:off x="8551768" y="1502026"/>
+            <a:ext cx="2633700" cy="4072481"/>
+          </a:xfrm>
+          <a:prstGeom prst="rect">
+            <a:avLst/>
+          </a:prstGeom>
+        </p:spPr>
+      </p:pic>
+      <p:sp>
+        <p:nvSpPr>
+          <p:cNvPr id="5" name="Rettangolo 4">
+            <a:extLst>
+              <a:ext uri="{FF2B5EF4-FFF2-40B4-BE49-F238E27FC236}">
+                <a16:creationId xmlns:a16="http://schemas.microsoft.com/office/drawing/2014/main" id="{B00A2F02-EB56-4844-A289-136B31A688FB}"/>
+              </a:ext>
+            </a:extLst>
+          </p:cNvPr>
+          <p:cNvSpPr/>
+          <p:nvPr/>
+        </p:nvSpPr>
+        <p:spPr>
+          <a:xfrm>
+            <a:off x="8419380" y="4963064"/>
+            <a:ext cx="2898475" cy="667110"/>
+          </a:xfrm>
+          <a:prstGeom prst="rect">
+            <a:avLst/>
+          </a:prstGeom>
+          <a:noFill/>
+          <a:ln>
+            <a:solidFill>
+              <a:srgbClr val="FF0000"/>
+            </a:solidFill>
+          </a:ln>
+        </p:spPr>
+        <p:style>
+          <a:lnRef idx="2">
+            <a:schemeClr val="accent6"/>
+          </a:lnRef>
+          <a:fillRef idx="1">
+            <a:schemeClr val="lt1"/>
+          </a:fillRef>
+          <a:effectRef idx="0">
+            <a:schemeClr val="accent6"/>
+          </a:effectRef>
+          <a:fontRef idx="minor">
+            <a:schemeClr val="dk1"/>
+          </a:fontRef>
+        </p:style>
+        <p:txBody>
+          <a:bodyPr rtlCol="0" anchor="ctr"/>
+          <a:lstStyle/>
+          <a:p>
+            <a:pPr algn="ctr"/>
+            <a:endParaRPr lang="it-IT"/>
+          </a:p>
+        </p:txBody>
+      </p:sp>
+      <p:pic>
+        <p:nvPicPr>
+          <p:cNvPr id="7" name="Immagine 6">
+            <a:extLst>
+              <a:ext uri="{FF2B5EF4-FFF2-40B4-BE49-F238E27FC236}">
+                <a16:creationId xmlns:a16="http://schemas.microsoft.com/office/drawing/2014/main" id="{97B96CD5-0B7B-486F-BDD1-EF71321AAB33}"/>
+              </a:ext>
+            </a:extLst>
+          </p:cNvPr>
+          <p:cNvPicPr>
+            <a:picLocks noChangeAspect="1"/>
+          </p:cNvPicPr>
+          <p:nvPr/>
+        </p:nvPicPr>
+        <p:blipFill>
+          <a:blip r:embed="rId3"/>
+          <a:stretch>
+            <a:fillRect/>
+          </a:stretch>
+        </p:blipFill>
+        <p:spPr>
+          <a:xfrm>
+            <a:off x="1552374" y="4396298"/>
+            <a:ext cx="3873504" cy="1936752"/>
+          </a:xfrm>
+          <a:prstGeom prst="rect">
+            <a:avLst/>
+          </a:prstGeom>
+        </p:spPr>
+      </p:pic>
+    </p:spTree>
+    <p:extLst>
+      <p:ext uri="{BB962C8B-B14F-4D97-AF65-F5344CB8AC3E}">
+        <p14:creationId xmlns:p14="http://schemas.microsoft.com/office/powerpoint/2010/main" val="1132160323"/>
       </p:ext>
     </p:extLst>
   </p:cSld>
